--- a/Les escaliers.pptx
+++ b/Les escaliers.pptx
@@ -210,7 +210,7 @@
           <a:p>
             <a:fld id="{1AE5F205-9F92-4364-BB27-9D702E108BBF}" type="datetimeFigureOut">
               <a:rPr lang="fr-FR" smtClean="0"/>
-              <a:t>25/02/2024</a:t>
+              <a:t>29/02/2024</a:t>
             </a:fld>
             <a:endParaRPr lang="fr-FR"/>
           </a:p>
@@ -376,7 +376,7 @@
           <a:p>
             <a:fld id="{FC332A08-707A-473B-ADC8-5287791CAEB0}" type="datetimeFigureOut">
               <a:rPr lang="fr-FR" smtClean="0"/>
-              <a:t>25/02/2024</a:t>
+              <a:t>29/02/2024</a:t>
             </a:fld>
             <a:endParaRPr lang="fr-FR"/>
           </a:p>
@@ -776,7 +776,7 @@
           <a:p>
             <a:fld id="{D31E1380-0A9F-4603-AC58-48312EBC6535}" type="datetime1">
               <a:rPr lang="fr-FR" smtClean="0"/>
-              <a:t>25/02/2024</a:t>
+              <a:t>29/02/2024</a:t>
             </a:fld>
             <a:endParaRPr lang="fr-FR"/>
           </a:p>
@@ -946,7 +946,7 @@
           <a:p>
             <a:fld id="{3F4037CB-0E7F-469C-88B1-D123E8603939}" type="datetime1">
               <a:rPr lang="fr-FR" smtClean="0"/>
-              <a:t>25/02/2024</a:t>
+              <a:t>29/02/2024</a:t>
             </a:fld>
             <a:endParaRPr lang="fr-FR"/>
           </a:p>
@@ -1126,7 +1126,7 @@
           <a:p>
             <a:fld id="{F82A1EB2-D990-4833-B111-146775E1CC31}" type="datetime1">
               <a:rPr lang="fr-FR" smtClean="0"/>
-              <a:t>25/02/2024</a:t>
+              <a:t>29/02/2024</a:t>
             </a:fld>
             <a:endParaRPr lang="fr-FR"/>
           </a:p>
@@ -1296,7 +1296,7 @@
           <a:p>
             <a:fld id="{85F10974-6D1C-45EF-8B7C-1146761C3113}" type="datetime1">
               <a:rPr lang="fr-FR" smtClean="0"/>
-              <a:t>25/02/2024</a:t>
+              <a:t>29/02/2024</a:t>
             </a:fld>
             <a:endParaRPr lang="fr-FR"/>
           </a:p>
@@ -1540,7 +1540,7 @@
           <a:p>
             <a:fld id="{DC34148C-78CE-4850-A998-F6971A92BEF4}" type="datetime1">
               <a:rPr lang="fr-FR" smtClean="0"/>
-              <a:t>25/02/2024</a:t>
+              <a:t>29/02/2024</a:t>
             </a:fld>
             <a:endParaRPr lang="fr-FR"/>
           </a:p>
@@ -1772,7 +1772,7 @@
           <a:p>
             <a:fld id="{98A58252-3290-48A4-A576-B3A8002083B4}" type="datetime1">
               <a:rPr lang="fr-FR" smtClean="0"/>
-              <a:t>25/02/2024</a:t>
+              <a:t>29/02/2024</a:t>
             </a:fld>
             <a:endParaRPr lang="fr-FR"/>
           </a:p>
@@ -2139,7 +2139,7 @@
           <a:p>
             <a:fld id="{3A63FD95-DAEC-49B9-9CCA-F99951CC24FD}" type="datetime1">
               <a:rPr lang="fr-FR" smtClean="0"/>
-              <a:t>25/02/2024</a:t>
+              <a:t>29/02/2024</a:t>
             </a:fld>
             <a:endParaRPr lang="fr-FR"/>
           </a:p>
@@ -2257,7 +2257,7 @@
           <a:p>
             <a:fld id="{8A30231E-2C9B-4553-AE68-92D0775C6EAD}" type="datetime1">
               <a:rPr lang="fr-FR" smtClean="0"/>
-              <a:t>25/02/2024</a:t>
+              <a:t>29/02/2024</a:t>
             </a:fld>
             <a:endParaRPr lang="fr-FR"/>
           </a:p>
@@ -2352,7 +2352,7 @@
           <a:p>
             <a:fld id="{A6DEB4C5-B870-4D86-A828-1FA41441279D}" type="datetime1">
               <a:rPr lang="fr-FR" smtClean="0"/>
-              <a:t>25/02/2024</a:t>
+              <a:t>29/02/2024</a:t>
             </a:fld>
             <a:endParaRPr lang="fr-FR"/>
           </a:p>
@@ -2629,7 +2629,7 @@
           <a:p>
             <a:fld id="{63297613-6D7C-4E8C-9830-EE061053635D}" type="datetime1">
               <a:rPr lang="fr-FR" smtClean="0"/>
-              <a:t>25/02/2024</a:t>
+              <a:t>29/02/2024</a:t>
             </a:fld>
             <a:endParaRPr lang="fr-FR"/>
           </a:p>
@@ -2886,7 +2886,7 @@
           <a:p>
             <a:fld id="{F30F028D-09CB-4438-BB93-EB757F0DDC34}" type="datetime1">
               <a:rPr lang="fr-FR" smtClean="0"/>
-              <a:t>25/02/2024</a:t>
+              <a:t>29/02/2024</a:t>
             </a:fld>
             <a:endParaRPr lang="fr-FR"/>
           </a:p>
@@ -3099,7 +3099,7 @@
           <a:p>
             <a:fld id="{6D0102F8-A850-419B-B4A6-EBE3511B74F6}" type="datetime1">
               <a:rPr lang="fr-FR" smtClean="0"/>
-              <a:t>25/02/2024</a:t>
+              <a:t>29/02/2024</a:t>
             </a:fld>
             <a:endParaRPr lang="fr-FR"/>
           </a:p>
@@ -4823,11 +4823,7 @@
           <a:p>
             <a:r>
               <a:rPr lang="fr-FR" sz="1200" b="1" dirty="0" smtClean="0"/>
-              <a:t>On vous demande </a:t>
-            </a:r>
-            <a:r>
-              <a:rPr lang="fr-FR" sz="1200" b="1" dirty="0" smtClean="0"/>
-              <a:t>:</a:t>
+              <a:t>On vous demande :</a:t>
             </a:r>
           </a:p>
           <a:p>
@@ -4957,11 +4953,7 @@
           <a:p>
             <a:r>
               <a:rPr lang="fr-FR" sz="1200" b="1" dirty="0" smtClean="0"/>
-              <a:t>Questions </a:t>
-            </a:r>
-            <a:r>
-              <a:rPr lang="fr-FR" sz="1200" b="1" dirty="0" smtClean="0"/>
-              <a:t>: </a:t>
+              <a:t>Questions : </a:t>
             </a:r>
           </a:p>
           <a:p>
@@ -5287,25 +5279,13 @@
           <a:p>
             <a:r>
               <a:rPr lang="fr-FR" sz="1200" b="1" dirty="0" smtClean="0"/>
-              <a:t>Les </a:t>
-            </a:r>
+              <a:t>Les formules :</a:t>
+            </a:r>
+          </a:p>
+          <a:p>
             <a:r>
               <a:rPr lang="fr-FR" sz="1200" b="1" dirty="0" smtClean="0"/>
-              <a:t>formules </a:t>
-            </a:r>
-            <a:r>
-              <a:rPr lang="fr-FR" sz="1200" b="1" dirty="0" smtClean="0"/>
-              <a:t>:</a:t>
-            </a:r>
-          </a:p>
-          <a:p>
-            <a:r>
-              <a:rPr lang="fr-FR" sz="1200" b="1" dirty="0" smtClean="0"/>
-              <a:t>1</a:t>
-            </a:r>
-            <a:r>
-              <a:rPr lang="fr-FR" sz="1200" b="1" dirty="0" smtClean="0"/>
-              <a:t>. Le nombre de marches :</a:t>
+              <a:t>1. Le nombre de marches :</a:t>
             </a:r>
           </a:p>
           <a:p>
@@ -9221,23 +9201,11 @@
             </a:r>
             <a:r>
               <a:rPr lang="fr-FR" sz="1300" dirty="0" smtClean="0"/>
-              <a:t>2700 - (100 + </a:t>
-            </a:r>
-            <a:r>
-              <a:rPr lang="fr-FR" sz="1300" dirty="0" smtClean="0"/>
-              <a:t>30)) </a:t>
+              <a:t>2700 - (100 + 30)) </a:t>
             </a:r>
             <a:r>
               <a:rPr lang="fr-BE" sz="1300" dirty="0" smtClean="0"/>
-              <a:t>÷ (13 – 1) = </a:t>
-            </a:r>
-            <a:r>
-              <a:rPr lang="fr-BE" sz="1300" dirty="0" smtClean="0"/>
-              <a:t>214,167 </a:t>
-            </a:r>
-            <a:r>
-              <a:rPr lang="fr-BE" sz="1300" dirty="0" smtClean="0"/>
-              <a:t>mm</a:t>
+              <a:t>÷ (13 – 1) = 214,167 mm</a:t>
             </a:r>
           </a:p>
           <a:p>
@@ -9275,15 +9243,7 @@
             </a:r>
             <a:r>
               <a:rPr lang="fr-FR" sz="1400" dirty="0" smtClean="0"/>
-              <a:t> </a:t>
-            </a:r>
-            <a:r>
-              <a:rPr lang="fr-FR" sz="1400" dirty="0" smtClean="0"/>
-              <a:t>= </a:t>
-            </a:r>
-            <a:r>
-              <a:rPr lang="fr-FR" sz="1400" dirty="0" smtClean="0"/>
-              <a:t>582,16 mm</a:t>
+              <a:t> = 582,16 mm</a:t>
             </a:r>
             <a:endParaRPr lang="fr-FR" sz="1400" dirty="0"/>
           </a:p>
@@ -9452,7 +9412,23 @@
           <a:p>
             <a:r>
               <a:rPr lang="fr-FR" sz="1200" dirty="0" smtClean="0"/>
-              <a:t>Dans ce plan vue de haut avec une hauteur sol au plancher de 2600 mm et une étendue de 2400 calculer</a:t>
+              <a:t>Dans ce plan vue de haut avec une hauteur sol au plancher de </a:t>
+            </a:r>
+            <a:r>
+              <a:rPr lang="fr-FR" sz="1200" dirty="0" smtClean="0"/>
+              <a:t>2450 </a:t>
+            </a:r>
+            <a:r>
+              <a:rPr lang="fr-FR" sz="1200" dirty="0" smtClean="0"/>
+              <a:t>mm et une étendue de </a:t>
+            </a:r>
+            <a:r>
+              <a:rPr lang="fr-FR" sz="1200" dirty="0" smtClean="0"/>
+              <a:t>2700 </a:t>
+            </a:r>
+            <a:r>
+              <a:rPr lang="fr-FR" sz="1200" dirty="0" smtClean="0"/>
+              <a:t>calculer</a:t>
             </a:r>
           </a:p>
           <a:p>
@@ -9518,11 +9494,7 @@
           <a:p>
             <a:r>
               <a:rPr lang="fr-FR" sz="1200" b="1" dirty="0" smtClean="0"/>
-              <a:t>4. </a:t>
-            </a:r>
-            <a:r>
-              <a:rPr lang="fr-FR" sz="1200" b="1" dirty="0" smtClean="0"/>
-              <a:t>La formule de blondel :</a:t>
+              <a:t>4. La formule de blondel :</a:t>
             </a:r>
           </a:p>
           <a:p>
@@ -9797,11 +9769,7 @@
           <a:p>
             <a:r>
               <a:rPr lang="fr-FR" sz="1300" b="1" dirty="0" smtClean="0"/>
-              <a:t>1</a:t>
-            </a:r>
-            <a:r>
-              <a:rPr lang="fr-FR" sz="1300" b="1" dirty="0" smtClean="0"/>
-              <a:t>. Le nombre de marches :</a:t>
+              <a:t>1. Le nombre de marches :</a:t>
             </a:r>
           </a:p>
           <a:p>
@@ -9821,11 +9789,7 @@
           <a:p>
             <a:r>
               <a:rPr lang="fr-FR" sz="1300" b="1" dirty="0" smtClean="0"/>
-              <a:t>2</a:t>
-            </a:r>
-            <a:r>
-              <a:rPr lang="fr-FR" sz="1300" b="1" dirty="0" smtClean="0"/>
-              <a:t>. La hauteur de marche :</a:t>
+              <a:t>2. La hauteur de marche :</a:t>
             </a:r>
           </a:p>
           <a:p>
@@ -9848,15 +9812,7 @@
           <a:p>
             <a:r>
               <a:rPr lang="fr-BE" sz="1300" b="1" dirty="0" smtClean="0"/>
-              <a:t>3</a:t>
-            </a:r>
-            <a:r>
-              <a:rPr lang="fr-BE" sz="1300" b="1" dirty="0" smtClean="0"/>
-              <a:t>. </a:t>
-            </a:r>
-            <a:r>
-              <a:rPr lang="fr-BE" sz="1300" b="1" dirty="0" smtClean="0"/>
-              <a:t>Calculer la ligne de foulée :</a:t>
+              <a:t>3. Calculer la ligne de foulée :</a:t>
             </a:r>
           </a:p>
           <a:p>
@@ -9875,11 +9831,7 @@
             </a:r>
             <a:r>
               <a:rPr lang="fr-FR" sz="1300" b="1" dirty="0" smtClean="0"/>
-              <a:t>. Déterminer le </a:t>
-            </a:r>
-            <a:r>
-              <a:rPr lang="fr-FR" sz="1300" b="1" dirty="0" smtClean="0"/>
-              <a:t>giron :</a:t>
+              <a:t>. Déterminer le giron :</a:t>
             </a:r>
           </a:p>
           <a:p>
@@ -9897,11 +9849,7 @@
             </a:r>
             <a:r>
               <a:rPr lang="fr-BE" sz="1300" dirty="0" smtClean="0"/>
-              <a:t>÷ (nombre de marche – la marche palière</a:t>
-            </a:r>
-            <a:r>
-              <a:rPr lang="fr-BE" sz="1300" dirty="0" smtClean="0"/>
-              <a:t>)</a:t>
+              <a:t>÷ (nombre de marche – la marche palière)</a:t>
             </a:r>
           </a:p>
           <a:p>
@@ -10582,11 +10530,7 @@
           <a:p>
             <a:r>
               <a:rPr lang="fr-FR" b="1" dirty="0" smtClean="0"/>
-              <a:t>Calcul et traçage sur le plan </a:t>
-            </a:r>
-            <a:r>
-              <a:rPr lang="fr-FR" b="1" dirty="0" smtClean="0"/>
-              <a:t>:</a:t>
+              <a:t>Calcul et traçage sur le plan :</a:t>
             </a:r>
           </a:p>
           <a:p>
@@ -10595,7 +10539,15 @@
           <a:p>
             <a:r>
               <a:rPr lang="fr-FR" sz="1300" dirty="0" smtClean="0"/>
-              <a:t>Pour un escalier d’une hauteur sol au plancher de 2200 mm</a:t>
+              <a:t>Pour un escalier d’une hauteur sol au plancher de </a:t>
+            </a:r>
+            <a:r>
+              <a:rPr lang="fr-FR" sz="1300" dirty="0" smtClean="0"/>
+              <a:t>2000 </a:t>
+            </a:r>
+            <a:r>
+              <a:rPr lang="fr-FR" sz="1300" dirty="0" smtClean="0"/>
+              <a:t>mm</a:t>
             </a:r>
           </a:p>
           <a:p>
@@ -10604,17 +10556,13 @@
           <a:p>
             <a:r>
               <a:rPr lang="fr-FR" sz="1300" b="1" dirty="0" smtClean="0"/>
-              <a:t>1</a:t>
-            </a:r>
-            <a:r>
-              <a:rPr lang="fr-FR" sz="1300" b="1" dirty="0" smtClean="0"/>
-              <a:t>. Le nombre de marches :</a:t>
+              <a:t>1. Le nombre de marches :</a:t>
             </a:r>
           </a:p>
           <a:p>
             <a:r>
               <a:rPr lang="fr-FR" sz="1300" dirty="0" smtClean="0"/>
-              <a:t>2200 </a:t>
+              <a:t>2000 </a:t>
             </a:r>
             <a:r>
               <a:rPr lang="fr-BE" sz="1300" dirty="0"/>
@@ -10626,11 +10574,27 @@
             </a:r>
             <a:r>
               <a:rPr lang="fr-BE" sz="1300" dirty="0" smtClean="0"/>
-              <a:t>12.2222</a:t>
+              <a:t>11,1111</a:t>
             </a:r>
             <a:r>
               <a:rPr lang="fr-FR" sz="1300" dirty="0" smtClean="0"/>
-              <a:t>… (12 ou 13)</a:t>
+              <a:t>… </a:t>
+            </a:r>
+            <a:r>
+              <a:rPr lang="fr-FR" sz="1300" dirty="0" smtClean="0"/>
+              <a:t>(</a:t>
+            </a:r>
+            <a:r>
+              <a:rPr lang="fr-FR" sz="1300" dirty="0" smtClean="0"/>
+              <a:t>11 </a:t>
+            </a:r>
+            <a:r>
+              <a:rPr lang="fr-FR" sz="1300" dirty="0" smtClean="0"/>
+              <a:t>ou </a:t>
+            </a:r>
+            <a:r>
+              <a:rPr lang="fr-FR" sz="1300" dirty="0" smtClean="0"/>
+              <a:t>12)</a:t>
             </a:r>
             <a:endParaRPr lang="fr-FR" sz="1300" dirty="0" smtClean="0"/>
           </a:p>
@@ -10640,72 +10604,87 @@
           <a:p>
             <a:r>
               <a:rPr lang="fr-FR" sz="1300" b="1" dirty="0" smtClean="0"/>
-              <a:t>2</a:t>
-            </a:r>
-            <a:r>
-              <a:rPr lang="fr-FR" sz="1300" b="1" dirty="0" smtClean="0"/>
-              <a:t>. La hauteur de marche :</a:t>
+              <a:t>2. La hauteur de marche :</a:t>
             </a:r>
           </a:p>
           <a:p>
             <a:r>
               <a:rPr lang="fr-FR" sz="1300" strike="sngStrike" dirty="0" smtClean="0"/>
-              <a:t>2200 </a:t>
+              <a:t>2000 </a:t>
             </a:r>
             <a:r>
               <a:rPr lang="fr-BE" sz="1300" strike="sngStrike" dirty="0" smtClean="0"/>
-              <a:t>÷ 13 = </a:t>
-            </a:r>
-            <a:r>
-              <a:rPr lang="fr-BE" sz="1300" strike="sngStrike" dirty="0"/>
-              <a:t>169.23</a:t>
+              <a:t>÷ </a:t>
+            </a:r>
+            <a:r>
+              <a:rPr lang="fr-BE" sz="1300" strike="sngStrike" dirty="0" smtClean="0"/>
+              <a:t>12 </a:t>
+            </a:r>
+            <a:r>
+              <a:rPr lang="fr-BE" sz="1300" strike="sngStrike" dirty="0" smtClean="0"/>
+              <a:t>= </a:t>
+            </a:r>
+            <a:r>
+              <a:rPr lang="fr-BE" sz="1300" strike="sngStrike" dirty="0" smtClean="0"/>
+              <a:t>166,66666</a:t>
+            </a:r>
+            <a:r>
+              <a:rPr lang="fr-BE" sz="1300" dirty="0" smtClean="0"/>
+              <a:t> </a:t>
+            </a:r>
+            <a:endParaRPr lang="fr-BE" sz="1300" dirty="0" smtClean="0"/>
+          </a:p>
+          <a:p>
+            <a:r>
+              <a:rPr lang="fr-BE" sz="1300" dirty="0" smtClean="0"/>
+              <a:t>2000 </a:t>
+            </a:r>
+            <a:r>
+              <a:rPr lang="fr-BE" sz="1300" dirty="0" smtClean="0"/>
+              <a:t>÷ </a:t>
+            </a:r>
+            <a:r>
+              <a:rPr lang="fr-BE" sz="1300" dirty="0" smtClean="0"/>
+              <a:t>11 </a:t>
+            </a:r>
+            <a:r>
+              <a:rPr lang="fr-BE" sz="1300" dirty="0" smtClean="0"/>
+              <a:t>= </a:t>
+            </a:r>
+            <a:r>
+              <a:rPr lang="fr-BE" sz="1300" dirty="0" smtClean="0"/>
+              <a:t>181,8181…</a:t>
+            </a:r>
+            <a:endParaRPr lang="fr-BE" sz="1300" dirty="0" smtClean="0"/>
+          </a:p>
+          <a:p>
+            <a:endParaRPr lang="fr-BE" sz="1300" dirty="0" smtClean="0"/>
+          </a:p>
+          <a:p>
+            <a:r>
+              <a:rPr lang="fr-BE" sz="1300" b="1" dirty="0" smtClean="0"/>
+              <a:t>3. Calculer la ligne de foulée :</a:t>
+            </a:r>
+          </a:p>
+          <a:p>
+            <a:r>
+              <a:rPr lang="fr-BE" sz="1300" dirty="0" smtClean="0"/>
+              <a:t>(1150 – 100)  + (1050 – 30) + (3,14 x 400 x 2) = 2698mm				</a:t>
             </a:r>
             <a:r>
               <a:rPr lang="fr-BE" sz="1300" dirty="0"/>
               <a:t> </a:t>
             </a:r>
-            <a:endParaRPr lang="fr-BE" sz="1300" dirty="0" smtClean="0"/>
-          </a:p>
-          <a:p>
-            <a:r>
-              <a:rPr lang="fr-BE" sz="1300" dirty="0" smtClean="0"/>
-              <a:t>2200 ÷ 12 = 183,333…</a:t>
-            </a:r>
-          </a:p>
-          <a:p>
-            <a:endParaRPr lang="fr-BE" sz="1300" dirty="0" smtClean="0"/>
-          </a:p>
-          <a:p>
-            <a:r>
-              <a:rPr lang="fr-BE" sz="1300" b="1" dirty="0" smtClean="0"/>
-              <a:t>3. Calculer la ligne de foulée :</a:t>
-            </a:r>
-          </a:p>
-          <a:p>
-            <a:r>
-              <a:rPr lang="fr-BE" sz="1300" dirty="0" smtClean="0"/>
-              <a:t>(1150 – 100)  + (1050 – 30) + (3,14 x 400 x 2) = </a:t>
-            </a:r>
-            <a:r>
-              <a:rPr lang="fr-BE" sz="1300" dirty="0" smtClean="0"/>
-              <a:t>2698mm				</a:t>
-            </a:r>
-            <a:r>
-              <a:rPr lang="fr-BE" sz="1300" dirty="0"/>
-              <a:t> </a:t>
-            </a:r>
             <a:r>
               <a:rPr lang="fr-BE" sz="1300" dirty="0" smtClean="0"/>
               <a:t>    4</a:t>
             </a:r>
-            <a:endParaRPr lang="fr-BE" sz="1300" dirty="0" smtClean="0"/>
           </a:p>
           <a:p>
             <a:r>
               <a:rPr lang="fr-BE" sz="1300" dirty="0" smtClean="0"/>
               <a:t>					</a:t>
             </a:r>
-            <a:endParaRPr lang="fr-BE" sz="1300" dirty="0" smtClean="0"/>
           </a:p>
           <a:p>
             <a:r>
@@ -10714,11 +10693,7 @@
             </a:r>
             <a:r>
               <a:rPr lang="fr-FR" sz="1300" b="1" dirty="0" smtClean="0"/>
-              <a:t>. Déterminer le </a:t>
-            </a:r>
-            <a:r>
-              <a:rPr lang="fr-FR" sz="1300" b="1" dirty="0" smtClean="0"/>
-              <a:t>giron :</a:t>
+              <a:t>. Déterminer le giron :</a:t>
             </a:r>
           </a:p>
           <a:p>
@@ -10728,8 +10703,21 @@
             </a:r>
             <a:r>
               <a:rPr lang="fr-BE" sz="1300" dirty="0" smtClean="0"/>
-              <a:t>÷ 12 = 224.8333… mm</a:t>
-            </a:r>
+              <a:t>÷ </a:t>
+            </a:r>
+            <a:r>
+              <a:rPr lang="fr-BE" sz="1300" dirty="0" smtClean="0"/>
+              <a:t>10 </a:t>
+            </a:r>
+            <a:r>
+              <a:rPr lang="fr-BE" sz="1300" dirty="0" smtClean="0"/>
+              <a:t>= </a:t>
+            </a:r>
+            <a:r>
+              <a:rPr lang="fr-BE" sz="1300" dirty="0" smtClean="0"/>
+              <a:t>269.8 mm</a:t>
+            </a:r>
+            <a:endParaRPr lang="fr-BE" sz="1300" dirty="0" smtClean="0"/>
           </a:p>
           <a:p>
             <a:endParaRPr lang="fr-BE" sz="1300" dirty="0"/>
@@ -10750,12 +10738,40 @@
           </a:p>
           <a:p>
             <a:r>
+              <a:rPr lang="fr-BE" sz="1300" dirty="0" smtClean="0"/>
+              <a:t>181,818 </a:t>
+            </a:r>
+            <a:r>
               <a:rPr lang="fr-BE" sz="1300" dirty="0"/>
-              <a:t>178,5 + 178,5 + 224,833 = </a:t>
+              <a:t>+ </a:t>
             </a:r>
             <a:r>
               <a:rPr lang="fr-BE" sz="1300" dirty="0" smtClean="0"/>
-              <a:t> 581.83 mm</a:t>
+              <a:t>181,818 </a:t>
+            </a:r>
+            <a:r>
+              <a:rPr lang="fr-BE" sz="1300" dirty="0"/>
+              <a:t>+ </a:t>
+            </a:r>
+            <a:r>
+              <a:rPr lang="fr-BE" sz="1300" dirty="0"/>
+              <a:t>269.8 </a:t>
+            </a:r>
+            <a:r>
+              <a:rPr lang="fr-BE" sz="1300" dirty="0"/>
+              <a:t>= </a:t>
+            </a:r>
+            <a:r>
+              <a:rPr lang="fr-BE" sz="1300" dirty="0" smtClean="0"/>
+              <a:t> </a:t>
+            </a:r>
+            <a:r>
+              <a:rPr lang="fr-BE" sz="1300" dirty="0" smtClean="0"/>
+              <a:t>633,436 </a:t>
+            </a:r>
+            <a:r>
+              <a:rPr lang="fr-BE" sz="1300" dirty="0" smtClean="0"/>
+              <a:t>mm</a:t>
             </a:r>
             <a:endParaRPr lang="fr-FR" sz="1300" dirty="0" smtClean="0"/>
           </a:p>

--- a/Les escaliers.pptx
+++ b/Les escaliers.pptx
@@ -5,10 +5,10 @@
     <p:sldMasterId id="2147483660" r:id="rId1"/>
   </p:sldMasterIdLst>
   <p:notesMasterIdLst>
-    <p:notesMasterId r:id="rId13"/>
+    <p:notesMasterId r:id="rId16"/>
   </p:notesMasterIdLst>
   <p:handoutMasterIdLst>
-    <p:handoutMasterId r:id="rId14"/>
+    <p:handoutMasterId r:id="rId17"/>
   </p:handoutMasterIdLst>
   <p:sldIdLst>
     <p:sldId id="257" r:id="rId2"/>
@@ -20,8 +20,11 @@
     <p:sldId id="261" r:id="rId8"/>
     <p:sldId id="265" r:id="rId9"/>
     <p:sldId id="266" r:id="rId10"/>
-    <p:sldId id="264" r:id="rId11"/>
-    <p:sldId id="263" r:id="rId12"/>
+    <p:sldId id="268" r:id="rId11"/>
+    <p:sldId id="267" r:id="rId12"/>
+    <p:sldId id="264" r:id="rId13"/>
+    <p:sldId id="269" r:id="rId14"/>
+    <p:sldId id="263" r:id="rId15"/>
   </p:sldIdLst>
   <p:sldSz cx="7559675" cy="10439400"/>
   <p:notesSz cx="6797675" cy="9926638"/>
@@ -210,7 +213,7 @@
           <a:p>
             <a:fld id="{1AE5F205-9F92-4364-BB27-9D702E108BBF}" type="datetimeFigureOut">
               <a:rPr lang="fr-FR" smtClean="0"/>
-              <a:t>29/02/2024</a:t>
+              <a:t>04/03/2024</a:t>
             </a:fld>
             <a:endParaRPr lang="fr-FR"/>
           </a:p>
@@ -376,7 +379,7 @@
           <a:p>
             <a:fld id="{FC332A08-707A-473B-ADC8-5287791CAEB0}" type="datetimeFigureOut">
               <a:rPr lang="fr-FR" smtClean="0"/>
-              <a:t>29/02/2024</a:t>
+              <a:t>04/03/2024</a:t>
             </a:fld>
             <a:endParaRPr lang="fr-FR"/>
           </a:p>
@@ -776,7 +779,7 @@
           <a:p>
             <a:fld id="{D31E1380-0A9F-4603-AC58-48312EBC6535}" type="datetime1">
               <a:rPr lang="fr-FR" smtClean="0"/>
-              <a:t>29/02/2024</a:t>
+              <a:t>04/03/2024</a:t>
             </a:fld>
             <a:endParaRPr lang="fr-FR"/>
           </a:p>
@@ -946,7 +949,7 @@
           <a:p>
             <a:fld id="{3F4037CB-0E7F-469C-88B1-D123E8603939}" type="datetime1">
               <a:rPr lang="fr-FR" smtClean="0"/>
-              <a:t>29/02/2024</a:t>
+              <a:t>04/03/2024</a:t>
             </a:fld>
             <a:endParaRPr lang="fr-FR"/>
           </a:p>
@@ -1126,7 +1129,7 @@
           <a:p>
             <a:fld id="{F82A1EB2-D990-4833-B111-146775E1CC31}" type="datetime1">
               <a:rPr lang="fr-FR" smtClean="0"/>
-              <a:t>29/02/2024</a:t>
+              <a:t>04/03/2024</a:t>
             </a:fld>
             <a:endParaRPr lang="fr-FR"/>
           </a:p>
@@ -1296,7 +1299,7 @@
           <a:p>
             <a:fld id="{85F10974-6D1C-45EF-8B7C-1146761C3113}" type="datetime1">
               <a:rPr lang="fr-FR" smtClean="0"/>
-              <a:t>29/02/2024</a:t>
+              <a:t>04/03/2024</a:t>
             </a:fld>
             <a:endParaRPr lang="fr-FR"/>
           </a:p>
@@ -1540,7 +1543,7 @@
           <a:p>
             <a:fld id="{DC34148C-78CE-4850-A998-F6971A92BEF4}" type="datetime1">
               <a:rPr lang="fr-FR" smtClean="0"/>
-              <a:t>29/02/2024</a:t>
+              <a:t>04/03/2024</a:t>
             </a:fld>
             <a:endParaRPr lang="fr-FR"/>
           </a:p>
@@ -1772,7 +1775,7 @@
           <a:p>
             <a:fld id="{98A58252-3290-48A4-A576-B3A8002083B4}" type="datetime1">
               <a:rPr lang="fr-FR" smtClean="0"/>
-              <a:t>29/02/2024</a:t>
+              <a:t>04/03/2024</a:t>
             </a:fld>
             <a:endParaRPr lang="fr-FR"/>
           </a:p>
@@ -2139,7 +2142,7 @@
           <a:p>
             <a:fld id="{3A63FD95-DAEC-49B9-9CCA-F99951CC24FD}" type="datetime1">
               <a:rPr lang="fr-FR" smtClean="0"/>
-              <a:t>29/02/2024</a:t>
+              <a:t>04/03/2024</a:t>
             </a:fld>
             <a:endParaRPr lang="fr-FR"/>
           </a:p>
@@ -2257,7 +2260,7 @@
           <a:p>
             <a:fld id="{8A30231E-2C9B-4553-AE68-92D0775C6EAD}" type="datetime1">
               <a:rPr lang="fr-FR" smtClean="0"/>
-              <a:t>29/02/2024</a:t>
+              <a:t>04/03/2024</a:t>
             </a:fld>
             <a:endParaRPr lang="fr-FR"/>
           </a:p>
@@ -2352,7 +2355,7 @@
           <a:p>
             <a:fld id="{A6DEB4C5-B870-4D86-A828-1FA41441279D}" type="datetime1">
               <a:rPr lang="fr-FR" smtClean="0"/>
-              <a:t>29/02/2024</a:t>
+              <a:t>04/03/2024</a:t>
             </a:fld>
             <a:endParaRPr lang="fr-FR"/>
           </a:p>
@@ -2629,7 +2632,7 @@
           <a:p>
             <a:fld id="{63297613-6D7C-4E8C-9830-EE061053635D}" type="datetime1">
               <a:rPr lang="fr-FR" smtClean="0"/>
-              <a:t>29/02/2024</a:t>
+              <a:t>04/03/2024</a:t>
             </a:fld>
             <a:endParaRPr lang="fr-FR"/>
           </a:p>
@@ -2886,7 +2889,7 @@
           <a:p>
             <a:fld id="{F30F028D-09CB-4438-BB93-EB757F0DDC34}" type="datetime1">
               <a:rPr lang="fr-FR" smtClean="0"/>
-              <a:t>29/02/2024</a:t>
+              <a:t>04/03/2024</a:t>
             </a:fld>
             <a:endParaRPr lang="fr-FR"/>
           </a:p>
@@ -3099,7 +3102,7 @@
           <a:p>
             <a:fld id="{6D0102F8-A850-419B-B4A6-EBE3511B74F6}" type="datetime1">
               <a:rPr lang="fr-FR" smtClean="0"/>
-              <a:t>29/02/2024</a:t>
+              <a:t>04/03/2024</a:t>
             </a:fld>
             <a:endParaRPr lang="fr-FR"/>
           </a:p>
@@ -3514,14 +3517,14 @@
           <p:nvPr>
             <p:extLst>
               <p:ext uri="{D42A27DB-BD31-4B8C-83A1-F6EECF244321}">
-                <p14:modId xmlns:p14="http://schemas.microsoft.com/office/powerpoint/2010/main" val="1599458830"/>
+                <p14:modId xmlns:p14="http://schemas.microsoft.com/office/powerpoint/2010/main" val="2556612739"/>
               </p:ext>
             </p:extLst>
           </p:nvPr>
         </p:nvGraphicFramePr>
         <p:xfrm>
           <a:off x="222190" y="1010067"/>
-          <a:ext cx="7135740" cy="5222528"/>
+          <a:ext cx="7135740" cy="4105051"/>
         </p:xfrm>
         <a:graphic>
           <a:graphicData uri="http://schemas.openxmlformats.org/drawingml/2006/table">
@@ -3530,21 +3533,21 @@
                 <a:tableStyleId>{7E9639D4-E3E2-4D34-9284-5A2195B3D0D7}</a:tableStyleId>
               </a:tblPr>
               <a:tblGrid>
-                <a:gridCol w="2378580">
+                <a:gridCol w="2269397">
                   <a:extLst>
                     <a:ext uri="{9D8B030D-6E8A-4147-A177-3AD203B41FA5}">
                       <a16:colId xmlns:a16="http://schemas.microsoft.com/office/drawing/2014/main" val="2698061447"/>
                     </a:ext>
                   </a:extLst>
                 </a:gridCol>
-                <a:gridCol w="1114887">
+                <a:gridCol w="1242213">
                   <a:extLst>
                     <a:ext uri="{9D8B030D-6E8A-4147-A177-3AD203B41FA5}">
                       <a16:colId xmlns:a16="http://schemas.microsoft.com/office/drawing/2014/main" val="3267629834"/>
                     </a:ext>
                   </a:extLst>
                 </a:gridCol>
-                <a:gridCol w="3642273">
+                <a:gridCol w="3624130">
                   <a:extLst>
                     <a:ext uri="{9D8B030D-6E8A-4147-A177-3AD203B41FA5}">
                       <a16:colId xmlns:a16="http://schemas.microsoft.com/office/drawing/2014/main" val="2123643010"/>
@@ -3560,10 +3563,10 @@
                     <a:p>
                       <a:pPr algn="ctr"/>
                       <a:r>
-                        <a:rPr lang="fr-FR" sz="1200" dirty="0" smtClean="0"/>
+                        <a:rPr lang="fr-FR" sz="1400" dirty="0" smtClean="0"/>
                         <a:t>Etre Capable de : </a:t>
                       </a:r>
-                      <a:endParaRPr lang="fr-FR" sz="1200" dirty="0"/>
+                      <a:endParaRPr lang="fr-FR" sz="1400" dirty="0"/>
                     </a:p>
                   </a:txBody>
                   <a:tcPr marL="139192" marR="139192" marT="69596" marB="69596">
@@ -3612,10 +3615,10 @@
                     <a:p>
                       <a:pPr algn="ctr"/>
                       <a:r>
-                        <a:rPr lang="fr-FR" sz="1200" dirty="0" smtClean="0"/>
+                        <a:rPr lang="fr-FR" sz="1400" dirty="0" smtClean="0"/>
                         <a:t>Compétence</a:t>
                       </a:r>
-                      <a:endParaRPr lang="fr-FR" sz="1200" dirty="0"/>
+                      <a:endParaRPr lang="fr-FR" sz="1400" dirty="0"/>
                     </a:p>
                   </a:txBody>
                   <a:tcPr marL="139192" marR="139192" marT="69596" marB="69596">
@@ -3664,10 +3667,10 @@
                     <a:p>
                       <a:pPr algn="ctr"/>
                       <a:r>
-                        <a:rPr lang="fr-FR" sz="1200" dirty="0" smtClean="0"/>
+                        <a:rPr lang="fr-FR" sz="1400" dirty="0" smtClean="0"/>
                         <a:t>Quand</a:t>
                       </a:r>
-                      <a:endParaRPr lang="fr-FR" sz="1200" dirty="0"/>
+                      <a:endParaRPr lang="fr-FR" sz="1400" dirty="0"/>
                     </a:p>
                   </a:txBody>
                   <a:tcPr marL="139192" marR="139192" marT="69596" marB="69596">
@@ -3723,45 +3726,45 @@
                     <a:p>
                       <a:pPr algn="l"/>
                       <a:r>
-                        <a:rPr lang="fr-FR" sz="1200" u="none" strike="noStrike" kern="1200" baseline="0" dirty="0" smtClean="0"/>
+                        <a:rPr lang="fr-FR" sz="1400" u="none" strike="noStrike" kern="1200" baseline="0" dirty="0" smtClean="0"/>
                         <a:t>Comparer les performances</a:t>
                       </a:r>
                     </a:p>
                     <a:p>
                       <a:pPr algn="l"/>
                       <a:r>
-                        <a:rPr lang="fr-FR" sz="1200" u="none" strike="noStrike" kern="1200" baseline="0" dirty="0" smtClean="0"/>
+                        <a:rPr lang="fr-FR" sz="1400" u="none" strike="noStrike" kern="1200" baseline="0" dirty="0" smtClean="0"/>
                         <a:t>techniques sur le plan :</a:t>
                       </a:r>
                     </a:p>
                     <a:p>
                       <a:pPr algn="l"/>
                       <a:r>
-                        <a:rPr lang="fr-FR" sz="1200" u="none" strike="noStrike" kern="1200" baseline="0" dirty="0" smtClean="0"/>
+                        <a:rPr lang="fr-FR" sz="1400" u="none" strike="noStrike" kern="1200" baseline="0" dirty="0" smtClean="0"/>
                         <a:t>• esthétique</a:t>
                       </a:r>
                     </a:p>
                     <a:p>
                       <a:pPr algn="l"/>
                       <a:r>
-                        <a:rPr lang="fr-FR" sz="1200" u="none" strike="noStrike" kern="1200" baseline="0" dirty="0" smtClean="0"/>
+                        <a:rPr lang="fr-FR" sz="1400" u="none" strike="noStrike" kern="1200" baseline="0" dirty="0" smtClean="0"/>
                         <a:t>• technologique</a:t>
                       </a:r>
                     </a:p>
                     <a:p>
                       <a:pPr algn="l"/>
                       <a:r>
-                        <a:rPr lang="fr-FR" sz="1200" u="none" strike="noStrike" kern="1200" baseline="0" dirty="0" smtClean="0"/>
+                        <a:rPr lang="fr-FR" sz="1400" u="none" strike="noStrike" kern="1200" baseline="0" dirty="0" smtClean="0"/>
                         <a:t>• ergonomique</a:t>
                       </a:r>
                     </a:p>
                     <a:p>
                       <a:pPr algn="l"/>
                       <a:r>
-                        <a:rPr lang="fr-FR" sz="1200" u="none" strike="noStrike" kern="1200" baseline="0" dirty="0" smtClean="0"/>
+                        <a:rPr lang="fr-FR" sz="1400" u="none" strike="noStrike" kern="1200" baseline="0" dirty="0" smtClean="0"/>
                         <a:t>• économique</a:t>
                       </a:r>
-                      <a:endParaRPr lang="fr-FR" sz="1200" dirty="0"/>
+                      <a:endParaRPr lang="fr-FR" sz="1400" dirty="0"/>
                     </a:p>
                   </a:txBody>
                   <a:tcPr marL="139192" marR="139192" marT="69596" marB="69596">
@@ -3810,10 +3813,10 @@
                     <a:p>
                       <a:pPr algn="ctr"/>
                       <a:r>
-                        <a:rPr lang="fr-FR" sz="1200" dirty="0" smtClean="0"/>
+                        <a:rPr lang="fr-FR" sz="1400" dirty="0" smtClean="0"/>
                         <a:t>C2.12</a:t>
                       </a:r>
-                      <a:endParaRPr lang="fr-FR" sz="1200" dirty="0"/>
+                      <a:endParaRPr lang="fr-FR" sz="1400" dirty="0"/>
                     </a:p>
                   </a:txBody>
                   <a:tcPr marL="139192" marR="139192" marT="69596" marB="69596" anchor="ctr">
@@ -3862,22 +3865,22 @@
                     <a:p>
                       <a:pPr algn="l"/>
                       <a:r>
-                        <a:rPr lang="fr-FR" sz="1200" dirty="0" smtClean="0"/>
+                        <a:rPr lang="fr-FR" sz="1400" dirty="0" smtClean="0"/>
                         <a:t>Lors</a:t>
                       </a:r>
                       <a:r>
-                        <a:rPr lang="fr-FR" sz="1200" baseline="0" dirty="0" smtClean="0"/>
+                        <a:rPr lang="fr-FR" sz="1400" baseline="0" dirty="0" smtClean="0"/>
                         <a:t> du t</a:t>
                       </a:r>
                       <a:r>
-                        <a:rPr lang="fr-FR" sz="1200" dirty="0" smtClean="0"/>
+                        <a:rPr lang="fr-FR" sz="1400" dirty="0" smtClean="0"/>
                         <a:t>raçage</a:t>
                       </a:r>
                       <a:r>
-                        <a:rPr lang="fr-FR" sz="1200" baseline="0" dirty="0" smtClean="0"/>
-                        <a:t> du balancement des marches</a:t>
+                        <a:rPr lang="fr-FR" sz="1400" baseline="0" dirty="0" smtClean="0"/>
+                        <a:t> du balancement des marches, lors du calcul de la loi blondel (choix de la hauteur des marches et de distance entre les nez de marches)</a:t>
                       </a:r>
-                      <a:endParaRPr lang="fr-FR" sz="1200" dirty="0"/>
+                      <a:endParaRPr lang="fr-FR" sz="1400" dirty="0"/>
                     </a:p>
                   </a:txBody>
                   <a:tcPr marL="139192" marR="139192" marT="69596" marB="69596" anchor="ctr">
@@ -3932,16 +3935,16 @@
                     <a:lstStyle/>
                     <a:p>
                       <a:r>
-                        <a:rPr lang="fr-FR" sz="1200" u="none" strike="noStrike" kern="1200" baseline="0" dirty="0" smtClean="0"/>
+                        <a:rPr lang="fr-FR" sz="1400" u="none" strike="noStrike" kern="1200" baseline="0" dirty="0" smtClean="0"/>
                         <a:t>Justifier les choix et/ou les</a:t>
                       </a:r>
                     </a:p>
                     <a:p>
                       <a:r>
-                        <a:rPr lang="fr-FR" sz="1200" u="none" strike="noStrike" kern="1200" baseline="0" dirty="0" smtClean="0"/>
+                        <a:rPr lang="fr-FR" sz="1400" u="none" strike="noStrike" kern="1200" baseline="0" dirty="0" smtClean="0"/>
                         <a:t>solutions techniques</a:t>
                       </a:r>
-                      <a:endParaRPr lang="fr-FR" sz="1200" dirty="0"/>
+                      <a:endParaRPr lang="fr-FR" sz="1400" dirty="0"/>
                     </a:p>
                   </a:txBody>
                   <a:tcPr marL="139192" marR="139192" marT="69596" marB="69596">
@@ -3990,10 +3993,10 @@
                     <a:p>
                       <a:pPr algn="ctr"/>
                       <a:r>
-                        <a:rPr lang="fr-FR" sz="1200" dirty="0" smtClean="0"/>
+                        <a:rPr lang="fr-FR" sz="1400" dirty="0" smtClean="0"/>
                         <a:t>C.14</a:t>
                       </a:r>
-                      <a:endParaRPr lang="fr-FR" sz="1200" dirty="0"/>
+                      <a:endParaRPr lang="fr-FR" sz="1400" dirty="0"/>
                     </a:p>
                   </a:txBody>
                   <a:tcPr marL="139192" marR="139192" marT="69596" marB="69596" anchor="ctr">
@@ -4041,20 +4044,20 @@
                     <a:lstStyle/>
                     <a:p>
                       <a:r>
-                        <a:rPr lang="fr-FR" sz="1200" dirty="0" smtClean="0"/>
+                        <a:rPr lang="fr-FR" sz="1400" dirty="0" smtClean="0"/>
                         <a:t>Lors du calcul de la</a:t>
                       </a:r>
                       <a:r>
-                        <a:rPr lang="fr-FR" sz="1200" baseline="0" dirty="0" smtClean="0"/>
+                        <a:rPr lang="fr-FR" sz="1400" baseline="0" dirty="0" smtClean="0"/>
                         <a:t> hauteur des marches et du giron</a:t>
                       </a:r>
                     </a:p>
                     <a:p>
                       <a:r>
-                        <a:rPr lang="fr-FR" sz="1200" baseline="0" dirty="0" smtClean="0"/>
+                        <a:rPr lang="fr-FR" sz="1400" baseline="0" dirty="0" smtClean="0"/>
                         <a:t>Lors du choix du balancement</a:t>
                       </a:r>
-                      <a:endParaRPr lang="fr-FR" sz="1200" dirty="0"/>
+                      <a:endParaRPr lang="fr-FR" sz="1400" dirty="0"/>
                     </a:p>
                   </a:txBody>
                   <a:tcPr marL="139192" marR="139192" marT="69596" marB="69596" anchor="ctr">
@@ -4109,28 +4112,28 @@
                     <a:lstStyle/>
                     <a:p>
                       <a:r>
-                        <a:rPr lang="fr-FR" sz="1200" u="none" strike="noStrike" kern="1200" baseline="0" dirty="0" smtClean="0"/>
+                        <a:rPr lang="fr-FR" sz="1400" u="none" strike="noStrike" kern="1200" baseline="0" dirty="0" smtClean="0"/>
                         <a:t>Représenter et réaliser sous</a:t>
                       </a:r>
                     </a:p>
                     <a:p>
                       <a:r>
-                        <a:rPr lang="fr-FR" sz="1200" u="none" strike="noStrike" kern="1200" baseline="0" dirty="0" smtClean="0"/>
+                        <a:rPr lang="fr-FR" sz="1400" u="none" strike="noStrike" kern="1200" baseline="0" dirty="0" smtClean="0"/>
                         <a:t>forme papier ou</a:t>
                       </a:r>
                     </a:p>
                     <a:p>
                       <a:r>
-                        <a:rPr lang="fr-FR" sz="1200" u="none" strike="noStrike" kern="1200" baseline="0" dirty="0" smtClean="0"/>
+                        <a:rPr lang="fr-FR" sz="1400" u="none" strike="noStrike" kern="1200" baseline="0" dirty="0" smtClean="0"/>
                         <a:t>informatisée et autres</a:t>
                       </a:r>
                     </a:p>
                     <a:p>
                       <a:r>
-                        <a:rPr lang="fr-FR" sz="1200" u="none" strike="noStrike" kern="1200" baseline="0" dirty="0" smtClean="0"/>
+                        <a:rPr lang="fr-FR" sz="1400" u="none" strike="noStrike" kern="1200" baseline="0" dirty="0" smtClean="0"/>
                         <a:t>supports</a:t>
                       </a:r>
-                      <a:endParaRPr lang="fr-FR" sz="1200" dirty="0"/>
+                      <a:endParaRPr lang="fr-FR" sz="1400" dirty="0"/>
                     </a:p>
                   </a:txBody>
                   <a:tcPr marL="139192" marR="139192" marT="69596" marB="69596">
@@ -4179,10 +4182,10 @@
                     <a:p>
                       <a:pPr algn="ctr"/>
                       <a:r>
-                        <a:rPr lang="fr-FR" sz="1200" dirty="0" smtClean="0"/>
+                        <a:rPr lang="fr-FR" sz="1400" dirty="0" smtClean="0"/>
                         <a:t>C2.21</a:t>
                       </a:r>
-                      <a:endParaRPr lang="fr-FR" sz="1200" dirty="0"/>
+                      <a:endParaRPr lang="fr-FR" sz="1400" dirty="0"/>
                     </a:p>
                   </a:txBody>
                   <a:tcPr marL="139192" marR="139192" marT="69596" marB="69596" anchor="ctr">
@@ -4230,14 +4233,18 @@
                     <a:lstStyle/>
                     <a:p>
                       <a:r>
-                        <a:rPr lang="fr-FR" sz="1200" dirty="0" smtClean="0"/>
-                        <a:t>Réalisation du plan de l’escalier à plat (sur papier) et réalisation du plan 3D</a:t>
+                        <a:rPr lang="fr-FR" sz="1400" dirty="0" smtClean="0"/>
+                        <a:t>Réalisation du plan de l’escalier à plat,</a:t>
                       </a:r>
                       <a:r>
-                        <a:rPr lang="fr-FR" sz="1200" baseline="0" dirty="0" smtClean="0"/>
-                        <a:t> sur informatique</a:t>
+                        <a:rPr lang="fr-FR" sz="1400" baseline="0" dirty="0" smtClean="0"/>
+                        <a:t> vue de haut</a:t>
                       </a:r>
-                      <a:endParaRPr lang="fr-FR" sz="1200" dirty="0"/>
+                      <a:r>
+                        <a:rPr lang="fr-FR" sz="1400" dirty="0" smtClean="0"/>
+                        <a:t> (sur papier)</a:t>
+                      </a:r>
+                      <a:endParaRPr lang="fr-FR" sz="1400" dirty="0"/>
                     </a:p>
                   </a:txBody>
                   <a:tcPr marL="139192" marR="139192" marT="69596" marB="69596" anchor="ctr">
@@ -4285,368 +4292,6 @@
                   </a:ext>
                 </a:extLst>
               </a:tr>
-              <a:tr h="487075">
-                <a:tc>
-                  <a:txBody>
-                    <a:bodyPr/>
-                    <a:lstStyle/>
-                    <a:p>
-                      <a:r>
-                        <a:rPr lang="fr-FR" sz="1488" u="none" strike="noStrike" kern="1200" baseline="0" dirty="0" smtClean="0"/>
-                        <a:t>Identifier les contraintes de</a:t>
-                      </a:r>
-                    </a:p>
-                    <a:p>
-                      <a:r>
-                        <a:rPr lang="fr-FR" sz="1488" u="none" strike="noStrike" kern="1200" baseline="0" dirty="0" smtClean="0"/>
-                        <a:t>mise en </a:t>
-                      </a:r>
-                      <a:r>
-                        <a:rPr lang="fr-FR" sz="1488" u="none" strike="noStrike" kern="1200" baseline="0" dirty="0" err="1" smtClean="0"/>
-                        <a:t>oeuvre</a:t>
-                      </a:r>
-                      <a:r>
-                        <a:rPr lang="fr-FR" sz="1488" u="none" strike="noStrike" kern="1200" baseline="0" dirty="0" smtClean="0"/>
-                        <a:t> : obstacles,</a:t>
-                      </a:r>
-                    </a:p>
-                    <a:p>
-                      <a:r>
-                        <a:rPr lang="fr-FR" sz="1488" u="none" strike="noStrike" kern="1200" baseline="0" dirty="0" smtClean="0"/>
-                        <a:t>réseaux, travaux, en</a:t>
-                      </a:r>
-                    </a:p>
-                    <a:p>
-                      <a:r>
-                        <a:rPr lang="fr-FR" sz="1488" u="none" strike="noStrike" kern="1200" baseline="0" dirty="0" smtClean="0"/>
-                        <a:t>cours…</a:t>
-                      </a:r>
-                      <a:endParaRPr lang="fr-FR" sz="1200" dirty="0"/>
-                    </a:p>
-                  </a:txBody>
-                  <a:tcPr marL="139192" marR="139192" marT="69596" marB="69596">
-                    <a:lnL w="12700" cap="flat" cmpd="sng" algn="ctr">
-                      <a:solidFill>
-                        <a:schemeClr val="tx1"/>
-                      </a:solidFill>
-                      <a:prstDash val="solid"/>
-                      <a:round/>
-                      <a:headEnd type="none" w="med" len="med"/>
-                      <a:tailEnd type="none" w="med" len="med"/>
-                    </a:lnL>
-                    <a:lnR w="12700" cap="flat" cmpd="sng" algn="ctr">
-                      <a:solidFill>
-                        <a:schemeClr val="tx1"/>
-                      </a:solidFill>
-                      <a:prstDash val="solid"/>
-                      <a:round/>
-                      <a:headEnd type="none" w="med" len="med"/>
-                      <a:tailEnd type="none" w="med" len="med"/>
-                    </a:lnR>
-                    <a:lnT w="12700" cap="flat" cmpd="sng" algn="ctr">
-                      <a:solidFill>
-                        <a:schemeClr val="tx1"/>
-                      </a:solidFill>
-                      <a:prstDash val="solid"/>
-                      <a:round/>
-                      <a:headEnd type="none" w="med" len="med"/>
-                      <a:tailEnd type="none" w="med" len="med"/>
-                    </a:lnT>
-                    <a:lnB w="12700" cap="flat" cmpd="sng" algn="ctr">
-                      <a:solidFill>
-                        <a:schemeClr val="tx1"/>
-                      </a:solidFill>
-                      <a:prstDash val="solid"/>
-                      <a:round/>
-                      <a:headEnd type="none" w="med" len="med"/>
-                      <a:tailEnd type="none" w="med" len="med"/>
-                    </a:lnB>
-                  </a:tcPr>
-                </a:tc>
-                <a:tc>
-                  <a:txBody>
-                    <a:bodyPr/>
-                    <a:lstStyle/>
-                    <a:p>
-                      <a:pPr algn="ctr"/>
-                      <a:r>
-                        <a:rPr lang="fr-FR" sz="1200" dirty="0" smtClean="0"/>
-                        <a:t>C4.23</a:t>
-                      </a:r>
-                      <a:endParaRPr lang="fr-FR" sz="1200" dirty="0"/>
-                    </a:p>
-                  </a:txBody>
-                  <a:tcPr marL="139192" marR="139192" marT="69596" marB="69596" anchor="ctr">
-                    <a:lnL w="12700" cap="flat" cmpd="sng" algn="ctr">
-                      <a:solidFill>
-                        <a:schemeClr val="tx1"/>
-                      </a:solidFill>
-                      <a:prstDash val="solid"/>
-                      <a:round/>
-                      <a:headEnd type="none" w="med" len="med"/>
-                      <a:tailEnd type="none" w="med" len="med"/>
-                    </a:lnL>
-                    <a:lnR w="12700" cap="flat" cmpd="sng" algn="ctr">
-                      <a:solidFill>
-                        <a:schemeClr val="tx1"/>
-                      </a:solidFill>
-                      <a:prstDash val="solid"/>
-                      <a:round/>
-                      <a:headEnd type="none" w="med" len="med"/>
-                      <a:tailEnd type="none" w="med" len="med"/>
-                    </a:lnR>
-                    <a:lnT w="12700" cap="flat" cmpd="sng" algn="ctr">
-                      <a:solidFill>
-                        <a:schemeClr val="tx1"/>
-                      </a:solidFill>
-                      <a:prstDash val="solid"/>
-                      <a:round/>
-                      <a:headEnd type="none" w="med" len="med"/>
-                      <a:tailEnd type="none" w="med" len="med"/>
-                    </a:lnT>
-                    <a:lnB w="12700" cap="flat" cmpd="sng" algn="ctr">
-                      <a:solidFill>
-                        <a:schemeClr val="tx1"/>
-                      </a:solidFill>
-                      <a:prstDash val="solid"/>
-                      <a:round/>
-                      <a:headEnd type="none" w="med" len="med"/>
-                      <a:tailEnd type="none" w="med" len="med"/>
-                    </a:lnB>
-                  </a:tcPr>
-                </a:tc>
-                <a:tc>
-                  <a:txBody>
-                    <a:bodyPr/>
-                    <a:lstStyle/>
-                    <a:p>
-                      <a:r>
-                        <a:rPr lang="fr-FR" sz="1200" dirty="0" smtClean="0"/>
-                        <a:t>Lors</a:t>
-                      </a:r>
-                      <a:r>
-                        <a:rPr lang="fr-FR" sz="1200" baseline="0" dirty="0" smtClean="0"/>
-                        <a:t> du calcul des hauteur des marches en fonction de la loi blondel</a:t>
-                      </a:r>
-                      <a:endParaRPr lang="fr-FR" sz="1200" dirty="0"/>
-                    </a:p>
-                  </a:txBody>
-                  <a:tcPr marL="139192" marR="139192" marT="69596" marB="69596" anchor="ctr">
-                    <a:lnL w="12700" cap="flat" cmpd="sng" algn="ctr">
-                      <a:solidFill>
-                        <a:schemeClr val="tx1"/>
-                      </a:solidFill>
-                      <a:prstDash val="solid"/>
-                      <a:round/>
-                      <a:headEnd type="none" w="med" len="med"/>
-                      <a:tailEnd type="none" w="med" len="med"/>
-                    </a:lnL>
-                    <a:lnR w="12700" cap="flat" cmpd="sng" algn="ctr">
-                      <a:solidFill>
-                        <a:schemeClr val="tx1"/>
-                      </a:solidFill>
-                      <a:prstDash val="solid"/>
-                      <a:round/>
-                      <a:headEnd type="none" w="med" len="med"/>
-                      <a:tailEnd type="none" w="med" len="med"/>
-                    </a:lnR>
-                    <a:lnT w="12700" cap="flat" cmpd="sng" algn="ctr">
-                      <a:solidFill>
-                        <a:schemeClr val="tx1"/>
-                      </a:solidFill>
-                      <a:prstDash val="solid"/>
-                      <a:round/>
-                      <a:headEnd type="none" w="med" len="med"/>
-                      <a:tailEnd type="none" w="med" len="med"/>
-                    </a:lnT>
-                    <a:lnB w="12700" cap="flat" cmpd="sng" algn="ctr">
-                      <a:solidFill>
-                        <a:schemeClr val="tx1"/>
-                      </a:solidFill>
-                      <a:prstDash val="solid"/>
-                      <a:round/>
-                      <a:headEnd type="none" w="med" len="med"/>
-                      <a:tailEnd type="none" w="med" len="med"/>
-                    </a:lnB>
-                  </a:tcPr>
-                </a:tc>
-                <a:extLst>
-                  <a:ext uri="{0D108BD9-81ED-4DB2-BD59-A6C34878D82A}">
-                    <a16:rowId xmlns:a16="http://schemas.microsoft.com/office/drawing/2014/main" val="1872490700"/>
-                  </a:ext>
-                </a:extLst>
-              </a:tr>
-              <a:tr h="487075">
-                <a:tc>
-                  <a:txBody>
-                    <a:bodyPr/>
-                    <a:lstStyle/>
-                    <a:p>
-                      <a:r>
-                        <a:rPr lang="fr-FR" sz="1488" u="none" strike="noStrike" kern="1200" baseline="0" dirty="0" smtClean="0"/>
-                        <a:t>Tracer l’implantation des</a:t>
-                      </a:r>
-                    </a:p>
-                    <a:p>
-                      <a:r>
-                        <a:rPr lang="fr-FR" sz="1488" u="none" strike="noStrike" kern="1200" baseline="0" dirty="0" smtClean="0"/>
-                        <a:t>ouvrages </a:t>
-                      </a:r>
-                      <a:endParaRPr lang="fr-FR" sz="1200" dirty="0"/>
-                    </a:p>
-                  </a:txBody>
-                  <a:tcPr marL="139192" marR="139192" marT="69596" marB="69596">
-                    <a:lnL w="12700" cap="flat" cmpd="sng" algn="ctr">
-                      <a:solidFill>
-                        <a:schemeClr val="tx1"/>
-                      </a:solidFill>
-                      <a:prstDash val="solid"/>
-                      <a:round/>
-                      <a:headEnd type="none" w="med" len="med"/>
-                      <a:tailEnd type="none" w="med" len="med"/>
-                    </a:lnL>
-                    <a:lnR w="12700" cap="flat" cmpd="sng" algn="ctr">
-                      <a:solidFill>
-                        <a:schemeClr val="tx1"/>
-                      </a:solidFill>
-                      <a:prstDash val="solid"/>
-                      <a:round/>
-                      <a:headEnd type="none" w="med" len="med"/>
-                      <a:tailEnd type="none" w="med" len="med"/>
-                    </a:lnR>
-                    <a:lnT w="12700" cap="flat" cmpd="sng" algn="ctr">
-                      <a:solidFill>
-                        <a:schemeClr val="tx1"/>
-                      </a:solidFill>
-                      <a:prstDash val="solid"/>
-                      <a:round/>
-                      <a:headEnd type="none" w="med" len="med"/>
-                      <a:tailEnd type="none" w="med" len="med"/>
-                    </a:lnT>
-                    <a:lnB w="12700" cap="flat" cmpd="sng" algn="ctr">
-                      <a:solidFill>
-                        <a:schemeClr val="tx1"/>
-                      </a:solidFill>
-                      <a:prstDash val="solid"/>
-                      <a:round/>
-                      <a:headEnd type="none" w="med" len="med"/>
-                      <a:tailEnd type="none" w="med" len="med"/>
-                    </a:lnB>
-                  </a:tcPr>
-                </a:tc>
-                <a:tc>
-                  <a:txBody>
-                    <a:bodyPr/>
-                    <a:lstStyle/>
-                    <a:p>
-                      <a:pPr algn="ctr"/>
-                      <a:r>
-                        <a:rPr lang="fr-FR" sz="1200" dirty="0" smtClean="0"/>
-                        <a:t>C4.31</a:t>
-                      </a:r>
-                      <a:endParaRPr lang="fr-FR" sz="1200" dirty="0"/>
-                    </a:p>
-                  </a:txBody>
-                  <a:tcPr marL="139192" marR="139192" marT="69596" marB="69596" anchor="ctr">
-                    <a:lnL w="12700" cap="flat" cmpd="sng" algn="ctr">
-                      <a:solidFill>
-                        <a:schemeClr val="tx1"/>
-                      </a:solidFill>
-                      <a:prstDash val="solid"/>
-                      <a:round/>
-                      <a:headEnd type="none" w="med" len="med"/>
-                      <a:tailEnd type="none" w="med" len="med"/>
-                    </a:lnL>
-                    <a:lnR w="12700" cap="flat" cmpd="sng" algn="ctr">
-                      <a:solidFill>
-                        <a:schemeClr val="tx1"/>
-                      </a:solidFill>
-                      <a:prstDash val="solid"/>
-                      <a:round/>
-                      <a:headEnd type="none" w="med" len="med"/>
-                      <a:tailEnd type="none" w="med" len="med"/>
-                    </a:lnR>
-                    <a:lnT w="12700" cap="flat" cmpd="sng" algn="ctr">
-                      <a:solidFill>
-                        <a:schemeClr val="tx1"/>
-                      </a:solidFill>
-                      <a:prstDash val="solid"/>
-                      <a:round/>
-                      <a:headEnd type="none" w="med" len="med"/>
-                      <a:tailEnd type="none" w="med" len="med"/>
-                    </a:lnT>
-                    <a:lnB w="12700" cap="flat" cmpd="sng" algn="ctr">
-                      <a:solidFill>
-                        <a:schemeClr val="tx1"/>
-                      </a:solidFill>
-                      <a:prstDash val="solid"/>
-                      <a:round/>
-                      <a:headEnd type="none" w="med" len="med"/>
-                      <a:tailEnd type="none" w="med" len="med"/>
-                    </a:lnB>
-                  </a:tcPr>
-                </a:tc>
-                <a:tc>
-                  <a:txBody>
-                    <a:bodyPr/>
-                    <a:lstStyle/>
-                    <a:p>
-                      <a:r>
-                        <a:rPr lang="fr-FR" sz="1200" dirty="0" smtClean="0"/>
-                        <a:t>Lors du traçage</a:t>
-                      </a:r>
-                      <a:r>
-                        <a:rPr lang="fr-FR" sz="1200" baseline="0" dirty="0" smtClean="0"/>
-                        <a:t> de la foulée et des largeurs de marche</a:t>
-                      </a:r>
-                      <a:endParaRPr lang="fr-FR" sz="1200" dirty="0"/>
-                    </a:p>
-                  </a:txBody>
-                  <a:tcPr marL="139192" marR="139192" marT="69596" marB="69596" anchor="ctr">
-                    <a:lnL w="12700" cap="flat" cmpd="sng" algn="ctr">
-                      <a:solidFill>
-                        <a:schemeClr val="tx1"/>
-                      </a:solidFill>
-                      <a:prstDash val="solid"/>
-                      <a:round/>
-                      <a:headEnd type="none" w="med" len="med"/>
-                      <a:tailEnd type="none" w="med" len="med"/>
-                    </a:lnL>
-                    <a:lnR w="12700" cap="flat" cmpd="sng" algn="ctr">
-                      <a:solidFill>
-                        <a:schemeClr val="tx1"/>
-                      </a:solidFill>
-                      <a:prstDash val="solid"/>
-                      <a:round/>
-                      <a:headEnd type="none" w="med" len="med"/>
-                      <a:tailEnd type="none" w="med" len="med"/>
-                    </a:lnR>
-                    <a:lnT w="12700" cap="flat" cmpd="sng" algn="ctr">
-                      <a:solidFill>
-                        <a:schemeClr val="tx1"/>
-                      </a:solidFill>
-                      <a:prstDash val="solid"/>
-                      <a:round/>
-                      <a:headEnd type="none" w="med" len="med"/>
-                      <a:tailEnd type="none" w="med" len="med"/>
-                    </a:lnT>
-                    <a:lnB w="12700" cap="flat" cmpd="sng" algn="ctr">
-                      <a:solidFill>
-                        <a:schemeClr val="tx1"/>
-                      </a:solidFill>
-                      <a:prstDash val="solid"/>
-                      <a:round/>
-                      <a:headEnd type="none" w="med" len="med"/>
-                      <a:tailEnd type="none" w="med" len="med"/>
-                    </a:lnB>
-                  </a:tcPr>
-                </a:tc>
-                <a:extLst>
-                  <a:ext uri="{0D108BD9-81ED-4DB2-BD59-A6C34878D82A}">
-                    <a16:rowId xmlns:a16="http://schemas.microsoft.com/office/drawing/2014/main" val="1766951823"/>
-                  </a:ext>
-                </a:extLst>
-              </a:tr>
             </a:tbl>
           </a:graphicData>
         </a:graphic>
@@ -4745,13 +4390,162 @@
       </p:grpSpPr>
       <p:sp>
         <p:nvSpPr>
-          <p:cNvPr id="5" name="TextBox 4"/>
+          <p:cNvPr id="9" name="TextBox 8"/>
           <p:cNvSpPr txBox="1"/>
           <p:nvPr/>
         </p:nvSpPr>
         <p:spPr>
           <a:xfrm>
-            <a:off x="202098" y="302752"/>
+            <a:off x="215897" y="897069"/>
+            <a:ext cx="4552249" cy="5909310"/>
+          </a:xfrm>
+          <a:prstGeom prst="rect">
+            <a:avLst/>
+          </a:prstGeom>
+          <a:noFill/>
+        </p:spPr>
+        <p:txBody>
+          <a:bodyPr wrap="square" numCol="1" rtlCol="0">
+            <a:spAutoFit/>
+          </a:bodyPr>
+          <a:lstStyle/>
+          <a:p>
+            <a:r>
+              <a:rPr lang="fr-FR" sz="1400" b="1" dirty="0" smtClean="0"/>
+              <a:t>Le balancement des marches :</a:t>
+            </a:r>
+          </a:p>
+          <a:p>
+            <a:r>
+              <a:rPr lang="fr-FR" sz="1400" dirty="0" smtClean="0"/>
+              <a:t>Il existe différents types de balancement des marches. Nous verrons deux exemples : </a:t>
+            </a:r>
+          </a:p>
+          <a:p>
+            <a:endParaRPr lang="fr-FR" sz="1400" dirty="0"/>
+          </a:p>
+          <a:p>
+            <a:pPr marL="285750" indent="-285750">
+              <a:buFont typeface="Arial" panose="020B0604020202020204" pitchFamily="34" charset="0"/>
+              <a:buChar char="•"/>
+            </a:pPr>
+            <a:r>
+              <a:rPr lang="fr-FR" sz="1400" b="1" dirty="0" smtClean="0"/>
+              <a:t>Le balancement à l’œil : </a:t>
+            </a:r>
+          </a:p>
+          <a:p>
+            <a:r>
+              <a:rPr lang="fr-FR" sz="1400" dirty="0" smtClean="0"/>
+              <a:t>Méthode</a:t>
+            </a:r>
+            <a:r>
+              <a:rPr lang="fr-FR" sz="1400" dirty="0"/>
+              <a:t>, dont le principe </a:t>
+            </a:r>
+            <a:r>
+              <a:rPr lang="fr-FR" sz="1400" dirty="0" smtClean="0"/>
+              <a:t>consiste à </a:t>
+            </a:r>
+            <a:r>
+              <a:rPr lang="fr-FR" sz="1400" dirty="0"/>
+              <a:t>visualiser le mieux possible </a:t>
+            </a:r>
+            <a:r>
+              <a:rPr lang="fr-FR" sz="1400" dirty="0" smtClean="0"/>
+              <a:t>les nez </a:t>
+            </a:r>
+            <a:r>
+              <a:rPr lang="fr-FR" sz="1400" dirty="0"/>
+              <a:t>de marches sur l'épure à </a:t>
+            </a:r>
+            <a:r>
+              <a:rPr lang="fr-FR" sz="1400" dirty="0" smtClean="0"/>
+              <a:t>I 'aide de minces </a:t>
+            </a:r>
+            <a:r>
+              <a:rPr lang="fr-FR" sz="1400" dirty="0"/>
+              <a:t>bandes de bois réparties à </a:t>
+            </a:r>
+            <a:r>
+              <a:rPr lang="fr-FR" sz="1400" dirty="0" smtClean="0"/>
+              <a:t>l'œil, peut </a:t>
+            </a:r>
+            <a:r>
+              <a:rPr lang="fr-FR" sz="1400" dirty="0"/>
+              <a:t>paraître arbitraire et approximative</a:t>
+            </a:r>
+            <a:r>
+              <a:rPr lang="fr-FR" sz="1400" dirty="0" smtClean="0"/>
+              <a:t>.</a:t>
+            </a:r>
+          </a:p>
+          <a:p>
+            <a:endParaRPr lang="fr-FR" sz="1400" dirty="0"/>
+          </a:p>
+          <a:p>
+            <a:pPr marL="285750" indent="-285750">
+              <a:buFont typeface="Arial" panose="020B0604020202020204" pitchFamily="34" charset="0"/>
+              <a:buChar char="•"/>
+            </a:pPr>
+            <a:r>
+              <a:rPr lang="fr-FR" sz="1400" b="1" dirty="0"/>
+              <a:t> </a:t>
+            </a:r>
+            <a:r>
+              <a:rPr lang="fr-FR" sz="1400" b="1" dirty="0" smtClean="0"/>
+              <a:t>La méthode des herses :</a:t>
+            </a:r>
+          </a:p>
+          <a:p>
+            <a:r>
+              <a:rPr lang="fr-FR" sz="1400" dirty="0" smtClean="0"/>
+              <a:t>Cette méthode peut être réalisée de plusieurs façons. Dans l’exemple ci-dessous : Apres avoir défini la foulée, les girons et nos marches droites (comme dans le plan 1)</a:t>
+            </a:r>
+          </a:p>
+          <a:p>
+            <a:r>
+              <a:rPr lang="fr-FR" sz="1400" dirty="0" smtClean="0"/>
+              <a:t>   	On trace un segment [AB] (équivalent à la distance entre la dernière marche droite et au point d’intersection de l’escalier) et une droite perpendiculaire où l’on reporte nos girons (la droite [AE] sur le plan 2). </a:t>
+            </a:r>
+          </a:p>
+          <a:p>
+            <a:r>
+              <a:rPr lang="fr-FR" sz="1400" dirty="0" smtClean="0"/>
+              <a:t>  	En traçant un arc de cercle de diamètre [AB] on obtient B’. En reliant au point B l’ensemble des girons on obtient les sections de droite [AB’] à reporter sur le limon.</a:t>
+            </a:r>
+          </a:p>
+          <a:p>
+            <a:r>
+              <a:rPr lang="fr-FR" sz="1400" dirty="0" smtClean="0"/>
+              <a:t>	Lorsqu’on relie les sections de droite obtenue sur le limon de l’escalier ont obtient le dessin sur le plan 3 et donc le balancement de nos marches.</a:t>
+            </a:r>
+          </a:p>
+          <a:p>
+            <a:endParaRPr lang="fr-FR" sz="1400" dirty="0" smtClean="0"/>
+          </a:p>
+          <a:p>
+            <a:r>
+              <a:rPr lang="fr-FR" sz="1400" b="1" dirty="0" smtClean="0"/>
+              <a:t>Note : </a:t>
+            </a:r>
+            <a:r>
+              <a:rPr lang="fr-FR" sz="1400" dirty="0" smtClean="0"/>
+              <a:t>On appelle les segments de la droite [AB’] des collets (les petits cotés d’une marche balancée)</a:t>
+            </a:r>
+            <a:endParaRPr lang="fr-FR" sz="1400" dirty="0"/>
+          </a:p>
+        </p:txBody>
+      </p:sp>
+      <p:sp>
+        <p:nvSpPr>
+          <p:cNvPr id="24" name="TextBox 23"/>
+          <p:cNvSpPr txBox="1"/>
+          <p:nvPr/>
+        </p:nvSpPr>
+        <p:spPr>
+          <a:xfrm>
+            <a:off x="201684" y="263870"/>
             <a:ext cx="7135741" cy="461665"/>
           </a:xfrm>
           <a:prstGeom prst="rect">
@@ -4789,283 +4583,102 @@
             <a:pPr algn="ctr"/>
             <a:r>
               <a:rPr lang="fr-FR" sz="2400" dirty="0" smtClean="0"/>
-              <a:t>Evaluation : </a:t>
-            </a:r>
-            <a:r>
-              <a:rPr lang="fr-FR" sz="2000" dirty="0" smtClean="0"/>
-              <a:t>calcul et traçage d’un escalier quart tournant </a:t>
-            </a:r>
-            <a:endParaRPr lang="fr-FR" sz="2000" dirty="0"/>
-          </a:p>
-        </p:txBody>
-      </p:sp>
-      <p:sp>
-        <p:nvSpPr>
-          <p:cNvPr id="4" name="TextBox 3"/>
-          <p:cNvSpPr txBox="1"/>
+              <a:t>Les différents types de balancement </a:t>
+            </a:r>
+            <a:endParaRPr lang="fr-FR" sz="2400" dirty="0"/>
+          </a:p>
+        </p:txBody>
+      </p:sp>
+      <p:pic>
+        <p:nvPicPr>
+          <p:cNvPr id="8" name="Picture 7"/>
+          <p:cNvPicPr>
+            <a:picLocks noChangeAspect="1"/>
+          </p:cNvPicPr>
           <p:nvPr/>
-        </p:nvSpPr>
-        <p:spPr>
-          <a:xfrm>
-            <a:off x="680032" y="1586434"/>
-            <a:ext cx="6179871" cy="8771632"/>
+        </p:nvPicPr>
+        <p:blipFill rotWithShape="1">
+          <a:blip r:embed="rId2"/>
+          <a:srcRect b="6632"/>
+          <a:stretch/>
+        </p:blipFill>
+        <p:spPr>
+          <a:xfrm>
+            <a:off x="690179" y="6886514"/>
+            <a:ext cx="6158750" cy="3166200"/>
           </a:xfrm>
           <a:prstGeom prst="rect">
             <a:avLst/>
           </a:prstGeom>
-          <a:noFill/>
-        </p:spPr>
-        <p:txBody>
-          <a:bodyPr wrap="square" numCol="1" rtlCol="0">
-            <a:spAutoFit/>
-          </a:bodyPr>
-          <a:lstStyle/>
-          <a:p>
-            <a:r>
-              <a:rPr lang="fr-FR" sz="1200" b="1" dirty="0" smtClean="0"/>
-              <a:t>On vous demande :</a:t>
-            </a:r>
-          </a:p>
-          <a:p>
-            <a:endParaRPr lang="fr-FR" sz="1200" b="1" dirty="0"/>
-          </a:p>
-          <a:p>
-            <a:r>
-              <a:rPr lang="fr-FR" sz="1200" b="1" dirty="0" smtClean="0"/>
-              <a:t>De déterminer et </a:t>
-            </a:r>
-            <a:r>
-              <a:rPr lang="fr-FR" sz="1200" b="1" dirty="0"/>
-              <a:t>tracer une marche palière (de 100 à 200 mm) et un recul pour la première marche par rapport au limon (de 20 à 30 mm</a:t>
-            </a:r>
-            <a:r>
-              <a:rPr lang="fr-FR" sz="1200" b="1" dirty="0" smtClean="0"/>
-              <a:t>) et de déterminer par le calcul les informations demandées. A la suite de cela tracer l’escalier sur le plan à échelle réduite.</a:t>
-            </a:r>
-            <a:endParaRPr lang="fr-FR" sz="1200" b="1" dirty="0"/>
-          </a:p>
-          <a:p>
-            <a:endParaRPr lang="fr-FR" sz="1200" b="1" dirty="0" smtClean="0"/>
-          </a:p>
-          <a:p>
-            <a:r>
-              <a:rPr lang="fr-FR" sz="1200" dirty="0" smtClean="0"/>
-              <a:t>Dans le plan vue de haut avec une hauteur sol au plancher de 2</a:t>
-            </a:r>
-            <a:r>
-              <a:rPr lang="fr-FR" sz="1200" b="1" dirty="0" smtClean="0"/>
-              <a:t>…….</a:t>
-            </a:r>
-            <a:r>
-              <a:rPr lang="fr-FR" sz="1200" dirty="0" smtClean="0"/>
-              <a:t> mm calculer :</a:t>
-            </a:r>
-          </a:p>
-          <a:p>
-            <a:endParaRPr lang="fr-FR" sz="1200" dirty="0" smtClean="0"/>
-          </a:p>
-          <a:p>
-            <a:r>
-              <a:rPr lang="fr-FR" sz="1200" b="1" dirty="0" smtClean="0"/>
-              <a:t>1.Le nombre de marches :</a:t>
-            </a:r>
-          </a:p>
-          <a:p>
-            <a:endParaRPr lang="fr-FR" sz="1200" b="1" dirty="0"/>
-          </a:p>
-          <a:p>
-            <a:r>
-              <a:rPr lang="fr-FR" sz="1200" b="1" dirty="0" smtClean="0"/>
-              <a:t>……………………………………………………………………………………</a:t>
-            </a:r>
-            <a:r>
-              <a:rPr lang="fr-FR" sz="1200" b="1" dirty="0"/>
-              <a:t>……………………………………</a:t>
-            </a:r>
-            <a:r>
-              <a:rPr lang="fr-FR" sz="1200" b="1" dirty="0" smtClean="0"/>
-              <a:t>.</a:t>
-            </a:r>
-          </a:p>
-          <a:p>
-            <a:endParaRPr lang="fr-FR" sz="1200" b="1" dirty="0" smtClean="0"/>
-          </a:p>
-          <a:p>
-            <a:r>
-              <a:rPr lang="fr-FR" sz="1200" b="1" dirty="0" smtClean="0"/>
-              <a:t>2. La hauteur de marche :</a:t>
-            </a:r>
-          </a:p>
-          <a:p>
-            <a:endParaRPr lang="fr-FR" sz="1200" b="1" dirty="0"/>
-          </a:p>
-          <a:p>
-            <a:r>
-              <a:rPr lang="fr-FR" sz="1200" b="1" dirty="0"/>
-              <a:t>………………………………………………………………………………………………………………………….</a:t>
-            </a:r>
-            <a:endParaRPr lang="fr-FR" sz="1200" b="1" dirty="0" smtClean="0"/>
-          </a:p>
-          <a:p>
-            <a:endParaRPr lang="fr-FR" sz="1200" b="1" dirty="0" smtClean="0"/>
-          </a:p>
-          <a:p>
-            <a:r>
-              <a:rPr lang="fr-FR" sz="1200" b="1" dirty="0" smtClean="0"/>
-              <a:t>3. Le giron :</a:t>
-            </a:r>
-          </a:p>
-          <a:p>
-            <a:endParaRPr lang="fr-FR" sz="1200" b="1" dirty="0"/>
-          </a:p>
-          <a:p>
-            <a:r>
-              <a:rPr lang="fr-FR" sz="1200" b="1" dirty="0"/>
-              <a:t>………………………………………………………………………………………………………………………….</a:t>
-            </a:r>
-            <a:endParaRPr lang="fr-FR" sz="1200" b="1" dirty="0" smtClean="0"/>
-          </a:p>
-          <a:p>
-            <a:endParaRPr lang="fr-FR" sz="1200" b="1" dirty="0" smtClean="0"/>
-          </a:p>
-          <a:p>
-            <a:r>
-              <a:rPr lang="fr-FR" sz="1200" b="1" dirty="0" smtClean="0"/>
-              <a:t>4. La formule de blondel :</a:t>
-            </a:r>
-          </a:p>
-          <a:p>
-            <a:endParaRPr lang="fr-FR" sz="1200" b="1" dirty="0"/>
-          </a:p>
-          <a:p>
-            <a:r>
-              <a:rPr lang="fr-FR" sz="1200" b="1" dirty="0" smtClean="0"/>
-              <a:t>………………………………………………………………………………………………………………………….</a:t>
-            </a:r>
-            <a:endParaRPr lang="fr-FR" sz="1200" b="1" dirty="0"/>
-          </a:p>
-          <a:p>
-            <a:endParaRPr lang="fr-FR" sz="1200" b="1" dirty="0"/>
-          </a:p>
-          <a:p>
-            <a:endParaRPr lang="fr-FR" sz="1200" b="1" dirty="0" smtClean="0"/>
-          </a:p>
-          <a:p>
-            <a:r>
-              <a:rPr lang="fr-FR" sz="1200" b="1" dirty="0" smtClean="0"/>
-              <a:t>Questions : </a:t>
-            </a:r>
-          </a:p>
-          <a:p>
-            <a:endParaRPr lang="fr-FR" sz="1200" b="1" dirty="0"/>
-          </a:p>
-          <a:p>
-            <a:r>
-              <a:rPr lang="fr-FR" sz="1200" b="1" dirty="0" smtClean="0"/>
-              <a:t>Qu’est ce que représente la foulée dans un escalier ?</a:t>
-            </a:r>
-          </a:p>
-          <a:p>
-            <a:endParaRPr lang="fr-FR" sz="1200" b="1" dirty="0"/>
-          </a:p>
-          <a:p>
-            <a:r>
-              <a:rPr lang="fr-FR" sz="1200" b="1" dirty="0"/>
-              <a:t>………………………………………………………………………………………………………………………….</a:t>
-            </a:r>
-          </a:p>
-          <a:p>
-            <a:endParaRPr lang="fr-FR" sz="1200" b="1" dirty="0" smtClean="0"/>
-          </a:p>
-          <a:p>
-            <a:r>
-              <a:rPr lang="fr-FR" sz="1200" b="1" dirty="0" smtClean="0"/>
-              <a:t>Que détermine le résultat de la formule de blondel ?</a:t>
-            </a:r>
-            <a:endParaRPr lang="fr-FR" sz="1200" b="1" dirty="0"/>
-          </a:p>
-          <a:p>
-            <a:endParaRPr lang="fr-FR" sz="1200" b="1" dirty="0"/>
-          </a:p>
-          <a:p>
-            <a:r>
-              <a:rPr lang="fr-FR" sz="1200" b="1" dirty="0" smtClean="0"/>
-              <a:t>………………………………………………………………………………………………………………………….</a:t>
-            </a:r>
-          </a:p>
-          <a:p>
-            <a:endParaRPr lang="fr-FR" sz="1200" b="1" dirty="0" smtClean="0"/>
-          </a:p>
-          <a:p>
-            <a:r>
-              <a:rPr lang="fr-FR" sz="1200" b="1" dirty="0" smtClean="0"/>
-              <a:t>Quels sont les 3 éléments d’un garde corps ?</a:t>
-            </a:r>
-            <a:endParaRPr lang="fr-FR" sz="1200" b="1" dirty="0"/>
-          </a:p>
-          <a:p>
-            <a:endParaRPr lang="fr-FR" sz="1200" b="1" dirty="0"/>
-          </a:p>
-          <a:p>
-            <a:r>
-              <a:rPr lang="fr-FR" sz="1200" b="1" dirty="0"/>
-              <a:t>………………………………………………………………………………………………………………………….</a:t>
-            </a:r>
-          </a:p>
-          <a:p>
-            <a:endParaRPr lang="fr-FR" sz="1200" b="1" dirty="0"/>
-          </a:p>
-          <a:p>
-            <a:r>
-              <a:rPr lang="fr-FR" sz="1200" b="1" dirty="0"/>
-              <a:t>Qu’est ce </a:t>
-            </a:r>
-            <a:r>
-              <a:rPr lang="fr-FR" sz="1200" b="1" dirty="0" smtClean="0"/>
-              <a:t>qu’une trémie ?</a:t>
-            </a:r>
-            <a:endParaRPr lang="fr-FR" sz="1200" b="1" dirty="0"/>
-          </a:p>
-          <a:p>
-            <a:endParaRPr lang="fr-FR" sz="1200" b="1" dirty="0"/>
-          </a:p>
-          <a:p>
-            <a:r>
-              <a:rPr lang="fr-FR" sz="1200" b="1" dirty="0"/>
-              <a:t>………………………………………………………………………………………………………………………….</a:t>
-            </a:r>
-          </a:p>
-          <a:p>
-            <a:endParaRPr lang="fr-FR" sz="1200" b="1" dirty="0"/>
-          </a:p>
-          <a:p>
-            <a:endParaRPr lang="fr-FR" sz="1200" b="1" dirty="0"/>
-          </a:p>
-          <a:p>
-            <a:endParaRPr lang="fr-FR" sz="1200" b="1" dirty="0"/>
-          </a:p>
-          <a:p>
-            <a:endParaRPr lang="fr-FR" sz="1200" b="1" dirty="0"/>
-          </a:p>
-          <a:p>
-            <a:endParaRPr lang="fr-FR" sz="1200" b="1" dirty="0" smtClean="0"/>
-          </a:p>
-        </p:txBody>
-      </p:sp>
-      <p:sp>
-        <p:nvSpPr>
-          <p:cNvPr id="7" name="TextBox 6"/>
-          <p:cNvSpPr txBox="1"/>
+          <a:ln w="38100" cap="sq">
+            <a:solidFill>
+              <a:srgbClr val="000000"/>
+            </a:solidFill>
+            <a:prstDash val="solid"/>
+            <a:miter lim="800000"/>
+          </a:ln>
+          <a:effectLst>
+            <a:outerShdw blurRad="50800" dist="38100" dir="2700000" algn="tl" rotWithShape="0">
+              <a:srgbClr val="000000">
+                <a:alpha val="43000"/>
+              </a:srgbClr>
+            </a:outerShdw>
+          </a:effectLst>
+        </p:spPr>
+      </p:pic>
+      <p:pic>
+        <p:nvPicPr>
+          <p:cNvPr id="13" name="Picture 12"/>
+          <p:cNvPicPr>
+            <a:picLocks noChangeAspect="1"/>
+          </p:cNvPicPr>
           <p:nvPr/>
-        </p:nvSpPr>
-        <p:spPr>
-          <a:xfrm>
-            <a:off x="680032" y="1021537"/>
-            <a:ext cx="6179871" cy="307777"/>
+        </p:nvPicPr>
+        <p:blipFill>
+          <a:blip r:embed="rId3"/>
+          <a:stretch>
+            <a:fillRect/>
+          </a:stretch>
+        </p:blipFill>
+        <p:spPr>
+          <a:xfrm>
+            <a:off x="4960892" y="1640329"/>
+            <a:ext cx="2142212" cy="4869282"/>
           </a:xfrm>
           <a:prstGeom prst="rect">
             <a:avLst/>
           </a:prstGeom>
+          <a:ln w="38100" cap="sq">
+            <a:solidFill>
+              <a:srgbClr val="000000"/>
+            </a:solidFill>
+            <a:prstDash val="solid"/>
+            <a:miter lim="800000"/>
+          </a:ln>
+          <a:effectLst>
+            <a:outerShdw blurRad="50800" dist="38100" dir="2700000" algn="tl" rotWithShape="0">
+              <a:srgbClr val="000000">
+                <a:alpha val="43000"/>
+              </a:srgbClr>
+            </a:outerShdw>
+          </a:effectLst>
+        </p:spPr>
+      </p:pic>
+      <p:sp>
+        <p:nvSpPr>
+          <p:cNvPr id="33" name="Rectangle 32"/>
+          <p:cNvSpPr/>
+          <p:nvPr/>
+        </p:nvSpPr>
+        <p:spPr>
+          <a:xfrm>
+            <a:off x="5229177" y="10000706"/>
+            <a:ext cx="1756723" cy="239702"/>
+          </a:xfrm>
+          <a:prstGeom prst="rect">
+            <a:avLst/>
+          </a:prstGeom>
+          <a:ln w="28575"/>
         </p:spPr>
         <p:style>
           <a:lnRef idx="2">
@@ -5082,32 +4695,238 @@
           </a:fontRef>
         </p:style>
         <p:txBody>
-          <a:bodyPr wrap="square" rtlCol="0">
-            <a:spAutoFit/>
-          </a:bodyPr>
+          <a:bodyPr rtlCol="0" anchor="ctr"/>
           <a:lstStyle/>
           <a:p>
             <a:pPr algn="ctr"/>
             <a:r>
-              <a:rPr lang="fr-FR" sz="1400" dirty="0" smtClean="0"/>
-              <a:t>Nom </a:t>
-            </a:r>
-            <a:r>
-              <a:rPr lang="fr-FR" sz="1400" dirty="0"/>
-              <a:t>: 	</a:t>
-            </a:r>
-            <a:r>
-              <a:rPr lang="fr-FR" sz="1400" dirty="0" smtClean="0"/>
-              <a:t>……………………………………		Prénom : 	……………………………………</a:t>
-            </a:r>
-            <a:endParaRPr lang="fr-FR" sz="1400" dirty="0"/>
+              <a:rPr lang="fr-FR" sz="1200" dirty="0">
+                <a:solidFill>
+                  <a:schemeClr val="bg1">
+                    <a:lumMod val="50000"/>
+                  </a:schemeClr>
+                </a:solidFill>
+              </a:rPr>
+              <a:t>B</a:t>
+            </a:r>
+            <a:r>
+              <a:rPr lang="fr-FR" sz="1200" dirty="0" smtClean="0">
+                <a:solidFill>
+                  <a:schemeClr val="bg1">
+                    <a:lumMod val="50000"/>
+                  </a:schemeClr>
+                </a:solidFill>
+              </a:rPr>
+              <a:t>alancement avec herses</a:t>
+            </a:r>
+            <a:endParaRPr lang="fr-FR" sz="1200" dirty="0">
+              <a:solidFill>
+                <a:schemeClr val="bg1">
+                  <a:lumMod val="50000"/>
+                </a:schemeClr>
+              </a:solidFill>
+            </a:endParaRPr>
+          </a:p>
+        </p:txBody>
+      </p:sp>
+      <p:sp>
+        <p:nvSpPr>
+          <p:cNvPr id="23" name="Rectangle 22"/>
+          <p:cNvSpPr/>
+          <p:nvPr/>
+        </p:nvSpPr>
+        <p:spPr>
+          <a:xfrm>
+            <a:off x="5153636" y="1432513"/>
+            <a:ext cx="1756723" cy="239702"/>
+          </a:xfrm>
+          <a:prstGeom prst="rect">
+            <a:avLst/>
+          </a:prstGeom>
+          <a:ln w="28575"/>
+        </p:spPr>
+        <p:style>
+          <a:lnRef idx="2">
+            <a:schemeClr val="dk1"/>
+          </a:lnRef>
+          <a:fillRef idx="1">
+            <a:schemeClr val="lt1"/>
+          </a:fillRef>
+          <a:effectRef idx="0">
+            <a:schemeClr val="dk1"/>
+          </a:effectRef>
+          <a:fontRef idx="minor">
+            <a:schemeClr val="dk1"/>
+          </a:fontRef>
+        </p:style>
+        <p:txBody>
+          <a:bodyPr rtlCol="0" anchor="ctr"/>
+          <a:lstStyle/>
+          <a:p>
+            <a:pPr algn="ctr"/>
+            <a:r>
+              <a:rPr lang="fr-FR" sz="1200" dirty="0" smtClean="0">
+                <a:solidFill>
+                  <a:schemeClr val="bg1">
+                    <a:lumMod val="50000"/>
+                  </a:schemeClr>
+                </a:solidFill>
+              </a:rPr>
+              <a:t>Balancement à l’</a:t>
+            </a:r>
+            <a:r>
+              <a:rPr lang="fr-FR" sz="1200" dirty="0" err="1" smtClean="0">
+                <a:solidFill>
+                  <a:schemeClr val="bg1">
+                    <a:lumMod val="50000"/>
+                  </a:schemeClr>
+                </a:solidFill>
+              </a:rPr>
+              <a:t>oeil</a:t>
+            </a:r>
+            <a:endParaRPr lang="fr-FR" sz="1200" dirty="0">
+              <a:solidFill>
+                <a:schemeClr val="bg1">
+                  <a:lumMod val="50000"/>
+                </a:schemeClr>
+              </a:solidFill>
+            </a:endParaRPr>
+          </a:p>
+        </p:txBody>
+      </p:sp>
+      <p:sp>
+        <p:nvSpPr>
+          <p:cNvPr id="15" name="Oval 14"/>
+          <p:cNvSpPr/>
+          <p:nvPr/>
+        </p:nvSpPr>
+        <p:spPr>
+          <a:xfrm>
+            <a:off x="1268186" y="6723205"/>
+            <a:ext cx="315686" cy="326618"/>
+          </a:xfrm>
+          <a:prstGeom prst="ellipse">
+            <a:avLst/>
+          </a:prstGeom>
+          <a:ln w="28575"/>
+        </p:spPr>
+        <p:style>
+          <a:lnRef idx="2">
+            <a:schemeClr val="dk1"/>
+          </a:lnRef>
+          <a:fillRef idx="1">
+            <a:schemeClr val="lt1"/>
+          </a:fillRef>
+          <a:effectRef idx="0">
+            <a:schemeClr val="dk1"/>
+          </a:effectRef>
+          <a:fontRef idx="minor">
+            <a:schemeClr val="dk1"/>
+          </a:fontRef>
+        </p:style>
+        <p:txBody>
+          <a:bodyPr rtlCol="0" anchor="ctr"/>
+          <a:lstStyle/>
+          <a:p>
+            <a:pPr algn="ctr"/>
+            <a:r>
+              <a:rPr lang="fr-FR" dirty="0" smtClean="0"/>
+              <a:t>1</a:t>
+            </a:r>
+            <a:endParaRPr lang="fr-FR" dirty="0"/>
+          </a:p>
+        </p:txBody>
+      </p:sp>
+      <p:sp>
+        <p:nvSpPr>
+          <p:cNvPr id="27" name="Oval 26"/>
+          <p:cNvSpPr/>
+          <p:nvPr/>
+        </p:nvSpPr>
+        <p:spPr>
+          <a:xfrm>
+            <a:off x="2558809" y="9957248"/>
+            <a:ext cx="315686" cy="326618"/>
+          </a:xfrm>
+          <a:prstGeom prst="ellipse">
+            <a:avLst/>
+          </a:prstGeom>
+          <a:ln w="28575"/>
+        </p:spPr>
+        <p:style>
+          <a:lnRef idx="2">
+            <a:schemeClr val="dk1"/>
+          </a:lnRef>
+          <a:fillRef idx="1">
+            <a:schemeClr val="lt1"/>
+          </a:fillRef>
+          <a:effectRef idx="0">
+            <a:schemeClr val="dk1"/>
+          </a:effectRef>
+          <a:fontRef idx="minor">
+            <a:schemeClr val="dk1"/>
+          </a:fontRef>
+        </p:style>
+        <p:txBody>
+          <a:bodyPr rtlCol="0" anchor="ctr"/>
+          <a:lstStyle/>
+          <a:p>
+            <a:pPr algn="ctr"/>
+            <a:r>
+              <a:rPr lang="fr-FR" dirty="0" smtClean="0"/>
+              <a:t>2</a:t>
+            </a:r>
+            <a:endParaRPr lang="fr-FR" dirty="0"/>
+          </a:p>
+        </p:txBody>
+      </p:sp>
+      <p:sp>
+        <p:nvSpPr>
+          <p:cNvPr id="28" name="Oval 27"/>
+          <p:cNvSpPr/>
+          <p:nvPr/>
+        </p:nvSpPr>
+        <p:spPr>
+          <a:xfrm>
+            <a:off x="5874154" y="6729306"/>
+            <a:ext cx="315686" cy="326618"/>
+          </a:xfrm>
+          <a:prstGeom prst="ellipse">
+            <a:avLst/>
+          </a:prstGeom>
+          <a:ln w="28575"/>
+        </p:spPr>
+        <p:style>
+          <a:lnRef idx="2">
+            <a:schemeClr val="dk1"/>
+          </a:lnRef>
+          <a:fillRef idx="1">
+            <a:schemeClr val="lt1"/>
+          </a:fillRef>
+          <a:effectRef idx="0">
+            <a:schemeClr val="dk1"/>
+          </a:effectRef>
+          <a:fontRef idx="minor">
+            <a:schemeClr val="dk1"/>
+          </a:fontRef>
+        </p:style>
+        <p:txBody>
+          <a:bodyPr rtlCol="0" anchor="ctr"/>
+          <a:lstStyle/>
+          <a:p>
+            <a:pPr algn="ctr"/>
+            <a:r>
+              <a:rPr lang="fr-FR" dirty="0" smtClean="0"/>
+              <a:t>3</a:t>
+            </a:r>
+            <a:endParaRPr lang="fr-FR" dirty="0"/>
           </a:p>
         </p:txBody>
       </p:sp>
     </p:spTree>
     <p:extLst>
       <p:ext uri="{BB962C8B-B14F-4D97-AF65-F5344CB8AC3E}">
-        <p14:creationId xmlns:p14="http://schemas.microsoft.com/office/powerpoint/2010/main" val="1757845558"/>
+        <p14:creationId xmlns:p14="http://schemas.microsoft.com/office/powerpoint/2010/main" val="3789337553"/>
       </p:ext>
     </p:extLst>
   </p:cSld>
@@ -5143,13 +4962,237 @@
       </p:grpSpPr>
       <p:sp>
         <p:nvSpPr>
-          <p:cNvPr id="5" name="TextBox 4"/>
+          <p:cNvPr id="6" name="TextBox 5"/>
           <p:cNvSpPr txBox="1"/>
           <p:nvPr/>
         </p:nvSpPr>
         <p:spPr>
           <a:xfrm>
-            <a:off x="202098" y="302752"/>
+            <a:off x="336163" y="863140"/>
+            <a:ext cx="3269235" cy="1646605"/>
+          </a:xfrm>
+          <a:prstGeom prst="rect">
+            <a:avLst/>
+          </a:prstGeom>
+          <a:noFill/>
+        </p:spPr>
+        <p:txBody>
+          <a:bodyPr wrap="square" numCol="1" rtlCol="0">
+            <a:spAutoFit/>
+          </a:bodyPr>
+          <a:lstStyle/>
+          <a:p>
+            <a:r>
+              <a:rPr lang="fr-FR" sz="1400" b="1" dirty="0" smtClean="0"/>
+              <a:t>Prise de cotes  sur chantier :</a:t>
+            </a:r>
+          </a:p>
+          <a:p>
+            <a:endParaRPr lang="fr-FR" sz="1400" b="1" dirty="0" smtClean="0"/>
+          </a:p>
+          <a:p>
+            <a:r>
+              <a:rPr lang="fr-FR" sz="1400" b="1" dirty="0" smtClean="0"/>
+              <a:t>A. Déterminer la hauteur </a:t>
+            </a:r>
+            <a:r>
+              <a:rPr lang="fr-FR" sz="1400" dirty="0" smtClean="0"/>
+              <a:t>de l’escalier.</a:t>
+            </a:r>
+          </a:p>
+          <a:p>
+            <a:r>
+              <a:rPr lang="fr-FR" sz="1400" dirty="0" smtClean="0"/>
+              <a:t> (du sol au plancher )</a:t>
+            </a:r>
+            <a:endParaRPr lang="fr-FR" sz="1400" dirty="0"/>
+          </a:p>
+          <a:p>
+            <a:r>
+              <a:rPr lang="fr-FR" sz="1400" b="1" dirty="0" smtClean="0"/>
+              <a:t>B. Déterminer l’étendue </a:t>
+            </a:r>
+            <a:r>
+              <a:rPr lang="fr-FR" sz="1400" dirty="0" smtClean="0"/>
+              <a:t>(le reculement) disponible</a:t>
+            </a:r>
+          </a:p>
+          <a:p>
+            <a:r>
+              <a:rPr lang="fr-FR" sz="1400" b="1" dirty="0" smtClean="0"/>
+              <a:t>C. Déterminer la largeur </a:t>
+            </a:r>
+            <a:r>
+              <a:rPr lang="fr-FR" sz="1400" dirty="0" smtClean="0"/>
+              <a:t>disponible </a:t>
+            </a:r>
+            <a:endParaRPr lang="fr-FR" sz="1400" dirty="0"/>
+          </a:p>
+        </p:txBody>
+      </p:sp>
+      <p:sp>
+        <p:nvSpPr>
+          <p:cNvPr id="9" name="TextBox 8"/>
+          <p:cNvSpPr txBox="1"/>
+          <p:nvPr/>
+        </p:nvSpPr>
+        <p:spPr>
+          <a:xfrm>
+            <a:off x="3605397" y="863140"/>
+            <a:ext cx="3618363" cy="6340197"/>
+          </a:xfrm>
+          <a:prstGeom prst="rect">
+            <a:avLst/>
+          </a:prstGeom>
+          <a:noFill/>
+        </p:spPr>
+        <p:txBody>
+          <a:bodyPr wrap="square" numCol="1" rtlCol="0">
+            <a:spAutoFit/>
+          </a:bodyPr>
+          <a:lstStyle/>
+          <a:p>
+            <a:r>
+              <a:rPr lang="fr-FR" sz="1400" b="1" dirty="0" smtClean="0"/>
+              <a:t>Calcul et traçage sur le plan :</a:t>
+            </a:r>
+          </a:p>
+          <a:p>
+            <a:endParaRPr lang="fr-FR" sz="1400" b="1" dirty="0" smtClean="0"/>
+          </a:p>
+          <a:p>
+            <a:r>
+              <a:rPr lang="fr-FR" sz="1400" dirty="0" smtClean="0"/>
+              <a:t>Pour un escalier d’une hauteur sol au plancher de 2150 mm, une marche palière de 100 mm </a:t>
+            </a:r>
+            <a:r>
+              <a:rPr lang="fr-FR" sz="1400" dirty="0"/>
+              <a:t>et une distance entre le dernier nez de marche et la fin du limon de 30 mm</a:t>
+            </a:r>
+          </a:p>
+          <a:p>
+            <a:r>
+              <a:rPr lang="fr-FR" sz="1400" b="1" dirty="0" smtClean="0"/>
+              <a:t>1. Le nombre de marches :</a:t>
+            </a:r>
+          </a:p>
+          <a:p>
+            <a:r>
+              <a:rPr lang="fr-FR" sz="1400" dirty="0" smtClean="0"/>
+              <a:t>…………………………………………………………………………</a:t>
+            </a:r>
+          </a:p>
+          <a:p>
+            <a:r>
+              <a:rPr lang="fr-FR" sz="1400" dirty="0"/>
+              <a:t>…………………………………………………………………………</a:t>
+            </a:r>
+            <a:endParaRPr lang="fr-FR" sz="1400" dirty="0" smtClean="0"/>
+          </a:p>
+          <a:p>
+            <a:endParaRPr lang="fr-FR" sz="1400" b="1" dirty="0" smtClean="0"/>
+          </a:p>
+          <a:p>
+            <a:r>
+              <a:rPr lang="fr-FR" sz="1400" b="1" dirty="0" smtClean="0"/>
+              <a:t>2. La hauteur de marche :</a:t>
+            </a:r>
+          </a:p>
+          <a:p>
+            <a:r>
+              <a:rPr lang="fr-FR" sz="1400" dirty="0" smtClean="0"/>
+              <a:t>…………………………………………………………………………</a:t>
+            </a:r>
+          </a:p>
+          <a:p>
+            <a:r>
+              <a:rPr lang="fr-FR" sz="1400" dirty="0" smtClean="0"/>
+              <a:t>…………………………………………………………………………</a:t>
+            </a:r>
+          </a:p>
+          <a:p>
+            <a:endParaRPr lang="fr-BE" sz="1400" dirty="0" smtClean="0"/>
+          </a:p>
+          <a:p>
+            <a:r>
+              <a:rPr lang="fr-BE" sz="1400" b="1" dirty="0" smtClean="0"/>
+              <a:t>3. Calculer la ligne de foulée :</a:t>
+            </a:r>
+          </a:p>
+          <a:p>
+            <a:r>
+              <a:rPr lang="fr-FR" sz="1400" dirty="0"/>
+              <a:t>………………………………………………………………………… ………………………………………………………………………… </a:t>
+            </a:r>
+            <a:r>
+              <a:rPr lang="fr-BE" sz="1400" dirty="0" smtClean="0"/>
+              <a:t>							</a:t>
+            </a:r>
+          </a:p>
+          <a:p>
+            <a:r>
+              <a:rPr lang="fr-FR" sz="1400" b="1" dirty="0"/>
+              <a:t>4</a:t>
+            </a:r>
+            <a:r>
+              <a:rPr lang="fr-FR" sz="1400" b="1" dirty="0" smtClean="0"/>
+              <a:t>. Déterminer le giron :</a:t>
+            </a:r>
+          </a:p>
+          <a:p>
+            <a:r>
+              <a:rPr lang="fr-FR" sz="1400" dirty="0" smtClean="0"/>
+              <a:t>…………………………………………………………………………</a:t>
+            </a:r>
+          </a:p>
+          <a:p>
+            <a:r>
+              <a:rPr lang="fr-FR" sz="1400" dirty="0" smtClean="0"/>
+              <a:t>…………………………………………………………………………</a:t>
+            </a:r>
+          </a:p>
+          <a:p>
+            <a:endParaRPr lang="fr-BE" sz="1400" dirty="0"/>
+          </a:p>
+          <a:p>
+            <a:r>
+              <a:rPr lang="fr-FR" sz="1400" b="1" dirty="0" smtClean="0"/>
+              <a:t>5. Formule de Blondel :</a:t>
+            </a:r>
+          </a:p>
+          <a:p>
+            <a:r>
+              <a:rPr lang="fr-FR" sz="1400" dirty="0" smtClean="0"/>
+              <a:t>…………………………………………………………………………</a:t>
+            </a:r>
+          </a:p>
+          <a:p>
+            <a:r>
+              <a:rPr lang="fr-FR" sz="1400" dirty="0" smtClean="0"/>
+              <a:t>…………………………………………………………………………</a:t>
+            </a:r>
+          </a:p>
+          <a:p>
+            <a:endParaRPr lang="fr-FR" sz="1400" dirty="0"/>
+          </a:p>
+          <a:p>
+            <a:r>
+              <a:rPr lang="fr-FR" sz="1400" b="1" dirty="0" smtClean="0"/>
+              <a:t>6. Traçage  du balancement avec la méthode des herses</a:t>
+            </a:r>
+            <a:endParaRPr lang="fr-BE" sz="1400" b="1" dirty="0"/>
+          </a:p>
+        </p:txBody>
+      </p:sp>
+      <p:sp>
+        <p:nvSpPr>
+          <p:cNvPr id="24" name="TextBox 23"/>
+          <p:cNvSpPr txBox="1"/>
+          <p:nvPr/>
+        </p:nvSpPr>
+        <p:spPr>
+          <a:xfrm>
+            <a:off x="201684" y="263870"/>
             <a:ext cx="7135741" cy="461665"/>
           </a:xfrm>
           <a:prstGeom prst="rect">
@@ -5186,26 +5229,23 @@
           <a:p>
             <a:pPr algn="ctr"/>
             <a:r>
-              <a:rPr lang="fr-FR" sz="2400" dirty="0"/>
-              <a:t>Evaluation : </a:t>
-            </a:r>
-            <a:r>
-              <a:rPr lang="fr-FR" sz="2000" dirty="0"/>
-              <a:t>calcul et traçage d’un escalier quart tournant </a:t>
-            </a:r>
-          </a:p>
-        </p:txBody>
-      </p:sp>
-      <p:sp>
-        <p:nvSpPr>
-          <p:cNvPr id="2" name="Rectangle 1"/>
+              <a:rPr lang="fr-FR" sz="2400" dirty="0" smtClean="0"/>
+              <a:t>Exercice : tracer un escalier quart tournant</a:t>
+            </a:r>
+            <a:endParaRPr lang="fr-FR" sz="2400" dirty="0"/>
+          </a:p>
+        </p:txBody>
+      </p:sp>
+      <p:sp>
+        <p:nvSpPr>
+          <p:cNvPr id="5" name="Rectangle 4"/>
           <p:cNvSpPr/>
           <p:nvPr/>
         </p:nvSpPr>
         <p:spPr>
           <a:xfrm rot="5400000">
-            <a:off x="-2660159" y="4086387"/>
-            <a:ext cx="9000000" cy="2988000"/>
+            <a:off x="-1796159" y="4950387"/>
+            <a:ext cx="7272000" cy="2988000"/>
           </a:xfrm>
           <a:prstGeom prst="rect">
             <a:avLst/>
@@ -5248,192 +5288,7 @@
       </p:sp>
       <p:sp>
         <p:nvSpPr>
-          <p:cNvPr id="6" name="TextBox 5"/>
-          <p:cNvSpPr txBox="1"/>
-          <p:nvPr/>
-        </p:nvSpPr>
-        <p:spPr>
-          <a:xfrm>
-            <a:off x="3627623" y="1666990"/>
-            <a:ext cx="3710216" cy="3231654"/>
-          </a:xfrm>
-          <a:prstGeom prst="rect">
-            <a:avLst/>
-          </a:prstGeom>
-          <a:noFill/>
-        </p:spPr>
-        <p:txBody>
-          <a:bodyPr wrap="square" numCol="1" rtlCol="0">
-            <a:spAutoFit/>
-          </a:bodyPr>
-          <a:lstStyle/>
-          <a:p>
-            <a:r>
-              <a:rPr lang="fr-FR" sz="1200" b="1" dirty="0" smtClean="0"/>
-              <a:t>Attention ! Déterminer et tracer une marche palière (de 100 à 200 mm) et un recul pour la première marche par rapport au limon (de 20 à 30 mm)</a:t>
-            </a:r>
-          </a:p>
-          <a:p>
-            <a:endParaRPr lang="fr-FR" sz="1200" b="1" dirty="0" smtClean="0"/>
-          </a:p>
-          <a:p>
-            <a:r>
-              <a:rPr lang="fr-FR" sz="1200" b="1" dirty="0" smtClean="0"/>
-              <a:t>Les formules :</a:t>
-            </a:r>
-          </a:p>
-          <a:p>
-            <a:r>
-              <a:rPr lang="fr-FR" sz="1200" b="1" dirty="0" smtClean="0"/>
-              <a:t>1. Le nombre de marches :</a:t>
-            </a:r>
-          </a:p>
-          <a:p>
-            <a:r>
-              <a:rPr lang="fr-FR" sz="1200" dirty="0" smtClean="0"/>
-              <a:t>la hauteur de l’escalier </a:t>
-            </a:r>
-            <a:r>
-              <a:rPr lang="fr-BE" sz="1200" dirty="0" smtClean="0"/>
-              <a:t>÷ la hauteur idéale d’une marche d’escalier</a:t>
-            </a:r>
-            <a:endParaRPr lang="fr-FR" sz="1200" dirty="0" smtClean="0"/>
-          </a:p>
-          <a:p>
-            <a:r>
-              <a:rPr lang="fr-FR" sz="1200" b="1" dirty="0" smtClean="0"/>
-              <a:t>2. La hauteur de marche :</a:t>
-            </a:r>
-          </a:p>
-          <a:p>
-            <a:r>
-              <a:rPr lang="fr-FR" sz="1200" dirty="0" smtClean="0"/>
-              <a:t>la hauteur de l’escalier </a:t>
-            </a:r>
-            <a:r>
-              <a:rPr lang="fr-BE" sz="1200" dirty="0"/>
-              <a:t>÷ </a:t>
-            </a:r>
-            <a:r>
-              <a:rPr lang="fr-BE" sz="1200" dirty="0" smtClean="0"/>
-              <a:t>résultat précédent (nombre de marches)</a:t>
-            </a:r>
-          </a:p>
-          <a:p>
-            <a:r>
-              <a:rPr lang="fr-FR" sz="1200" b="1" dirty="0" smtClean="0"/>
-              <a:t>3. Le giron :</a:t>
-            </a:r>
-          </a:p>
-          <a:p>
-            <a:r>
-              <a:rPr lang="fr-FR" sz="1200" dirty="0" smtClean="0"/>
-              <a:t>[longueur de l’escalier </a:t>
-            </a:r>
-            <a:r>
-              <a:rPr lang="fr-FR" sz="1200" dirty="0"/>
-              <a:t>-</a:t>
-            </a:r>
-            <a:r>
-              <a:rPr lang="fr-FR" sz="1200" dirty="0" smtClean="0"/>
-              <a:t> (marche palière + distance entre le dernier nez de marche et le bout de mon limon)] </a:t>
-            </a:r>
-            <a:r>
-              <a:rPr lang="fr-BE" sz="1200" dirty="0" smtClean="0"/>
-              <a:t>÷ (nombre de marche – la marche palière)</a:t>
-            </a:r>
-          </a:p>
-          <a:p>
-            <a:r>
-              <a:rPr lang="fr-BE" sz="1200" dirty="0" smtClean="0"/>
-              <a:t>4.</a:t>
-            </a:r>
-            <a:r>
-              <a:rPr lang="fr-BE" sz="1200" b="1" dirty="0" smtClean="0"/>
-              <a:t> La formule de blondel :</a:t>
-            </a:r>
-          </a:p>
-          <a:p>
-            <a:r>
-              <a:rPr lang="fr-FR" sz="1200" dirty="0"/>
-              <a:t>1 giron + 2 hauteur de marche </a:t>
-            </a:r>
-            <a:r>
-              <a:rPr lang="fr-FR" sz="1200" dirty="0" smtClean="0"/>
-              <a:t>entre 58 et 64 </a:t>
-            </a:r>
-            <a:r>
-              <a:rPr lang="fr-FR" sz="1200" dirty="0"/>
-              <a:t>cm</a:t>
-            </a:r>
-            <a:endParaRPr lang="fr-FR" sz="1200" dirty="0" smtClean="0"/>
-          </a:p>
-        </p:txBody>
-      </p:sp>
-      <p:sp>
-        <p:nvSpPr>
-          <p:cNvPr id="7" name="TextBox 6"/>
-          <p:cNvSpPr txBox="1"/>
-          <p:nvPr/>
-        </p:nvSpPr>
-        <p:spPr>
-          <a:xfrm>
-            <a:off x="3627622" y="1080387"/>
-            <a:ext cx="3710216" cy="523220"/>
-          </a:xfrm>
-          <a:prstGeom prst="rect">
-            <a:avLst/>
-          </a:prstGeom>
-        </p:spPr>
-        <p:style>
-          <a:lnRef idx="2">
-            <a:schemeClr val="dk1"/>
-          </a:lnRef>
-          <a:fillRef idx="1">
-            <a:schemeClr val="lt1"/>
-          </a:fillRef>
-          <a:effectRef idx="0">
-            <a:schemeClr val="dk1"/>
-          </a:effectRef>
-          <a:fontRef idx="minor">
-            <a:schemeClr val="dk1"/>
-          </a:fontRef>
-        </p:style>
-        <p:txBody>
-          <a:bodyPr wrap="square" rtlCol="0">
-            <a:spAutoFit/>
-          </a:bodyPr>
-          <a:lstStyle/>
-          <a:p>
-            <a:r>
-              <a:rPr lang="fr-FR" sz="1400" dirty="0" smtClean="0"/>
-              <a:t>Nom </a:t>
-            </a:r>
-            <a:r>
-              <a:rPr lang="fr-FR" sz="1400" dirty="0"/>
-              <a:t>: 	</a:t>
-            </a:r>
-            <a:r>
-              <a:rPr lang="fr-FR" sz="1400" dirty="0" smtClean="0"/>
-              <a:t>…………………</a:t>
-            </a:r>
-            <a:r>
-              <a:rPr lang="fr-FR" sz="1400" dirty="0"/>
-              <a:t>…………………</a:t>
-            </a:r>
-          </a:p>
-          <a:p>
-            <a:r>
-              <a:rPr lang="fr-FR" sz="1400" dirty="0" smtClean="0"/>
-              <a:t>Prénom : 	……………………………………</a:t>
-            </a:r>
-            <a:endParaRPr lang="fr-FR" sz="1400" dirty="0"/>
-          </a:p>
-        </p:txBody>
-      </p:sp>
-      <p:sp>
-        <p:nvSpPr>
-          <p:cNvPr id="8" name="Rectangle 7"/>
+          <p:cNvPr id="7" name="Rectangle 6"/>
           <p:cNvSpPr/>
           <p:nvPr/>
         </p:nvSpPr>
@@ -5481,6 +5336,1766 @@
           </a:p>
         </p:txBody>
       </p:sp>
+      <p:cxnSp>
+        <p:nvCxnSpPr>
+          <p:cNvPr id="19" name="Straight Arrow Connector 18"/>
+          <p:cNvCxnSpPr/>
+          <p:nvPr/>
+        </p:nvCxnSpPr>
+        <p:spPr>
+          <a:xfrm>
+            <a:off x="528554" y="2801187"/>
+            <a:ext cx="0" cy="4284000"/>
+          </a:xfrm>
+          <a:prstGeom prst="straightConnector1">
+            <a:avLst/>
+          </a:prstGeom>
+          <a:ln w="12700">
+            <a:headEnd type="triangle"/>
+            <a:tailEnd type="triangle"/>
+          </a:ln>
+        </p:spPr>
+        <p:style>
+          <a:lnRef idx="1">
+            <a:schemeClr val="accent3"/>
+          </a:lnRef>
+          <a:fillRef idx="0">
+            <a:schemeClr val="accent3"/>
+          </a:fillRef>
+          <a:effectRef idx="0">
+            <a:schemeClr val="accent3"/>
+          </a:effectRef>
+          <a:fontRef idx="minor">
+            <a:schemeClr val="tx1"/>
+          </a:fontRef>
+        </p:style>
+      </p:cxnSp>
+      <p:cxnSp>
+        <p:nvCxnSpPr>
+          <p:cNvPr id="21" name="Straight Arrow Connector 20"/>
+          <p:cNvCxnSpPr/>
+          <p:nvPr/>
+        </p:nvCxnSpPr>
+        <p:spPr>
+          <a:xfrm flipH="1" flipV="1">
+            <a:off x="3343048" y="9860136"/>
+            <a:ext cx="3917026" cy="16328"/>
+          </a:xfrm>
+          <a:prstGeom prst="straightConnector1">
+            <a:avLst/>
+          </a:prstGeom>
+          <a:ln w="12700">
+            <a:headEnd type="triangle"/>
+            <a:tailEnd type="triangle"/>
+          </a:ln>
+        </p:spPr>
+        <p:style>
+          <a:lnRef idx="1">
+            <a:schemeClr val="accent3"/>
+          </a:lnRef>
+          <a:fillRef idx="0">
+            <a:schemeClr val="accent3"/>
+          </a:fillRef>
+          <a:effectRef idx="0">
+            <a:schemeClr val="accent3"/>
+          </a:effectRef>
+          <a:fontRef idx="minor">
+            <a:schemeClr val="tx1"/>
+          </a:fontRef>
+        </p:style>
+      </p:cxnSp>
+      <p:cxnSp>
+        <p:nvCxnSpPr>
+          <p:cNvPr id="26" name="Straight Arrow Connector 25"/>
+          <p:cNvCxnSpPr/>
+          <p:nvPr/>
+        </p:nvCxnSpPr>
+        <p:spPr>
+          <a:xfrm flipH="1" flipV="1">
+            <a:off x="7033039" y="7092387"/>
+            <a:ext cx="21811" cy="2988001"/>
+          </a:xfrm>
+          <a:prstGeom prst="straightConnector1">
+            <a:avLst/>
+          </a:prstGeom>
+          <a:ln w="12700">
+            <a:headEnd type="triangle"/>
+            <a:tailEnd type="triangle"/>
+          </a:ln>
+        </p:spPr>
+        <p:style>
+          <a:lnRef idx="1">
+            <a:schemeClr val="accent3"/>
+          </a:lnRef>
+          <a:fillRef idx="0">
+            <a:schemeClr val="accent3"/>
+          </a:fillRef>
+          <a:effectRef idx="0">
+            <a:schemeClr val="accent3"/>
+          </a:effectRef>
+          <a:fontRef idx="minor">
+            <a:schemeClr val="tx1"/>
+          </a:fontRef>
+        </p:style>
+      </p:cxnSp>
+      <p:sp>
+        <p:nvSpPr>
+          <p:cNvPr id="32" name="Rectangle 31"/>
+          <p:cNvSpPr/>
+          <p:nvPr/>
+        </p:nvSpPr>
+        <p:spPr>
+          <a:xfrm>
+            <a:off x="419100" y="4599214"/>
+            <a:ext cx="495300" cy="228600"/>
+          </a:xfrm>
+          <a:prstGeom prst="rect">
+            <a:avLst/>
+          </a:prstGeom>
+          <a:ln w="19050"/>
+        </p:spPr>
+        <p:style>
+          <a:lnRef idx="2">
+            <a:schemeClr val="accent3"/>
+          </a:lnRef>
+          <a:fillRef idx="1">
+            <a:schemeClr val="lt1"/>
+          </a:fillRef>
+          <a:effectRef idx="0">
+            <a:schemeClr val="accent3"/>
+          </a:effectRef>
+          <a:fontRef idx="minor">
+            <a:schemeClr val="dk1"/>
+          </a:fontRef>
+        </p:style>
+        <p:txBody>
+          <a:bodyPr rtlCol="0" anchor="ctr"/>
+          <a:lstStyle/>
+          <a:p>
+            <a:pPr algn="ctr"/>
+            <a:r>
+              <a:rPr lang="fr-FR" sz="1200" dirty="0" smtClean="0">
+                <a:solidFill>
+                  <a:schemeClr val="bg1">
+                    <a:lumMod val="50000"/>
+                  </a:schemeClr>
+                </a:solidFill>
+              </a:rPr>
+              <a:t>1150</a:t>
+            </a:r>
+            <a:endParaRPr lang="fr-FR" sz="1200" dirty="0">
+              <a:solidFill>
+                <a:schemeClr val="bg1">
+                  <a:lumMod val="50000"/>
+                </a:schemeClr>
+              </a:solidFill>
+            </a:endParaRPr>
+          </a:p>
+        </p:txBody>
+      </p:sp>
+      <p:sp>
+        <p:nvSpPr>
+          <p:cNvPr id="33" name="Rectangle 32"/>
+          <p:cNvSpPr/>
+          <p:nvPr/>
+        </p:nvSpPr>
+        <p:spPr>
+          <a:xfrm>
+            <a:off x="4992420" y="9726386"/>
+            <a:ext cx="532672" cy="239702"/>
+          </a:xfrm>
+          <a:prstGeom prst="rect">
+            <a:avLst/>
+          </a:prstGeom>
+          <a:ln w="19050"/>
+        </p:spPr>
+        <p:style>
+          <a:lnRef idx="2">
+            <a:schemeClr val="accent3"/>
+          </a:lnRef>
+          <a:fillRef idx="1">
+            <a:schemeClr val="lt1"/>
+          </a:fillRef>
+          <a:effectRef idx="0">
+            <a:schemeClr val="accent3"/>
+          </a:effectRef>
+          <a:fontRef idx="minor">
+            <a:schemeClr val="dk1"/>
+          </a:fontRef>
+        </p:style>
+        <p:txBody>
+          <a:bodyPr rtlCol="0" anchor="ctr"/>
+          <a:lstStyle/>
+          <a:p>
+            <a:pPr algn="ctr"/>
+            <a:r>
+              <a:rPr lang="fr-FR" sz="1200" dirty="0" smtClean="0">
+                <a:solidFill>
+                  <a:schemeClr val="bg1">
+                    <a:lumMod val="50000"/>
+                  </a:schemeClr>
+                </a:solidFill>
+              </a:rPr>
+              <a:t>1050</a:t>
+            </a:r>
+            <a:endParaRPr lang="fr-FR" sz="1200" dirty="0">
+              <a:solidFill>
+                <a:schemeClr val="bg1">
+                  <a:lumMod val="50000"/>
+                </a:schemeClr>
+              </a:solidFill>
+            </a:endParaRPr>
+          </a:p>
+        </p:txBody>
+      </p:sp>
+      <p:sp>
+        <p:nvSpPr>
+          <p:cNvPr id="34" name="Rectangle 33"/>
+          <p:cNvSpPr/>
+          <p:nvPr/>
+        </p:nvSpPr>
+        <p:spPr>
+          <a:xfrm>
+            <a:off x="6672943" y="8007838"/>
+            <a:ext cx="453600" cy="228600"/>
+          </a:xfrm>
+          <a:prstGeom prst="rect">
+            <a:avLst/>
+          </a:prstGeom>
+          <a:ln w="19050"/>
+        </p:spPr>
+        <p:style>
+          <a:lnRef idx="2">
+            <a:schemeClr val="accent3"/>
+          </a:lnRef>
+          <a:fillRef idx="1">
+            <a:schemeClr val="lt1"/>
+          </a:fillRef>
+          <a:effectRef idx="0">
+            <a:schemeClr val="accent3"/>
+          </a:effectRef>
+          <a:fontRef idx="minor">
+            <a:schemeClr val="dk1"/>
+          </a:fontRef>
+        </p:style>
+        <p:txBody>
+          <a:bodyPr rtlCol="0" anchor="ctr"/>
+          <a:lstStyle/>
+          <a:p>
+            <a:pPr algn="ctr"/>
+            <a:r>
+              <a:rPr lang="fr-FR" sz="1200" dirty="0" smtClean="0">
+                <a:solidFill>
+                  <a:schemeClr val="bg1">
+                    <a:lumMod val="50000"/>
+                  </a:schemeClr>
+                </a:solidFill>
+              </a:rPr>
+              <a:t>800</a:t>
+            </a:r>
+            <a:endParaRPr lang="fr-FR" sz="1200" dirty="0">
+              <a:solidFill>
+                <a:schemeClr val="bg1">
+                  <a:lumMod val="50000"/>
+                </a:schemeClr>
+              </a:solidFill>
+            </a:endParaRPr>
+          </a:p>
+        </p:txBody>
+      </p:sp>
+      <p:cxnSp>
+        <p:nvCxnSpPr>
+          <p:cNvPr id="16" name="Straight Arrow Connector 15"/>
+          <p:cNvCxnSpPr/>
+          <p:nvPr/>
+        </p:nvCxnSpPr>
+        <p:spPr>
+          <a:xfrm flipH="1" flipV="1">
+            <a:off x="1850203" y="6872136"/>
+            <a:ext cx="1483638" cy="16328"/>
+          </a:xfrm>
+          <a:prstGeom prst="straightConnector1">
+            <a:avLst/>
+          </a:prstGeom>
+          <a:ln w="12700">
+            <a:headEnd type="triangle"/>
+            <a:tailEnd type="triangle"/>
+          </a:ln>
+        </p:spPr>
+        <p:style>
+          <a:lnRef idx="1">
+            <a:schemeClr val="accent3"/>
+          </a:lnRef>
+          <a:fillRef idx="0">
+            <a:schemeClr val="accent3"/>
+          </a:fillRef>
+          <a:effectRef idx="0">
+            <a:schemeClr val="accent3"/>
+          </a:effectRef>
+          <a:fontRef idx="minor">
+            <a:schemeClr val="tx1"/>
+          </a:fontRef>
+        </p:style>
+      </p:cxnSp>
+      <p:sp>
+        <p:nvSpPr>
+          <p:cNvPr id="17" name="Rectangle 16"/>
+          <p:cNvSpPr/>
+          <p:nvPr/>
+        </p:nvSpPr>
+        <p:spPr>
+          <a:xfrm>
+            <a:off x="2320505" y="6750724"/>
+            <a:ext cx="532672" cy="239702"/>
+          </a:xfrm>
+          <a:prstGeom prst="rect">
+            <a:avLst/>
+          </a:prstGeom>
+          <a:ln w="19050"/>
+        </p:spPr>
+        <p:style>
+          <a:lnRef idx="2">
+            <a:schemeClr val="accent3"/>
+          </a:lnRef>
+          <a:fillRef idx="1">
+            <a:schemeClr val="lt1"/>
+          </a:fillRef>
+          <a:effectRef idx="0">
+            <a:schemeClr val="accent3"/>
+          </a:effectRef>
+          <a:fontRef idx="minor">
+            <a:schemeClr val="dk1"/>
+          </a:fontRef>
+        </p:style>
+        <p:txBody>
+          <a:bodyPr rtlCol="0" anchor="ctr"/>
+          <a:lstStyle/>
+          <a:p>
+            <a:pPr algn="ctr"/>
+            <a:r>
+              <a:rPr lang="fr-FR" sz="1200" dirty="0" smtClean="0">
+                <a:solidFill>
+                  <a:schemeClr val="bg1">
+                    <a:lumMod val="50000"/>
+                  </a:schemeClr>
+                </a:solidFill>
+              </a:rPr>
+              <a:t>400</a:t>
+            </a:r>
+            <a:endParaRPr lang="fr-FR" sz="1200" dirty="0">
+              <a:solidFill>
+                <a:schemeClr val="bg1">
+                  <a:lumMod val="50000"/>
+                </a:schemeClr>
+              </a:solidFill>
+            </a:endParaRPr>
+          </a:p>
+        </p:txBody>
+      </p:sp>
+    </p:spTree>
+    <p:extLst>
+      <p:ext uri="{BB962C8B-B14F-4D97-AF65-F5344CB8AC3E}">
+        <p14:creationId xmlns:p14="http://schemas.microsoft.com/office/powerpoint/2010/main" val="435467787"/>
+      </p:ext>
+    </p:extLst>
+  </p:cSld>
+  <p:clrMapOvr>
+    <a:masterClrMapping/>
+  </p:clrMapOvr>
+  <p:timing>
+    <p:tnLst>
+      <p:par>
+        <p:cTn id="1" dur="indefinite" restart="never" nodeType="tmRoot"/>
+      </p:par>
+    </p:tnLst>
+  </p:timing>
+</p:sld>
+</file>
+
+<file path=ppt/slides/slide12.xml><?xml version="1.0" encoding="utf-8"?>
+<p:sld xmlns:a="http://schemas.openxmlformats.org/drawingml/2006/main" xmlns:r="http://schemas.openxmlformats.org/officeDocument/2006/relationships" xmlns:p="http://schemas.openxmlformats.org/presentationml/2006/main">
+  <p:cSld>
+    <p:spTree>
+      <p:nvGrpSpPr>
+        <p:cNvPr id="1" name=""/>
+        <p:cNvGrpSpPr/>
+        <p:nvPr/>
+      </p:nvGrpSpPr>
+      <p:grpSpPr>
+        <a:xfrm>
+          <a:off x="0" y="0"/>
+          <a:ext cx="0" cy="0"/>
+          <a:chOff x="0" y="0"/>
+          <a:chExt cx="0" cy="0"/>
+        </a:xfrm>
+      </p:grpSpPr>
+      <p:sp>
+        <p:nvSpPr>
+          <p:cNvPr id="5" name="TextBox 4"/>
+          <p:cNvSpPr txBox="1"/>
+          <p:nvPr/>
+        </p:nvSpPr>
+        <p:spPr>
+          <a:xfrm>
+            <a:off x="202098" y="302752"/>
+            <a:ext cx="7135741" cy="461665"/>
+          </a:xfrm>
+          <a:prstGeom prst="rect">
+            <a:avLst/>
+          </a:prstGeom>
+          <a:effectLst>
+            <a:glow rad="228600">
+              <a:schemeClr val="accent3">
+                <a:satMod val="175000"/>
+                <a:alpha val="40000"/>
+              </a:schemeClr>
+            </a:glow>
+          </a:effectLst>
+        </p:spPr>
+        <p:style>
+          <a:lnRef idx="2">
+            <a:schemeClr val="dk1"/>
+          </a:lnRef>
+          <a:fillRef idx="1">
+            <a:schemeClr val="lt1"/>
+          </a:fillRef>
+          <a:effectRef idx="0">
+            <a:schemeClr val="dk1"/>
+          </a:effectRef>
+          <a:fontRef idx="minor">
+            <a:schemeClr val="dk1"/>
+          </a:fontRef>
+        </p:style>
+        <p:txBody>
+          <a:bodyPr wrap="square" rtlCol="0">
+            <a:spAutoFit/>
+          </a:bodyPr>
+          <a:lstStyle/>
+          <a:p>
+            <a:pPr algn="ctr"/>
+            <a:r>
+              <a:rPr lang="fr-FR" sz="2400" dirty="0" smtClean="0"/>
+              <a:t>Evaluation : </a:t>
+            </a:r>
+            <a:r>
+              <a:rPr lang="fr-FR" sz="2000" dirty="0" smtClean="0"/>
+              <a:t>calcul et traçage d’un escalier quart tournant 1/3 </a:t>
+            </a:r>
+            <a:endParaRPr lang="fr-FR" sz="2000" dirty="0"/>
+          </a:p>
+        </p:txBody>
+      </p:sp>
+      <p:sp>
+        <p:nvSpPr>
+          <p:cNvPr id="4" name="TextBox 3"/>
+          <p:cNvSpPr txBox="1"/>
+          <p:nvPr/>
+        </p:nvSpPr>
+        <p:spPr>
+          <a:xfrm>
+            <a:off x="680029" y="5609877"/>
+            <a:ext cx="6179871" cy="3970318"/>
+          </a:xfrm>
+          <a:prstGeom prst="rect">
+            <a:avLst/>
+          </a:prstGeom>
+          <a:noFill/>
+        </p:spPr>
+        <p:txBody>
+          <a:bodyPr wrap="square" numCol="1" rtlCol="0">
+            <a:spAutoFit/>
+          </a:bodyPr>
+          <a:lstStyle/>
+          <a:p>
+            <a:r>
+              <a:rPr lang="fr-FR" sz="1200" b="1" dirty="0"/>
+              <a:t>Questions : </a:t>
+            </a:r>
+          </a:p>
+          <a:p>
+            <a:endParaRPr lang="fr-FR" sz="1200" b="1" dirty="0"/>
+          </a:p>
+          <a:p>
+            <a:r>
+              <a:rPr lang="fr-FR" sz="1200" b="1" dirty="0"/>
+              <a:t>Qu’est ce que représente la foulée dans un escalier ?				</a:t>
+            </a:r>
+            <a:r>
+              <a:rPr lang="fr-FR" sz="1200" b="1" dirty="0" smtClean="0"/>
+              <a:t>	…./</a:t>
+            </a:r>
+            <a:r>
+              <a:rPr lang="fr-FR" sz="1200" b="1" dirty="0"/>
+              <a:t>2</a:t>
+            </a:r>
+          </a:p>
+          <a:p>
+            <a:endParaRPr lang="fr-FR" sz="1200" b="1" dirty="0"/>
+          </a:p>
+          <a:p>
+            <a:r>
+              <a:rPr lang="fr-FR" sz="1200" b="1" dirty="0"/>
+              <a:t>………………………………………………………………………………………………………………………….</a:t>
+            </a:r>
+          </a:p>
+          <a:p>
+            <a:endParaRPr lang="fr-FR" sz="1200" b="1" dirty="0"/>
+          </a:p>
+          <a:p>
+            <a:r>
+              <a:rPr lang="fr-FR" sz="1200" b="1" dirty="0"/>
+              <a:t>Comment appelle-t-on le limon entaillé sur lequel les marches </a:t>
+            </a:r>
+            <a:r>
+              <a:rPr lang="fr-FR" sz="1200" b="1" dirty="0" smtClean="0"/>
+              <a:t>reposent </a:t>
+            </a:r>
+            <a:r>
+              <a:rPr lang="fr-FR" sz="1200" b="1" dirty="0"/>
+              <a:t>?	</a:t>
+            </a:r>
+            <a:r>
+              <a:rPr lang="fr-FR" sz="1200" b="1" dirty="0" smtClean="0"/>
+              <a:t>	…./</a:t>
+            </a:r>
+            <a:r>
+              <a:rPr lang="fr-FR" sz="1200" b="1" dirty="0"/>
+              <a:t>2</a:t>
+            </a:r>
+          </a:p>
+          <a:p>
+            <a:endParaRPr lang="fr-FR" sz="1200" b="1" dirty="0"/>
+          </a:p>
+          <a:p>
+            <a:r>
+              <a:rPr lang="fr-FR" sz="1200" b="1" dirty="0"/>
+              <a:t>………………………………………………………………………………………………………………………….</a:t>
+            </a:r>
+          </a:p>
+          <a:p>
+            <a:endParaRPr lang="fr-FR" sz="1200" b="1" dirty="0"/>
+          </a:p>
+          <a:p>
+            <a:r>
+              <a:rPr lang="fr-FR" sz="1200" b="1" dirty="0"/>
+              <a:t>Quels sont les 3 éléments d’un garde corps ?					</a:t>
+            </a:r>
+            <a:r>
+              <a:rPr lang="fr-FR" sz="1200" b="1" dirty="0" smtClean="0"/>
+              <a:t>	…./</a:t>
+            </a:r>
+            <a:r>
+              <a:rPr lang="fr-FR" sz="1200" b="1" dirty="0"/>
+              <a:t>3</a:t>
+            </a:r>
+          </a:p>
+          <a:p>
+            <a:endParaRPr lang="fr-FR" sz="1200" b="1" dirty="0"/>
+          </a:p>
+          <a:p>
+            <a:r>
+              <a:rPr lang="fr-FR" sz="1200" b="1" dirty="0"/>
+              <a:t>………………………………………………………………………………………………………………………….</a:t>
+            </a:r>
+          </a:p>
+          <a:p>
+            <a:endParaRPr lang="fr-FR" sz="1200" b="1" dirty="0"/>
+          </a:p>
+          <a:p>
+            <a:r>
+              <a:rPr lang="fr-FR" sz="1200" b="1" dirty="0"/>
+              <a:t>Qu’est ce qu’une trémie ?								</a:t>
+            </a:r>
+            <a:r>
+              <a:rPr lang="fr-FR" sz="1200" b="1" dirty="0" smtClean="0"/>
+              <a:t>	…./</a:t>
+            </a:r>
+            <a:r>
+              <a:rPr lang="fr-FR" sz="1200" b="1" dirty="0"/>
+              <a:t>1</a:t>
+            </a:r>
+          </a:p>
+          <a:p>
+            <a:endParaRPr lang="fr-FR" sz="1200" b="1" dirty="0"/>
+          </a:p>
+          <a:p>
+            <a:r>
+              <a:rPr lang="fr-FR" sz="1200" b="1" dirty="0"/>
+              <a:t>………………………………………………………………………………………………………………………….</a:t>
+            </a:r>
+          </a:p>
+          <a:p>
+            <a:endParaRPr lang="fr-FR" sz="1200" b="1" dirty="0"/>
+          </a:p>
+          <a:p>
+            <a:r>
+              <a:rPr lang="fr-FR" sz="1200" b="1" dirty="0"/>
+              <a:t>Bonus : </a:t>
+            </a:r>
+            <a:r>
+              <a:rPr lang="fr-FR" sz="1200" b="1" dirty="0" smtClean="0"/>
+              <a:t>Comment savoir si un escalier est confortable ?		</a:t>
+            </a:r>
+            <a:r>
+              <a:rPr lang="fr-FR" sz="1200" b="1" dirty="0"/>
+              <a:t>		</a:t>
+            </a:r>
+            <a:r>
+              <a:rPr lang="fr-FR" sz="1200" b="1" dirty="0" smtClean="0"/>
+              <a:t>	…/</a:t>
+            </a:r>
+            <a:r>
+              <a:rPr lang="fr-FR" sz="1200" b="1" dirty="0"/>
+              <a:t>2</a:t>
+            </a:r>
+          </a:p>
+          <a:p>
+            <a:endParaRPr lang="fr-FR" sz="1200" b="1" dirty="0"/>
+          </a:p>
+          <a:p>
+            <a:r>
+              <a:rPr lang="fr-FR" sz="1200" b="1" dirty="0"/>
+              <a:t>………………………………………………………………………………………………………………………….</a:t>
+            </a:r>
+          </a:p>
+        </p:txBody>
+      </p:sp>
+      <p:sp>
+        <p:nvSpPr>
+          <p:cNvPr id="7" name="TextBox 6"/>
+          <p:cNvSpPr txBox="1"/>
+          <p:nvPr/>
+        </p:nvSpPr>
+        <p:spPr>
+          <a:xfrm>
+            <a:off x="680030" y="971811"/>
+            <a:ext cx="6179871" cy="307777"/>
+          </a:xfrm>
+          <a:prstGeom prst="rect">
+            <a:avLst/>
+          </a:prstGeom>
+        </p:spPr>
+        <p:style>
+          <a:lnRef idx="2">
+            <a:schemeClr val="dk1"/>
+          </a:lnRef>
+          <a:fillRef idx="1">
+            <a:schemeClr val="lt1"/>
+          </a:fillRef>
+          <a:effectRef idx="0">
+            <a:schemeClr val="dk1"/>
+          </a:effectRef>
+          <a:fontRef idx="minor">
+            <a:schemeClr val="dk1"/>
+          </a:fontRef>
+        </p:style>
+        <p:txBody>
+          <a:bodyPr wrap="square" rtlCol="0">
+            <a:spAutoFit/>
+          </a:bodyPr>
+          <a:lstStyle/>
+          <a:p>
+            <a:r>
+              <a:rPr lang="fr-FR" sz="1400" dirty="0" smtClean="0"/>
+              <a:t>Nom </a:t>
+            </a:r>
+            <a:r>
+              <a:rPr lang="fr-FR" sz="1400" dirty="0"/>
+              <a:t>: </a:t>
+            </a:r>
+            <a:r>
+              <a:rPr lang="fr-FR" sz="1400" dirty="0" smtClean="0"/>
+              <a:t>……………………………………			Prénom : ……………………………………</a:t>
+            </a:r>
+            <a:endParaRPr lang="fr-FR" sz="1400" dirty="0"/>
+          </a:p>
+        </p:txBody>
+      </p:sp>
+      <p:sp>
+        <p:nvSpPr>
+          <p:cNvPr id="2" name="Rectangle 1"/>
+          <p:cNvSpPr/>
+          <p:nvPr/>
+        </p:nvSpPr>
+        <p:spPr>
+          <a:xfrm>
+            <a:off x="680030" y="1804680"/>
+            <a:ext cx="6179871" cy="3600986"/>
+          </a:xfrm>
+          <a:prstGeom prst="rect">
+            <a:avLst/>
+          </a:prstGeom>
+          <a:ln>
+            <a:prstDash val="sysDash"/>
+          </a:ln>
+        </p:spPr>
+        <p:style>
+          <a:lnRef idx="2">
+            <a:schemeClr val="dk1"/>
+          </a:lnRef>
+          <a:fillRef idx="1">
+            <a:schemeClr val="lt1"/>
+          </a:fillRef>
+          <a:effectRef idx="0">
+            <a:schemeClr val="dk1"/>
+          </a:effectRef>
+          <a:fontRef idx="minor">
+            <a:schemeClr val="dk1"/>
+          </a:fontRef>
+        </p:style>
+        <p:txBody>
+          <a:bodyPr wrap="square">
+            <a:spAutoFit/>
+          </a:bodyPr>
+          <a:lstStyle/>
+          <a:p>
+            <a:r>
+              <a:rPr lang="fr-FR" sz="1200" b="1" dirty="0" smtClean="0"/>
+              <a:t>Critères d’évaluation : </a:t>
+            </a:r>
+          </a:p>
+          <a:p>
+            <a:endParaRPr lang="fr-FR" sz="1200" b="1" dirty="0"/>
+          </a:p>
+          <a:p>
+            <a:r>
+              <a:rPr lang="fr-FR" sz="1200" b="1" dirty="0"/>
+              <a:t>Les réponses aux questions sont justes : 						8 points</a:t>
+            </a:r>
+          </a:p>
+          <a:p>
+            <a:r>
+              <a:rPr lang="fr-FR" sz="1200" i="1" dirty="0"/>
+              <a:t>La moitié des points seulement si les réponses ne sont pas claires </a:t>
+            </a:r>
+            <a:r>
+              <a:rPr lang="fr-FR" sz="1200" i="1" dirty="0" smtClean="0"/>
+              <a:t>(pas de vocabulaire </a:t>
+            </a:r>
+            <a:r>
+              <a:rPr lang="fr-FR" sz="1200" i="1" dirty="0"/>
+              <a:t>relatif aux escaliers</a:t>
+            </a:r>
+            <a:r>
+              <a:rPr lang="fr-FR" sz="1200" i="1" dirty="0" smtClean="0"/>
+              <a:t>)</a:t>
+            </a:r>
+          </a:p>
+          <a:p>
+            <a:r>
+              <a:rPr lang="fr-FR" sz="1200" i="1" dirty="0" smtClean="0"/>
+              <a:t>Aucun point si les réponses est inexactes</a:t>
+            </a:r>
+            <a:endParaRPr lang="fr-FR" sz="1200" i="1" dirty="0"/>
+          </a:p>
+          <a:p>
+            <a:r>
+              <a:rPr lang="fr-FR" sz="1200" i="1" dirty="0"/>
+              <a:t>Non évaluable s’il n’y a pas de réponse</a:t>
+            </a:r>
+          </a:p>
+          <a:p>
+            <a:endParaRPr lang="fr-FR" sz="1200" b="1" dirty="0" smtClean="0"/>
+          </a:p>
+          <a:p>
+            <a:r>
+              <a:rPr lang="fr-FR" sz="1200" b="1" dirty="0" smtClean="0"/>
+              <a:t>Les calculs et les résultats sont justes : 						6 points</a:t>
+            </a:r>
+          </a:p>
+          <a:p>
+            <a:r>
+              <a:rPr lang="fr-FR" sz="1200" i="1" dirty="0" smtClean="0"/>
+              <a:t>La moitié des points seulement si le résultat est juste mais que le calcul n’est pas indiqué ou que les calculs sont approximatifs (arrondis à moins de 2 chiffres après la virgule)</a:t>
+            </a:r>
+          </a:p>
+          <a:p>
+            <a:r>
+              <a:rPr lang="fr-FR" sz="1200" i="1" dirty="0"/>
+              <a:t>Aucun point si </a:t>
+            </a:r>
+            <a:r>
+              <a:rPr lang="fr-FR" sz="1200" i="1" dirty="0" smtClean="0"/>
+              <a:t>les calculs sont inexacts </a:t>
+            </a:r>
+          </a:p>
+          <a:p>
+            <a:r>
+              <a:rPr lang="fr-FR" sz="1200" i="1" dirty="0" smtClean="0"/>
+              <a:t>Non évaluable s’il n’y a pas de calcul et de résultat</a:t>
+            </a:r>
+          </a:p>
+          <a:p>
+            <a:endParaRPr lang="fr-FR" sz="1200" i="1" dirty="0"/>
+          </a:p>
+          <a:p>
+            <a:r>
+              <a:rPr lang="fr-FR" sz="1200" b="1" dirty="0" smtClean="0"/>
+              <a:t>Le </a:t>
+            </a:r>
+            <a:r>
+              <a:rPr lang="fr-FR" sz="1200" b="1" dirty="0"/>
+              <a:t>traçage de l’escalier est juste et lisible </a:t>
+            </a:r>
+            <a:r>
+              <a:rPr lang="fr-FR" sz="1200" b="1" dirty="0" smtClean="0"/>
+              <a:t>: 						6 </a:t>
+            </a:r>
+            <a:r>
+              <a:rPr lang="fr-FR" sz="1200" b="1" dirty="0"/>
+              <a:t>points</a:t>
+            </a:r>
+          </a:p>
+          <a:p>
+            <a:r>
+              <a:rPr lang="fr-FR" sz="1200" i="1" dirty="0"/>
+              <a:t>La moitié des points si le tracé est n’est pas lisible (au </a:t>
+            </a:r>
+            <a:r>
+              <a:rPr lang="fr-FR" sz="1200" i="1" dirty="0" smtClean="0"/>
+              <a:t>mm)</a:t>
+            </a:r>
+            <a:endParaRPr lang="fr-FR" sz="1200" i="1" dirty="0"/>
+          </a:p>
+          <a:p>
+            <a:r>
+              <a:rPr lang="fr-FR" sz="1200" i="1" dirty="0"/>
+              <a:t>Deux points s’il y a un tracé irrégulier </a:t>
+            </a:r>
+            <a:r>
+              <a:rPr lang="fr-FR" sz="1200" i="1" dirty="0" smtClean="0"/>
+              <a:t>ou approximatif </a:t>
+            </a:r>
+          </a:p>
+          <a:p>
+            <a:r>
+              <a:rPr lang="fr-FR" sz="1200" i="1" dirty="0"/>
+              <a:t>Aucun point si </a:t>
+            </a:r>
+            <a:r>
+              <a:rPr lang="fr-FR" sz="1200" i="1" dirty="0" smtClean="0"/>
+              <a:t>le traçage n’est pas  juste (non conforme au calcul, ou à l’énoncé) </a:t>
+            </a:r>
+            <a:endParaRPr lang="fr-FR" sz="1200" i="1" dirty="0"/>
+          </a:p>
+          <a:p>
+            <a:r>
+              <a:rPr lang="fr-FR" sz="1200" i="1" dirty="0"/>
+              <a:t>Non évaluable s’il n’y a pas </a:t>
+            </a:r>
+            <a:r>
+              <a:rPr lang="fr-FR" sz="1200" i="1" dirty="0" smtClean="0"/>
+              <a:t>traçage</a:t>
+            </a:r>
+            <a:endParaRPr lang="fr-FR" sz="1200" dirty="0"/>
+          </a:p>
+        </p:txBody>
+      </p:sp>
+      <p:sp>
+        <p:nvSpPr>
+          <p:cNvPr id="6" name="TextBox 5"/>
+          <p:cNvSpPr txBox="1"/>
+          <p:nvPr/>
+        </p:nvSpPr>
+        <p:spPr>
+          <a:xfrm>
+            <a:off x="680029" y="1387822"/>
+            <a:ext cx="6179871" cy="307777"/>
+          </a:xfrm>
+          <a:prstGeom prst="rect">
+            <a:avLst/>
+          </a:prstGeom>
+        </p:spPr>
+        <p:style>
+          <a:lnRef idx="2">
+            <a:schemeClr val="dk1"/>
+          </a:lnRef>
+          <a:fillRef idx="1">
+            <a:schemeClr val="lt1"/>
+          </a:fillRef>
+          <a:effectRef idx="0">
+            <a:schemeClr val="dk1"/>
+          </a:effectRef>
+          <a:fontRef idx="minor">
+            <a:schemeClr val="dk1"/>
+          </a:fontRef>
+        </p:style>
+        <p:txBody>
+          <a:bodyPr wrap="square" rtlCol="0">
+            <a:spAutoFit/>
+          </a:bodyPr>
+          <a:lstStyle/>
+          <a:p>
+            <a:r>
+              <a:rPr lang="fr-FR" sz="1400" dirty="0" smtClean="0"/>
+              <a:t>Note : …../20	Remarque </a:t>
+            </a:r>
+            <a:r>
+              <a:rPr lang="fr-FR" sz="1400" dirty="0"/>
+              <a:t>: </a:t>
+            </a:r>
+            <a:r>
+              <a:rPr lang="fr-FR" sz="1400" dirty="0" smtClean="0"/>
+              <a:t>…………………………………………………………………………</a:t>
+            </a:r>
+            <a:endParaRPr lang="fr-FR" sz="1400" dirty="0"/>
+          </a:p>
+        </p:txBody>
+      </p:sp>
+    </p:spTree>
+    <p:extLst>
+      <p:ext uri="{BB962C8B-B14F-4D97-AF65-F5344CB8AC3E}">
+        <p14:creationId xmlns:p14="http://schemas.microsoft.com/office/powerpoint/2010/main" val="1757845558"/>
+      </p:ext>
+    </p:extLst>
+  </p:cSld>
+  <p:clrMapOvr>
+    <a:masterClrMapping/>
+  </p:clrMapOvr>
+  <p:timing>
+    <p:tnLst>
+      <p:par>
+        <p:cTn id="1" dur="indefinite" restart="never" nodeType="tmRoot"/>
+      </p:par>
+    </p:tnLst>
+  </p:timing>
+</p:sld>
+</file>
+
+<file path=ppt/slides/slide13.xml><?xml version="1.0" encoding="utf-8"?>
+<p:sld xmlns:a="http://schemas.openxmlformats.org/drawingml/2006/main" xmlns:r="http://schemas.openxmlformats.org/officeDocument/2006/relationships" xmlns:p="http://schemas.openxmlformats.org/presentationml/2006/main">
+  <p:cSld>
+    <p:spTree>
+      <p:nvGrpSpPr>
+        <p:cNvPr id="1" name=""/>
+        <p:cNvGrpSpPr/>
+        <p:nvPr/>
+      </p:nvGrpSpPr>
+      <p:grpSpPr>
+        <a:xfrm>
+          <a:off x="0" y="0"/>
+          <a:ext cx="0" cy="0"/>
+          <a:chOff x="0" y="0"/>
+          <a:chExt cx="0" cy="0"/>
+        </a:xfrm>
+      </p:grpSpPr>
+      <p:sp>
+        <p:nvSpPr>
+          <p:cNvPr id="5" name="TextBox 4"/>
+          <p:cNvSpPr txBox="1"/>
+          <p:nvPr/>
+        </p:nvSpPr>
+        <p:spPr>
+          <a:xfrm>
+            <a:off x="202098" y="302752"/>
+            <a:ext cx="7135741" cy="461665"/>
+          </a:xfrm>
+          <a:prstGeom prst="rect">
+            <a:avLst/>
+          </a:prstGeom>
+          <a:effectLst>
+            <a:glow rad="228600">
+              <a:schemeClr val="accent3">
+                <a:satMod val="175000"/>
+                <a:alpha val="40000"/>
+              </a:schemeClr>
+            </a:glow>
+          </a:effectLst>
+        </p:spPr>
+        <p:style>
+          <a:lnRef idx="2">
+            <a:schemeClr val="dk1"/>
+          </a:lnRef>
+          <a:fillRef idx="1">
+            <a:schemeClr val="lt1"/>
+          </a:fillRef>
+          <a:effectRef idx="0">
+            <a:schemeClr val="dk1"/>
+          </a:effectRef>
+          <a:fontRef idx="minor">
+            <a:schemeClr val="dk1"/>
+          </a:fontRef>
+        </p:style>
+        <p:txBody>
+          <a:bodyPr wrap="square" rtlCol="0">
+            <a:spAutoFit/>
+          </a:bodyPr>
+          <a:lstStyle/>
+          <a:p>
+            <a:pPr algn="ctr"/>
+            <a:r>
+              <a:rPr lang="fr-FR" sz="2400" dirty="0" smtClean="0"/>
+              <a:t>Evaluation : </a:t>
+            </a:r>
+            <a:r>
+              <a:rPr lang="fr-FR" sz="2000" dirty="0" smtClean="0"/>
+              <a:t>calcul et traçage d’un escalier quart tournant </a:t>
+            </a:r>
+            <a:r>
+              <a:rPr lang="fr-FR" sz="2000" dirty="0"/>
+              <a:t>2</a:t>
+            </a:r>
+            <a:r>
+              <a:rPr lang="fr-FR" sz="2000" dirty="0" smtClean="0"/>
+              <a:t>/3 </a:t>
+            </a:r>
+            <a:endParaRPr lang="fr-FR" sz="2000" dirty="0"/>
+          </a:p>
+        </p:txBody>
+      </p:sp>
+      <p:sp>
+        <p:nvSpPr>
+          <p:cNvPr id="4" name="TextBox 3"/>
+          <p:cNvSpPr txBox="1"/>
+          <p:nvPr/>
+        </p:nvSpPr>
+        <p:spPr>
+          <a:xfrm>
+            <a:off x="680030" y="1305985"/>
+            <a:ext cx="6179871" cy="5078313"/>
+          </a:xfrm>
+          <a:prstGeom prst="rect">
+            <a:avLst/>
+          </a:prstGeom>
+          <a:noFill/>
+        </p:spPr>
+        <p:txBody>
+          <a:bodyPr wrap="square" numCol="1" rtlCol="0">
+            <a:spAutoFit/>
+          </a:bodyPr>
+          <a:lstStyle/>
+          <a:p>
+            <a:r>
+              <a:rPr lang="fr-FR" sz="1200" b="1" dirty="0" smtClean="0"/>
+              <a:t>	Calculs :</a:t>
+            </a:r>
+          </a:p>
+          <a:p>
+            <a:endParaRPr lang="fr-FR" sz="1200" b="1" dirty="0" smtClean="0"/>
+          </a:p>
+          <a:p>
+            <a:r>
+              <a:rPr lang="fr-FR" sz="1200" b="1" dirty="0" smtClean="0"/>
+              <a:t>Pour un escalier d’une hauteur sol au plancher de 2………. mm, avec une marche palière de 1..... mm et un recul pour la première marche par rapport au limon de 20 </a:t>
+            </a:r>
+            <a:r>
+              <a:rPr lang="fr-FR" sz="1200" b="1" dirty="0" err="1" smtClean="0"/>
+              <a:t>mm.</a:t>
+            </a:r>
+            <a:r>
+              <a:rPr lang="fr-FR" sz="1200" b="1" dirty="0" smtClean="0"/>
+              <a:t> Déterminer par le calcul (arrondir à 2 chiffres après la virgule si besoin) les informations demandées :</a:t>
+            </a:r>
+          </a:p>
+          <a:p>
+            <a:endParaRPr lang="fr-FR" sz="1200" b="1" dirty="0"/>
+          </a:p>
+          <a:p>
+            <a:endParaRPr lang="fr-FR" sz="1200" dirty="0" smtClean="0"/>
+          </a:p>
+          <a:p>
+            <a:r>
+              <a:rPr lang="fr-FR" sz="1200" b="1" dirty="0" smtClean="0"/>
+              <a:t>1.Le nombre de marches :								…./1</a:t>
+            </a:r>
+          </a:p>
+          <a:p>
+            <a:r>
+              <a:rPr lang="fr-FR" sz="1200" b="1" dirty="0" smtClean="0"/>
+              <a:t>………………………………………………………………………………………………………………………….</a:t>
+            </a:r>
+          </a:p>
+          <a:p>
+            <a:endParaRPr lang="fr-FR" sz="1200" b="1" dirty="0" smtClean="0"/>
+          </a:p>
+          <a:p>
+            <a:r>
+              <a:rPr lang="fr-FR" sz="1200" b="1" dirty="0" smtClean="0"/>
+              <a:t>………………………………………………………………………………………………………………………….</a:t>
+            </a:r>
+          </a:p>
+          <a:p>
+            <a:endParaRPr lang="fr-FR" sz="1200" b="1" dirty="0" smtClean="0"/>
+          </a:p>
+          <a:p>
+            <a:r>
+              <a:rPr lang="fr-FR" sz="1200" b="1" dirty="0" smtClean="0"/>
+              <a:t>2. La hauteur de marche :								…./1</a:t>
+            </a:r>
+          </a:p>
+          <a:p>
+            <a:r>
+              <a:rPr lang="fr-FR" sz="1200" b="1" dirty="0" smtClean="0"/>
+              <a:t>………………………………………………………………………………………………………………………….</a:t>
+            </a:r>
+          </a:p>
+          <a:p>
+            <a:endParaRPr lang="fr-FR" sz="1200" b="1" dirty="0" smtClean="0"/>
+          </a:p>
+          <a:p>
+            <a:r>
+              <a:rPr lang="fr-FR" sz="1200" b="1" dirty="0" smtClean="0"/>
+              <a:t>………………………………………………………………………………………………………………………….</a:t>
+            </a:r>
+          </a:p>
+          <a:p>
+            <a:endParaRPr lang="fr-FR" sz="1200" b="1" dirty="0" smtClean="0"/>
+          </a:p>
+          <a:p>
+            <a:r>
+              <a:rPr lang="fr-FR" sz="1200" b="1" dirty="0" smtClean="0"/>
+              <a:t>3. Le giron :										…./2</a:t>
+            </a:r>
+          </a:p>
+          <a:p>
+            <a:r>
+              <a:rPr lang="fr-FR" sz="1200" b="1" dirty="0" smtClean="0"/>
+              <a:t>………………………………………………………………………………………………………………………….</a:t>
+            </a:r>
+          </a:p>
+          <a:p>
+            <a:endParaRPr lang="fr-FR" sz="1200" b="1" dirty="0" smtClean="0"/>
+          </a:p>
+          <a:p>
+            <a:r>
+              <a:rPr lang="fr-FR" sz="1200" b="1" dirty="0" smtClean="0"/>
+              <a:t>………………………………………………………………………………………………………………………….</a:t>
+            </a:r>
+          </a:p>
+          <a:p>
+            <a:endParaRPr lang="fr-FR" sz="1200" b="1" dirty="0" smtClean="0"/>
+          </a:p>
+          <a:p>
+            <a:r>
+              <a:rPr lang="fr-FR" sz="1200" b="1" dirty="0" smtClean="0"/>
+              <a:t>4. La formule de blondel :								…./2</a:t>
+            </a:r>
+          </a:p>
+          <a:p>
+            <a:r>
+              <a:rPr lang="fr-FR" sz="1200" b="1" dirty="0" smtClean="0"/>
+              <a:t>………………………………………………………………………………………………………………………….</a:t>
+            </a:r>
+          </a:p>
+          <a:p>
+            <a:endParaRPr lang="fr-FR" sz="1200" b="1" dirty="0" smtClean="0"/>
+          </a:p>
+          <a:p>
+            <a:r>
+              <a:rPr lang="fr-FR" sz="1200" b="1" dirty="0" smtClean="0"/>
+              <a:t>………………………………………………………………………………………………………………………….</a:t>
+            </a:r>
+            <a:endParaRPr lang="fr-FR" sz="1200" b="1" dirty="0"/>
+          </a:p>
+        </p:txBody>
+      </p:sp>
+      <p:sp>
+        <p:nvSpPr>
+          <p:cNvPr id="7" name="TextBox 6"/>
+          <p:cNvSpPr txBox="1"/>
+          <p:nvPr/>
+        </p:nvSpPr>
+        <p:spPr>
+          <a:xfrm>
+            <a:off x="680030" y="971811"/>
+            <a:ext cx="6179871" cy="307777"/>
+          </a:xfrm>
+          <a:prstGeom prst="rect">
+            <a:avLst/>
+          </a:prstGeom>
+        </p:spPr>
+        <p:style>
+          <a:lnRef idx="2">
+            <a:schemeClr val="dk1"/>
+          </a:lnRef>
+          <a:fillRef idx="1">
+            <a:schemeClr val="lt1"/>
+          </a:fillRef>
+          <a:effectRef idx="0">
+            <a:schemeClr val="dk1"/>
+          </a:effectRef>
+          <a:fontRef idx="minor">
+            <a:schemeClr val="dk1"/>
+          </a:fontRef>
+        </p:style>
+        <p:txBody>
+          <a:bodyPr wrap="square" rtlCol="0">
+            <a:spAutoFit/>
+          </a:bodyPr>
+          <a:lstStyle/>
+          <a:p>
+            <a:pPr algn="ctr"/>
+            <a:r>
+              <a:rPr lang="fr-FR" sz="1400" dirty="0" smtClean="0"/>
+              <a:t>Nom </a:t>
+            </a:r>
+            <a:r>
+              <a:rPr lang="fr-FR" sz="1400" dirty="0"/>
+              <a:t>: 	</a:t>
+            </a:r>
+            <a:r>
+              <a:rPr lang="fr-FR" sz="1400" dirty="0" smtClean="0"/>
+              <a:t>……………………………………		Prénom : 	……………………………………</a:t>
+            </a:r>
+            <a:endParaRPr lang="fr-FR" sz="1400" dirty="0"/>
+          </a:p>
+        </p:txBody>
+      </p:sp>
+      <p:sp>
+        <p:nvSpPr>
+          <p:cNvPr id="2" name="Rectangle 1"/>
+          <p:cNvSpPr/>
+          <p:nvPr/>
+        </p:nvSpPr>
+        <p:spPr>
+          <a:xfrm>
+            <a:off x="680030" y="6410695"/>
+            <a:ext cx="6179872" cy="3600986"/>
+          </a:xfrm>
+          <a:prstGeom prst="rect">
+            <a:avLst/>
+          </a:prstGeom>
+          <a:ln>
+            <a:prstDash val="sysDot"/>
+          </a:ln>
+        </p:spPr>
+        <p:style>
+          <a:lnRef idx="2">
+            <a:schemeClr val="dk1"/>
+          </a:lnRef>
+          <a:fillRef idx="1">
+            <a:schemeClr val="lt1"/>
+          </a:fillRef>
+          <a:effectRef idx="0">
+            <a:schemeClr val="dk1"/>
+          </a:effectRef>
+          <a:fontRef idx="minor">
+            <a:schemeClr val="dk1"/>
+          </a:fontRef>
+        </p:style>
+        <p:txBody>
+          <a:bodyPr wrap="square">
+            <a:spAutoFit/>
+          </a:bodyPr>
+          <a:lstStyle/>
+          <a:p>
+            <a:r>
+              <a:rPr lang="fr-FR" sz="1200" b="1" dirty="0" smtClean="0"/>
+              <a:t>Information : Les </a:t>
+            </a:r>
+            <a:r>
+              <a:rPr lang="fr-FR" sz="1200" b="1" dirty="0"/>
+              <a:t>formules </a:t>
+            </a:r>
+            <a:endParaRPr lang="fr-FR" sz="1200" b="1" dirty="0" smtClean="0"/>
+          </a:p>
+          <a:p>
+            <a:endParaRPr lang="fr-FR" sz="1200" b="1" dirty="0"/>
+          </a:p>
+          <a:p>
+            <a:r>
+              <a:rPr lang="fr-FR" sz="1200" b="1" dirty="0"/>
+              <a:t>1. Le nombre de marches :</a:t>
+            </a:r>
+          </a:p>
+          <a:p>
+            <a:r>
+              <a:rPr lang="fr-FR" sz="1200" dirty="0"/>
+              <a:t>la hauteur de l’escalier </a:t>
+            </a:r>
+            <a:r>
+              <a:rPr lang="fr-BE" sz="1200" dirty="0"/>
+              <a:t>÷ la hauteur idéale d’une marche d’escalier</a:t>
+            </a:r>
+            <a:endParaRPr lang="fr-FR" sz="1200" dirty="0"/>
+          </a:p>
+          <a:p>
+            <a:endParaRPr lang="fr-FR" sz="1200" b="1" dirty="0"/>
+          </a:p>
+          <a:p>
+            <a:r>
+              <a:rPr lang="fr-FR" sz="1200" b="1" dirty="0"/>
+              <a:t>2. La hauteur de marche :</a:t>
+            </a:r>
+          </a:p>
+          <a:p>
+            <a:r>
+              <a:rPr lang="fr-FR" sz="1200" dirty="0"/>
+              <a:t>la hauteur de l’escalier </a:t>
+            </a:r>
+            <a:r>
+              <a:rPr lang="fr-BE" sz="1200" dirty="0"/>
+              <a:t>÷ résultat précédent (nombre de marches)</a:t>
+            </a:r>
+          </a:p>
+          <a:p>
+            <a:endParaRPr lang="fr-BE" sz="1200" dirty="0"/>
+          </a:p>
+          <a:p>
+            <a:r>
+              <a:rPr lang="fr-BE" sz="1200" b="1" dirty="0"/>
+              <a:t>3. Calculer la ligne de foulée :</a:t>
+            </a:r>
+          </a:p>
+          <a:p>
+            <a:r>
+              <a:rPr lang="fr-BE" sz="1200" dirty="0"/>
+              <a:t>La ligne de foulée est l’addition de A, B et C (sans compter la marche palière et la </a:t>
+            </a:r>
+            <a:r>
+              <a:rPr lang="fr-FR" sz="1200" dirty="0"/>
+              <a:t>distance entre le dernier nez de marche et la fin de mon limon</a:t>
+            </a:r>
+            <a:r>
+              <a:rPr lang="fr-BE" sz="1200" dirty="0"/>
+              <a:t>)</a:t>
+            </a:r>
+          </a:p>
+          <a:p>
+            <a:endParaRPr lang="fr-BE" sz="1200" dirty="0"/>
+          </a:p>
+          <a:p>
+            <a:r>
+              <a:rPr lang="fr-FR" sz="1200" b="1" dirty="0"/>
+              <a:t>4. Déterminer le giron :</a:t>
+            </a:r>
+          </a:p>
+          <a:p>
+            <a:r>
+              <a:rPr lang="fr-FR" sz="1200" dirty="0"/>
+              <a:t>[longueur de l’escalier - (marche palière + distance entre le dernier nez de marche et distance entre le dernier nez de marche et la fin de mon limon)] </a:t>
+            </a:r>
+            <a:r>
+              <a:rPr lang="fr-BE" sz="1200" dirty="0"/>
+              <a:t>÷ (nombre de marche – la marche palière</a:t>
+            </a:r>
+            <a:r>
+              <a:rPr lang="fr-BE" sz="1200" dirty="0" smtClean="0"/>
+              <a:t>)</a:t>
+            </a:r>
+          </a:p>
+          <a:p>
+            <a:endParaRPr lang="fr-BE" sz="1200" dirty="0"/>
+          </a:p>
+          <a:p>
+            <a:r>
+              <a:rPr lang="fr-BE" sz="1200" b="1" dirty="0" smtClean="0"/>
+              <a:t>5. </a:t>
+            </a:r>
+            <a:r>
+              <a:rPr lang="fr-BE" sz="1200" b="1" dirty="0"/>
+              <a:t>La formule de blondel :</a:t>
+            </a:r>
+          </a:p>
+          <a:p>
+            <a:r>
+              <a:rPr lang="fr-FR" sz="1200" dirty="0"/>
+              <a:t>1 giron + 2 hauteur de marche entre 58 et 64 </a:t>
+            </a:r>
+            <a:r>
+              <a:rPr lang="fr-FR" sz="1200" dirty="0" smtClean="0"/>
+              <a:t>cm</a:t>
+            </a:r>
+            <a:endParaRPr lang="fr-BE" sz="1200" dirty="0"/>
+          </a:p>
+        </p:txBody>
+      </p:sp>
+    </p:spTree>
+    <p:extLst>
+      <p:ext uri="{BB962C8B-B14F-4D97-AF65-F5344CB8AC3E}">
+        <p14:creationId xmlns:p14="http://schemas.microsoft.com/office/powerpoint/2010/main" val="1350458322"/>
+      </p:ext>
+    </p:extLst>
+  </p:cSld>
+  <p:clrMapOvr>
+    <a:masterClrMapping/>
+  </p:clrMapOvr>
+  <p:timing>
+    <p:tnLst>
+      <p:par>
+        <p:cTn id="1" dur="indefinite" restart="never" nodeType="tmRoot"/>
+      </p:par>
+    </p:tnLst>
+  </p:timing>
+</p:sld>
+</file>
+
+<file path=ppt/slides/slide14.xml><?xml version="1.0" encoding="utf-8"?>
+<p:sld xmlns:a="http://schemas.openxmlformats.org/drawingml/2006/main" xmlns:r="http://schemas.openxmlformats.org/officeDocument/2006/relationships" xmlns:p="http://schemas.openxmlformats.org/presentationml/2006/main">
+  <p:cSld>
+    <p:spTree>
+      <p:nvGrpSpPr>
+        <p:cNvPr id="1" name=""/>
+        <p:cNvGrpSpPr/>
+        <p:nvPr/>
+      </p:nvGrpSpPr>
+      <p:grpSpPr>
+        <a:xfrm>
+          <a:off x="0" y="0"/>
+          <a:ext cx="0" cy="0"/>
+          <a:chOff x="0" y="0"/>
+          <a:chExt cx="0" cy="0"/>
+        </a:xfrm>
+      </p:grpSpPr>
+      <p:sp>
+        <p:nvSpPr>
+          <p:cNvPr id="5" name="TextBox 4"/>
+          <p:cNvSpPr txBox="1"/>
+          <p:nvPr/>
+        </p:nvSpPr>
+        <p:spPr>
+          <a:xfrm>
+            <a:off x="202098" y="302752"/>
+            <a:ext cx="7135741" cy="461665"/>
+          </a:xfrm>
+          <a:prstGeom prst="rect">
+            <a:avLst/>
+          </a:prstGeom>
+          <a:effectLst>
+            <a:glow rad="228600">
+              <a:schemeClr val="accent3">
+                <a:satMod val="175000"/>
+                <a:alpha val="40000"/>
+              </a:schemeClr>
+            </a:glow>
+          </a:effectLst>
+        </p:spPr>
+        <p:style>
+          <a:lnRef idx="2">
+            <a:schemeClr val="dk1"/>
+          </a:lnRef>
+          <a:fillRef idx="1">
+            <a:schemeClr val="lt1"/>
+          </a:fillRef>
+          <a:effectRef idx="0">
+            <a:schemeClr val="dk1"/>
+          </a:effectRef>
+          <a:fontRef idx="minor">
+            <a:schemeClr val="dk1"/>
+          </a:fontRef>
+        </p:style>
+        <p:txBody>
+          <a:bodyPr wrap="square" rtlCol="0">
+            <a:spAutoFit/>
+          </a:bodyPr>
+          <a:lstStyle/>
+          <a:p>
+            <a:pPr algn="ctr"/>
+            <a:r>
+              <a:rPr lang="fr-FR" sz="2400" dirty="0"/>
+              <a:t>Evaluation : </a:t>
+            </a:r>
+            <a:r>
+              <a:rPr lang="fr-FR" sz="2000" dirty="0"/>
+              <a:t>calcul et traçage d’un escalier quart </a:t>
+            </a:r>
+            <a:r>
+              <a:rPr lang="fr-FR" sz="2000" dirty="0" smtClean="0"/>
+              <a:t>tournant 2/3 </a:t>
+            </a:r>
+            <a:endParaRPr lang="fr-FR" sz="2000" dirty="0"/>
+          </a:p>
+        </p:txBody>
+      </p:sp>
+      <p:sp>
+        <p:nvSpPr>
+          <p:cNvPr id="2" name="Rectangle 1"/>
+          <p:cNvSpPr/>
+          <p:nvPr/>
+        </p:nvSpPr>
+        <p:spPr>
+          <a:xfrm rot="5400000">
+            <a:off x="-2660159" y="4086387"/>
+            <a:ext cx="9000000" cy="2988000"/>
+          </a:xfrm>
+          <a:prstGeom prst="rect">
+            <a:avLst/>
+          </a:prstGeom>
+          <a:solidFill>
+            <a:srgbClr val="FFFFFF">
+              <a:alpha val="60000"/>
+            </a:srgbClr>
+          </a:solidFill>
+          <a:ln w="19050">
+            <a:solidFill>
+              <a:srgbClr val="000000">
+                <a:alpha val="74902"/>
+              </a:srgbClr>
+            </a:solidFill>
+          </a:ln>
+        </p:spPr>
+        <p:style>
+          <a:lnRef idx="2">
+            <a:schemeClr val="dk1"/>
+          </a:lnRef>
+          <a:fillRef idx="1">
+            <a:schemeClr val="lt1"/>
+          </a:fillRef>
+          <a:effectRef idx="0">
+            <a:schemeClr val="dk1"/>
+          </a:effectRef>
+          <a:fontRef idx="minor">
+            <a:schemeClr val="dk1"/>
+          </a:fontRef>
+        </p:style>
+        <p:txBody>
+          <a:bodyPr rtlCol="0" anchor="ctr"/>
+          <a:lstStyle/>
+          <a:p>
+            <a:pPr algn="ctr"/>
+            <a:endParaRPr lang="fr-FR"/>
+          </a:p>
+        </p:txBody>
+      </p:sp>
+      <p:sp>
+        <p:nvSpPr>
+          <p:cNvPr id="7" name="TextBox 6"/>
+          <p:cNvSpPr txBox="1"/>
+          <p:nvPr/>
+        </p:nvSpPr>
+        <p:spPr>
+          <a:xfrm>
+            <a:off x="3627621" y="922402"/>
+            <a:ext cx="3710216" cy="523220"/>
+          </a:xfrm>
+          <a:prstGeom prst="rect">
+            <a:avLst/>
+          </a:prstGeom>
+        </p:spPr>
+        <p:style>
+          <a:lnRef idx="2">
+            <a:schemeClr val="dk1"/>
+          </a:lnRef>
+          <a:fillRef idx="1">
+            <a:schemeClr val="lt1"/>
+          </a:fillRef>
+          <a:effectRef idx="0">
+            <a:schemeClr val="dk1"/>
+          </a:effectRef>
+          <a:fontRef idx="minor">
+            <a:schemeClr val="dk1"/>
+          </a:fontRef>
+        </p:style>
+        <p:txBody>
+          <a:bodyPr wrap="square" rtlCol="0">
+            <a:spAutoFit/>
+          </a:bodyPr>
+          <a:lstStyle/>
+          <a:p>
+            <a:r>
+              <a:rPr lang="fr-FR" sz="1400" dirty="0" smtClean="0"/>
+              <a:t>Nom </a:t>
+            </a:r>
+            <a:r>
+              <a:rPr lang="fr-FR" sz="1400" dirty="0"/>
+              <a:t>: 	</a:t>
+            </a:r>
+            <a:r>
+              <a:rPr lang="fr-FR" sz="1400" dirty="0" smtClean="0"/>
+              <a:t>…………………</a:t>
+            </a:r>
+            <a:r>
+              <a:rPr lang="fr-FR" sz="1400" dirty="0"/>
+              <a:t>…………………</a:t>
+            </a:r>
+          </a:p>
+          <a:p>
+            <a:r>
+              <a:rPr lang="fr-FR" sz="1400" dirty="0" smtClean="0"/>
+              <a:t>Prénom : 	……………………………………</a:t>
+            </a:r>
+            <a:endParaRPr lang="fr-FR" sz="1400" dirty="0"/>
+          </a:p>
+        </p:txBody>
+      </p:sp>
+      <p:sp>
+        <p:nvSpPr>
+          <p:cNvPr id="8" name="Rectangle 7"/>
+          <p:cNvSpPr/>
+          <p:nvPr/>
+        </p:nvSpPr>
+        <p:spPr>
+          <a:xfrm>
+            <a:off x="345841" y="7092387"/>
+            <a:ext cx="6912000" cy="2988000"/>
+          </a:xfrm>
+          <a:prstGeom prst="rect">
+            <a:avLst/>
+          </a:prstGeom>
+          <a:solidFill>
+            <a:srgbClr val="FFFFFF">
+              <a:alpha val="60000"/>
+            </a:srgbClr>
+          </a:solidFill>
+          <a:ln w="19050">
+            <a:solidFill>
+              <a:srgbClr val="000000">
+                <a:alpha val="74902"/>
+              </a:srgbClr>
+            </a:solidFill>
+          </a:ln>
+        </p:spPr>
+        <p:style>
+          <a:lnRef idx="2">
+            <a:schemeClr val="dk1"/>
+          </a:lnRef>
+          <a:fillRef idx="1">
+            <a:schemeClr val="lt1"/>
+          </a:fillRef>
+          <a:effectRef idx="0">
+            <a:schemeClr val="dk1"/>
+          </a:effectRef>
+          <a:fontRef idx="minor">
+            <a:schemeClr val="dk1"/>
+          </a:fontRef>
+        </p:style>
+        <p:txBody>
+          <a:bodyPr rtlCol="0" anchor="ctr"/>
+          <a:lstStyle/>
+          <a:p>
+            <a:pPr algn="ctr"/>
+            <a:endParaRPr lang="fr-FR"/>
+          </a:p>
+        </p:txBody>
+      </p:sp>
+      <p:sp>
+        <p:nvSpPr>
+          <p:cNvPr id="3" name="Rectangle 2"/>
+          <p:cNvSpPr/>
+          <p:nvPr/>
+        </p:nvSpPr>
+        <p:spPr>
+          <a:xfrm>
+            <a:off x="3627621" y="1723490"/>
+            <a:ext cx="3710216" cy="2123658"/>
+          </a:xfrm>
+          <a:prstGeom prst="rect">
+            <a:avLst/>
+          </a:prstGeom>
+        </p:spPr>
+        <p:txBody>
+          <a:bodyPr wrap="square">
+            <a:spAutoFit/>
+          </a:bodyPr>
+          <a:lstStyle/>
+          <a:p>
+            <a:r>
+              <a:rPr lang="fr-FR" sz="1200" b="1" dirty="0" smtClean="0"/>
+              <a:t>Traçage </a:t>
+            </a:r>
+            <a:r>
+              <a:rPr lang="fr-FR" sz="1200" b="1" dirty="0"/>
+              <a:t>:</a:t>
+            </a:r>
+          </a:p>
+          <a:p>
+            <a:endParaRPr lang="fr-FR" sz="1200" b="1" dirty="0"/>
+          </a:p>
+          <a:p>
+            <a:r>
+              <a:rPr lang="fr-FR" sz="1200" dirty="0" smtClean="0"/>
+              <a:t>Par rapport à vos calculs, tracer sur le plan de l’escalier à échelle réduite (1mm = 1cm) : </a:t>
+            </a:r>
+          </a:p>
+          <a:p>
+            <a:endParaRPr lang="fr-FR" sz="1200" dirty="0" smtClean="0"/>
+          </a:p>
+          <a:p>
+            <a:pPr marL="171450" indent="-171450">
+              <a:buFontTx/>
+              <a:buChar char="-"/>
+            </a:pPr>
+            <a:r>
+              <a:rPr lang="fr-FR" sz="1200" dirty="0" smtClean="0"/>
+              <a:t>La marche palière				,,,/1</a:t>
+            </a:r>
+          </a:p>
+          <a:p>
+            <a:pPr marL="171450" indent="-171450">
+              <a:buFontTx/>
+              <a:buChar char="-"/>
+            </a:pPr>
+            <a:r>
+              <a:rPr lang="fr-FR" sz="1200" dirty="0" smtClean="0"/>
+              <a:t>La distance en bout du limon		…/1</a:t>
+            </a:r>
+          </a:p>
+          <a:p>
+            <a:pPr marL="171450" indent="-171450">
+              <a:buFontTx/>
+              <a:buChar char="-"/>
+            </a:pPr>
+            <a:r>
+              <a:rPr lang="fr-FR" sz="1200" dirty="0" smtClean="0"/>
+              <a:t>La ligne de foulée				…/2</a:t>
+            </a:r>
+          </a:p>
+          <a:p>
+            <a:pPr marL="171450" indent="-171450">
+              <a:buFontTx/>
+              <a:buChar char="-"/>
+            </a:pPr>
+            <a:r>
+              <a:rPr lang="fr-FR" sz="1200" dirty="0" smtClean="0"/>
+              <a:t>Les </a:t>
+            </a:r>
+            <a:r>
+              <a:rPr lang="fr-FR" sz="1200" dirty="0" smtClean="0"/>
+              <a:t>distances de nez </a:t>
+            </a:r>
+            <a:r>
+              <a:rPr lang="fr-FR" sz="1200" dirty="0" smtClean="0"/>
+              <a:t>de marches		</a:t>
+            </a:r>
+            <a:r>
+              <a:rPr lang="fr-FR" sz="1200" dirty="0" smtClean="0"/>
+              <a:t>…/</a:t>
+            </a:r>
+            <a:r>
+              <a:rPr lang="fr-FR" sz="1200" dirty="0" smtClean="0"/>
+              <a:t>2</a:t>
+            </a:r>
+          </a:p>
+          <a:p>
+            <a:endParaRPr lang="fr-FR" sz="1200" dirty="0" smtClean="0"/>
+          </a:p>
+          <a:p>
+            <a:r>
+              <a:rPr lang="fr-FR" sz="1200" b="1" dirty="0" smtClean="0"/>
+              <a:t>Résultat attendu </a:t>
+            </a:r>
+            <a:r>
+              <a:rPr lang="fr-FR" sz="1200" dirty="0" smtClean="0"/>
+              <a:t>: </a:t>
+            </a:r>
+            <a:endParaRPr lang="fr-FR" sz="1200" dirty="0" smtClean="0"/>
+          </a:p>
+        </p:txBody>
+      </p:sp>
+      <p:pic>
+        <p:nvPicPr>
+          <p:cNvPr id="6" name="Picture 5"/>
+          <p:cNvPicPr>
+            <a:picLocks noChangeAspect="1"/>
+          </p:cNvPicPr>
+          <p:nvPr/>
+        </p:nvPicPr>
+        <p:blipFill>
+          <a:blip r:embed="rId2"/>
+          <a:stretch>
+            <a:fillRect/>
+          </a:stretch>
+        </p:blipFill>
+        <p:spPr>
+          <a:xfrm>
+            <a:off x="4288172" y="3847148"/>
+            <a:ext cx="2144542" cy="2824917"/>
+          </a:xfrm>
+          <a:prstGeom prst="rect">
+            <a:avLst/>
+          </a:prstGeom>
+        </p:spPr>
+      </p:pic>
     </p:spTree>
     <p:extLst>
       <p:ext uri="{BB962C8B-B14F-4D97-AF65-F5344CB8AC3E}">
@@ -5642,7 +7257,7 @@
           <p:nvPr>
             <p:extLst>
               <p:ext uri="{D42A27DB-BD31-4B8C-83A1-F6EECF244321}">
-                <p14:modId xmlns:p14="http://schemas.microsoft.com/office/powerpoint/2010/main" val="4187744229"/>
+                <p14:modId xmlns:p14="http://schemas.microsoft.com/office/powerpoint/2010/main" val="756768418"/>
               </p:ext>
             </p:extLst>
           </p:nvPr>
@@ -5682,7 +7297,7 @@
                       </a:r>
                       <a:r>
                         <a:rPr lang="fr-FR" baseline="0" dirty="0" smtClean="0"/>
-                        <a:t>C.2 / C.4</a:t>
+                        <a:t>C.2 </a:t>
                       </a:r>
                       <a:endParaRPr lang="fr-FR" dirty="0"/>
                     </a:p>
@@ -5902,14 +7517,14 @@
           <p:nvPr>
             <p:extLst>
               <p:ext uri="{D42A27DB-BD31-4B8C-83A1-F6EECF244321}">
-                <p14:modId xmlns:p14="http://schemas.microsoft.com/office/powerpoint/2010/main" val="1875558011"/>
+                <p14:modId xmlns:p14="http://schemas.microsoft.com/office/powerpoint/2010/main" val="2082353442"/>
               </p:ext>
             </p:extLst>
           </p:nvPr>
         </p:nvGraphicFramePr>
         <p:xfrm>
           <a:off x="192314" y="5709279"/>
-          <a:ext cx="7184572" cy="544957"/>
+          <a:ext cx="7184572" cy="771716"/>
         </p:xfrm>
         <a:graphic>
           <a:graphicData uri="http://schemas.openxmlformats.org/drawingml/2006/table">
@@ -5938,11 +7553,27 @@
                       </a:r>
                       <a:r>
                         <a:rPr lang="fr-FR" dirty="0" smtClean="0"/>
-                        <a:t>: Afin de fabriquer</a:t>
+                        <a:t>: Monsieur Dupont à besoin que</a:t>
                       </a:r>
                       <a:r>
                         <a:rPr lang="fr-FR" baseline="0" dirty="0" smtClean="0"/>
-                        <a:t> l’escalier demandé par le client, tracez les marches, calculez leurs hauteurs et faites des choix techniques et esthétiques </a:t>
+                        <a:t> vous fabriquiez</a:t>
+                      </a:r>
+                      <a:r>
+                        <a:rPr lang="fr-FR" dirty="0" smtClean="0"/>
+                        <a:t> deux escaliers (un droit et un quart tournant) dans</a:t>
+                      </a:r>
+                      <a:r>
+                        <a:rPr lang="fr-FR" baseline="0" dirty="0" smtClean="0"/>
+                        <a:t> sa maison</a:t>
+                      </a:r>
+                      <a:r>
+                        <a:rPr lang="fr-FR" dirty="0" smtClean="0"/>
+                        <a:t>.</a:t>
+                      </a:r>
+                      <a:r>
+                        <a:rPr lang="fr-FR" baseline="0" dirty="0" smtClean="0"/>
+                        <a:t> Afin de répondre à son besoin vous déterminez le nombre de marches, la taille du giron et vous tracez les escaliers.</a:t>
                       </a:r>
                       <a:endParaRPr lang="fr-FR" dirty="0"/>
                     </a:p>
@@ -5968,14 +7599,14 @@
           <p:nvPr>
             <p:extLst>
               <p:ext uri="{D42A27DB-BD31-4B8C-83A1-F6EECF244321}">
-                <p14:modId xmlns:p14="http://schemas.microsoft.com/office/powerpoint/2010/main" val="2804396923"/>
+                <p14:modId xmlns:p14="http://schemas.microsoft.com/office/powerpoint/2010/main" val="2643897124"/>
               </p:ext>
             </p:extLst>
           </p:nvPr>
         </p:nvGraphicFramePr>
         <p:xfrm>
-          <a:off x="192314" y="6369625"/>
-          <a:ext cx="7184572" cy="1451991"/>
+          <a:off x="192314" y="6596384"/>
+          <a:ext cx="7184572" cy="1225233"/>
         </p:xfrm>
         <a:graphic>
           <a:graphicData uri="http://schemas.openxmlformats.org/drawingml/2006/table">
@@ -6008,9 +7639,6 @@
                       </a:r>
                     </a:p>
                     <a:p>
-                      <a:endParaRPr lang="fr-FR" dirty="0" smtClean="0"/>
-                    </a:p>
-                    <a:p>
                       <a:pPr marL="342900" indent="-342900">
                         <a:buFont typeface="Arial" panose="020B0604020202020204" pitchFamily="34" charset="0"/>
                         <a:buChar char="•"/>
@@ -6031,7 +7659,7 @@
                       </a:r>
                       <a:r>
                         <a:rPr lang="fr-FR" baseline="0" dirty="0" smtClean="0"/>
-                        <a:t> les hauteurs de marches</a:t>
+                        <a:t> les hauteurs de marches et distance entre les nez de marche (giron)</a:t>
                       </a:r>
                     </a:p>
                     <a:p>
@@ -6051,7 +7679,7 @@
                       </a:pPr>
                       <a:r>
                         <a:rPr lang="fr-FR" dirty="0" smtClean="0"/>
-                        <a:t>Réaliser des choix techniques et esthétiques</a:t>
+                        <a:t>Réaliser des choix techniques et esthétiques (loi de blondel</a:t>
                       </a:r>
                       <a:endParaRPr lang="fr-FR" dirty="0"/>
                     </a:p>
@@ -6077,13 +7705,13 @@
           <p:nvPr>
             <p:extLst>
               <p:ext uri="{D42A27DB-BD31-4B8C-83A1-F6EECF244321}">
-                <p14:modId xmlns:p14="http://schemas.microsoft.com/office/powerpoint/2010/main" val="3349928418"/>
+                <p14:modId xmlns:p14="http://schemas.microsoft.com/office/powerpoint/2010/main" val="413613215"/>
               </p:ext>
             </p:extLst>
           </p:nvPr>
         </p:nvGraphicFramePr>
         <p:xfrm>
-          <a:off x="192314" y="7937005"/>
+          <a:off x="192314" y="7937006"/>
           <a:ext cx="7184572" cy="771716"/>
         </p:xfrm>
         <a:graphic>
@@ -6117,9 +7745,20 @@
                       </a:r>
                     </a:p>
                     <a:p>
-                      <a:endParaRPr lang="fr-FR" dirty="0" smtClean="0"/>
+                      <a:r>
+                        <a:rPr lang="fr-FR" dirty="0" smtClean="0"/>
+                        <a:t>      1.</a:t>
+                      </a:r>
+                      <a:r>
+                        <a:rPr lang="fr-FR" baseline="0" dirty="0" smtClean="0"/>
+                        <a:t> De calculer le nombre de marche et la distance entre les nez de marche</a:t>
+                      </a:r>
                     </a:p>
                     <a:p>
+                      <a:r>
+                        <a:rPr lang="fr-FR" baseline="0" dirty="0" smtClean="0"/>
+                        <a:t>      2. De tracer les escaliers</a:t>
+                      </a:r>
                       <a:endParaRPr lang="fr-FR" dirty="0"/>
                     </a:p>
                   </a:txBody>
@@ -6144,14 +7783,14 @@
           <p:nvPr>
             <p:extLst>
               <p:ext uri="{D42A27DB-BD31-4B8C-83A1-F6EECF244321}">
-                <p14:modId xmlns:p14="http://schemas.microsoft.com/office/powerpoint/2010/main" val="3786159069"/>
+                <p14:modId xmlns:p14="http://schemas.microsoft.com/office/powerpoint/2010/main" val="3244098022"/>
               </p:ext>
             </p:extLst>
           </p:nvPr>
         </p:nvGraphicFramePr>
         <p:xfrm>
-          <a:off x="192314" y="8824110"/>
-          <a:ext cx="7184572" cy="771716"/>
+          <a:off x="192314" y="8824111"/>
+          <a:ext cx="7184572" cy="998474"/>
         </p:xfrm>
         <a:graphic>
           <a:graphicData uri="http://schemas.openxmlformats.org/drawingml/2006/table">
@@ -6184,10 +7823,30 @@
                       </a:r>
                     </a:p>
                     <a:p>
-                      <a:endParaRPr lang="fr-FR" dirty="0" smtClean="0"/>
+                      <a:r>
+                        <a:rPr lang="fr-FR" dirty="0" smtClean="0"/>
+                        <a:t>       1.</a:t>
+                      </a:r>
+                      <a:r>
+                        <a:rPr lang="fr-FR" baseline="0" dirty="0" smtClean="0"/>
+                        <a:t> Le vocabulaire technique relatif aux escaliers</a:t>
+                      </a:r>
                     </a:p>
                     <a:p>
-                      <a:endParaRPr lang="fr-FR" dirty="0"/>
+                      <a:r>
+                        <a:rPr lang="fr-FR" dirty="0" smtClean="0"/>
+                        <a:t>       2. Les formules de calcul d’un escaliers droit et quart tournant</a:t>
+                      </a:r>
+                    </a:p>
+                    <a:p>
+                      <a:r>
+                        <a:rPr lang="fr-FR" dirty="0" smtClean="0"/>
+                        <a:t>       3. Les plans (vue</a:t>
+                      </a:r>
+                      <a:r>
+                        <a:rPr lang="fr-FR" baseline="0" dirty="0" smtClean="0"/>
+                        <a:t> de haut) à une échelle traçable sur feuille</a:t>
+                      </a:r>
                     </a:p>
                   </a:txBody>
                   <a:tcPr/>
@@ -6272,7 +7931,7 @@
         <p:spPr>
           <a:xfrm>
             <a:off x="222189" y="1306757"/>
-            <a:ext cx="3196070" cy="8279190"/>
+            <a:ext cx="3196070" cy="8063746"/>
           </a:xfrm>
           <a:prstGeom prst="rect">
             <a:avLst/>
@@ -6307,12 +7966,8 @@
               <a:t>Le limon : </a:t>
             </a:r>
             <a:r>
-              <a:rPr lang="fr-FR" sz="1400" dirty="0"/>
-              <a:t>L</a:t>
-            </a:r>
-            <a:r>
               <a:rPr lang="fr-FR" sz="1400" dirty="0" smtClean="0"/>
-              <a:t>a </a:t>
+              <a:t>Il a </a:t>
             </a:r>
             <a:r>
               <a:rPr lang="fr-FR" sz="1400" dirty="0"/>
@@ -6465,7 +8120,7 @@
             </a:r>
             <a:r>
               <a:rPr lang="fr-FR" sz="1400" dirty="0" smtClean="0"/>
-              <a:t>ensemble qui regroupe  la main courante,  la lisse et les barreaux de séparation.</a:t>
+              <a:t>ensemble qui regroupe  la main courante, la lisse et les barreaux de séparation.</a:t>
             </a:r>
           </a:p>
           <a:p>
@@ -6482,9 +8137,12 @@
             </a:r>
             <a:r>
               <a:rPr lang="fr-FR" sz="1400" dirty="0"/>
-              <a:t>bord de la marche, là ou se pose le pied en premier lieu.</a:t>
-            </a:r>
-            <a:endParaRPr lang="fr-FR" sz="1400" dirty="0" smtClean="0"/>
+              <a:t>bord de la </a:t>
+            </a:r>
+            <a:r>
+              <a:rPr lang="fr-FR" sz="1400" dirty="0" smtClean="0"/>
+              <a:t>marche.</a:t>
+            </a:r>
           </a:p>
           <a:p>
             <a:endParaRPr lang="fr-FR" sz="1400" dirty="0"/>
@@ -6537,7 +8195,7 @@
             <a:pPr algn="ctr"/>
             <a:r>
               <a:rPr lang="fr-FR" sz="2400" dirty="0" smtClean="0"/>
-              <a:t>Vocabulaire relatif aux escaliers</a:t>
+              <a:t>Vocabulaire relatif aux escaliers 1/2</a:t>
             </a:r>
             <a:endParaRPr lang="fr-FR" sz="2400" dirty="0"/>
           </a:p>
@@ -6778,8 +8436,8 @@
         </p:nvSpPr>
         <p:spPr>
           <a:xfrm>
-            <a:off x="284817" y="2283436"/>
-            <a:ext cx="2593156" cy="6124754"/>
+            <a:off x="284816" y="2283436"/>
+            <a:ext cx="2716133" cy="6124754"/>
           </a:xfrm>
           <a:prstGeom prst="rect">
             <a:avLst/>
@@ -6878,7 +8536,15 @@
             </a:r>
             <a:r>
               <a:rPr lang="fr-FR" sz="1400" dirty="0"/>
-              <a:t>la mesure de la longueur entre la première et la dernière marche de l’escalier prise horizontalement du sol</a:t>
+              <a:t>la mesure de la longueur entre la première et la dernière marche de l’escalier prise </a:t>
+            </a:r>
+            <a:r>
+              <a:rPr lang="fr-FR" sz="1400" dirty="0" smtClean="0"/>
+              <a:t>horizontalement </a:t>
+            </a:r>
+            <a:r>
+              <a:rPr lang="fr-FR" sz="1400" dirty="0"/>
+              <a:t>du sol</a:t>
             </a:r>
             <a:r>
               <a:rPr lang="fr-FR" sz="1400" dirty="0" smtClean="0"/>
@@ -6968,13 +8634,43 @@
       </p:pic>
       <p:sp>
         <p:nvSpPr>
-          <p:cNvPr id="11" name="TextBox 10"/>
+          <p:cNvPr id="12" name="TextBox 11"/>
           <p:cNvSpPr txBox="1"/>
           <p:nvPr/>
         </p:nvSpPr>
         <p:spPr>
           <a:xfrm>
-            <a:off x="202098" y="302752"/>
+            <a:off x="4403117" y="9459882"/>
+            <a:ext cx="2082985" cy="246221"/>
+          </a:xfrm>
+          <a:prstGeom prst="rect">
+            <a:avLst/>
+          </a:prstGeom>
+          <a:noFill/>
+        </p:spPr>
+        <p:txBody>
+          <a:bodyPr wrap="square" rtlCol="0">
+            <a:spAutoFit/>
+          </a:bodyPr>
+          <a:lstStyle/>
+          <a:p>
+            <a:r>
+              <a:rPr lang="fr-FR" sz="1000" dirty="0" smtClean="0"/>
+              <a:t>Plan d’un balancement</a:t>
+            </a:r>
+            <a:endParaRPr lang="fr-FR" sz="1000" dirty="0"/>
+          </a:p>
+        </p:txBody>
+      </p:sp>
+      <p:sp>
+        <p:nvSpPr>
+          <p:cNvPr id="7" name="TextBox 6"/>
+          <p:cNvSpPr txBox="1"/>
+          <p:nvPr/>
+        </p:nvSpPr>
+        <p:spPr>
+          <a:xfrm>
+            <a:off x="222189" y="267137"/>
             <a:ext cx="7135741" cy="461665"/>
           </a:xfrm>
           <a:prstGeom prst="rect">
@@ -7012,39 +8708,9 @@
             <a:pPr algn="ctr"/>
             <a:r>
               <a:rPr lang="fr-FR" sz="2400" dirty="0" smtClean="0"/>
-              <a:t>Vocabulaire relatif aux escaliers</a:t>
+              <a:t>Vocabulaire relatif aux escaliers 2/2</a:t>
             </a:r>
             <a:endParaRPr lang="fr-FR" sz="2400" dirty="0"/>
-          </a:p>
-        </p:txBody>
-      </p:sp>
-      <p:sp>
-        <p:nvSpPr>
-          <p:cNvPr id="12" name="TextBox 11"/>
-          <p:cNvSpPr txBox="1"/>
-          <p:nvPr/>
-        </p:nvSpPr>
-        <p:spPr>
-          <a:xfrm>
-            <a:off x="4403117" y="9459882"/>
-            <a:ext cx="2082985" cy="246221"/>
-          </a:xfrm>
-          <a:prstGeom prst="rect">
-            <a:avLst/>
-          </a:prstGeom>
-          <a:noFill/>
-        </p:spPr>
-        <p:txBody>
-          <a:bodyPr wrap="square" rtlCol="0">
-            <a:spAutoFit/>
-          </a:bodyPr>
-          <a:lstStyle/>
-          <a:p>
-            <a:r>
-              <a:rPr lang="fr-FR" sz="1000" dirty="0" smtClean="0"/>
-              <a:t>Plan d’un balancement</a:t>
-            </a:r>
-            <a:endParaRPr lang="fr-FR" sz="1000" dirty="0"/>
           </a:p>
         </p:txBody>
       </p:sp>
@@ -7093,8 +8759,8 @@
         </p:nvSpPr>
         <p:spPr>
           <a:xfrm>
-            <a:off x="241012" y="1179268"/>
-            <a:ext cx="3269235" cy="1646605"/>
+            <a:off x="276162" y="841289"/>
+            <a:ext cx="3222352" cy="2462213"/>
           </a:xfrm>
           <a:prstGeom prst="rect">
             <a:avLst/>
@@ -7108,50 +8774,54 @@
           <a:lstStyle/>
           <a:p>
             <a:r>
-              <a:rPr lang="fr-FR" b="1" dirty="0" smtClean="0"/>
+              <a:rPr lang="fr-FR" sz="1400" b="1" dirty="0" smtClean="0"/>
               <a:t>Prise de cotes  sur chantier :</a:t>
             </a:r>
           </a:p>
           <a:p>
-            <a:endParaRPr lang="fr-FR" b="1" dirty="0" smtClean="0"/>
-          </a:p>
-          <a:p>
-            <a:r>
-              <a:rPr lang="fr-FR" sz="1300" b="1" dirty="0" smtClean="0"/>
+            <a:r>
+              <a:rPr lang="fr-FR" sz="1400" b="1" dirty="0" smtClean="0"/>
               <a:t>A. Déterminer la hauteur </a:t>
             </a:r>
             <a:r>
-              <a:rPr lang="fr-FR" sz="1300" dirty="0" smtClean="0"/>
-              <a:t>de l’escalier.</a:t>
-            </a:r>
-          </a:p>
-          <a:p>
-            <a:r>
-              <a:rPr lang="fr-FR" sz="1300" dirty="0" smtClean="0"/>
-              <a:t> (du sol au plancher )</a:t>
-            </a:r>
-            <a:endParaRPr lang="fr-FR" sz="1300" dirty="0"/>
-          </a:p>
-          <a:p>
-            <a:r>
-              <a:rPr lang="fr-FR" sz="1300" b="1" dirty="0" smtClean="0"/>
+              <a:rPr lang="fr-FR" sz="1400" dirty="0" smtClean="0"/>
+              <a:t>de l’escalier. (du sol au plancher )</a:t>
+            </a:r>
+            <a:endParaRPr lang="fr-FR" sz="1400" dirty="0"/>
+          </a:p>
+          <a:p>
+            <a:r>
+              <a:rPr lang="fr-FR" sz="1400" b="1" dirty="0" smtClean="0"/>
               <a:t>B. Déterminer l’étendue </a:t>
             </a:r>
             <a:r>
-              <a:rPr lang="fr-FR" sz="1300" dirty="0" smtClean="0"/>
+              <a:rPr lang="fr-FR" sz="1400" dirty="0" smtClean="0"/>
               <a:t>(le reculement) disponible</a:t>
             </a:r>
           </a:p>
           <a:p>
             <a:r>
-              <a:rPr lang="fr-FR" sz="1300" b="1" dirty="0" smtClean="0"/>
+              <a:rPr lang="fr-FR" sz="1400" b="1" dirty="0" smtClean="0"/>
               <a:t>C. Déterminer la largeur </a:t>
             </a:r>
             <a:r>
-              <a:rPr lang="fr-FR" sz="1300" dirty="0" smtClean="0"/>
-              <a:t>disponible </a:t>
-            </a:r>
-            <a:endParaRPr lang="fr-FR" sz="1300" dirty="0"/>
+              <a:rPr lang="fr-FR" sz="1400" dirty="0" smtClean="0"/>
+              <a:t>disponible</a:t>
+            </a:r>
+          </a:p>
+          <a:p>
+            <a:endParaRPr lang="fr-FR" sz="1400" dirty="0"/>
+          </a:p>
+          <a:p>
+            <a:r>
+              <a:rPr lang="fr-FR" sz="1400" b="1" dirty="0" smtClean="0"/>
+              <a:t>Information : </a:t>
+            </a:r>
+            <a:r>
+              <a:rPr lang="fr-FR" sz="1400" dirty="0" smtClean="0"/>
+              <a:t>On détermine également une marche palière et une distance entre le dernier nez de marche et la fin du limon </a:t>
+            </a:r>
+            <a:endParaRPr lang="fr-FR" sz="1400" dirty="0"/>
           </a:p>
         </p:txBody>
       </p:sp>
@@ -7333,8 +9003,8 @@
         </p:nvSpPr>
         <p:spPr>
           <a:xfrm>
-            <a:off x="3605398" y="863140"/>
-            <a:ext cx="3710216" cy="2646878"/>
+            <a:off x="3675066" y="834893"/>
+            <a:ext cx="3710216" cy="2677656"/>
           </a:xfrm>
           <a:prstGeom prst="rect">
             <a:avLst/>
@@ -7348,74 +9018,79 @@
           <a:lstStyle/>
           <a:p>
             <a:r>
-              <a:rPr lang="fr-FR" b="1" dirty="0" smtClean="0"/>
-              <a:t>Calcul et traçage sur le plan :</a:t>
-            </a:r>
-          </a:p>
-          <a:p>
-            <a:endParaRPr lang="fr-FR" b="1" dirty="0" smtClean="0"/>
-          </a:p>
-          <a:p>
-            <a:r>
-              <a:rPr lang="fr-FR" sz="1300" b="1" dirty="0" smtClean="0"/>
+              <a:rPr lang="fr-FR" sz="1400" b="1" dirty="0" smtClean="0"/>
+              <a:t>Calculs pour le traçage sur le plan :</a:t>
+            </a:r>
+          </a:p>
+          <a:p>
+            <a:r>
+              <a:rPr lang="fr-FR" sz="1400" b="1" dirty="0" smtClean="0"/>
               <a:t>1. Le nombre de marches :</a:t>
             </a:r>
           </a:p>
           <a:p>
             <a:r>
-              <a:rPr lang="fr-FR" sz="1300" dirty="0" smtClean="0"/>
+              <a:rPr lang="fr-FR" sz="1400" dirty="0" smtClean="0"/>
               <a:t>la hauteur de l’escalier </a:t>
             </a:r>
             <a:r>
-              <a:rPr lang="fr-BE" sz="1300" dirty="0" smtClean="0"/>
+              <a:rPr lang="fr-BE" sz="1400" dirty="0" smtClean="0"/>
               <a:t>÷ la hauteur idéale d’une marche d’escalier</a:t>
             </a:r>
-            <a:endParaRPr lang="fr-FR" sz="1300" dirty="0" smtClean="0"/>
-          </a:p>
-          <a:p>
-            <a:r>
-              <a:rPr lang="fr-FR" sz="1300" b="1" dirty="0" smtClean="0"/>
+            <a:endParaRPr lang="fr-FR" sz="1400" dirty="0" smtClean="0"/>
+          </a:p>
+          <a:p>
+            <a:r>
+              <a:rPr lang="fr-FR" sz="1400" b="1" dirty="0" smtClean="0"/>
               <a:t>2. La hauteur de marche :</a:t>
             </a:r>
           </a:p>
           <a:p>
             <a:r>
-              <a:rPr lang="fr-FR" sz="1300" dirty="0" smtClean="0"/>
+              <a:rPr lang="fr-FR" sz="1400" dirty="0" smtClean="0"/>
               <a:t>la hauteur de l’escalier </a:t>
             </a:r>
             <a:r>
-              <a:rPr lang="fr-BE" sz="1300" dirty="0"/>
+              <a:rPr lang="fr-BE" sz="1400" dirty="0"/>
               <a:t>÷ </a:t>
             </a:r>
             <a:r>
-              <a:rPr lang="fr-BE" sz="1300" dirty="0" smtClean="0"/>
+              <a:rPr lang="fr-BE" sz="1400" dirty="0" smtClean="0"/>
               <a:t>résultat précédent (nombre de marches)</a:t>
             </a:r>
           </a:p>
           <a:p>
             <a:r>
-              <a:rPr lang="fr-FR" sz="1300" b="1" dirty="0" smtClean="0"/>
+              <a:rPr lang="fr-FR" sz="1400" b="1" dirty="0" smtClean="0"/>
               <a:t>3. Le giron :</a:t>
             </a:r>
           </a:p>
           <a:p>
             <a:r>
-              <a:rPr lang="fr-FR" sz="1300" dirty="0" smtClean="0"/>
+              <a:rPr lang="fr-FR" sz="1400" dirty="0" smtClean="0"/>
               <a:t>[longueur de l’escalier </a:t>
             </a:r>
             <a:r>
-              <a:rPr lang="fr-FR" sz="1300" dirty="0"/>
+              <a:rPr lang="fr-FR" sz="1400" dirty="0"/>
               <a:t>-</a:t>
             </a:r>
             <a:r>
-              <a:rPr lang="fr-FR" sz="1300" dirty="0" smtClean="0"/>
-              <a:t> (marche palière + distance entre le dernier nez de marche et le bout de mon limon)] </a:t>
-            </a:r>
-            <a:r>
-              <a:rPr lang="fr-BE" sz="1300" dirty="0" smtClean="0"/>
+              <a:rPr lang="fr-FR" sz="1400" dirty="0" smtClean="0"/>
+              <a:t> (marche palière + distance </a:t>
+            </a:r>
+            <a:r>
+              <a:rPr lang="fr-FR" sz="1400" dirty="0"/>
+              <a:t>entre le dernier nez de marche et la fin de mon limon</a:t>
+            </a:r>
+            <a:r>
+              <a:rPr lang="fr-FR" sz="1400" dirty="0" smtClean="0"/>
+              <a:t>)] </a:t>
+            </a:r>
+            <a:r>
+              <a:rPr lang="fr-BE" sz="1400" dirty="0" smtClean="0"/>
               <a:t>÷ (nombre de marche – la marche palière)</a:t>
             </a:r>
-            <a:endParaRPr lang="fr-FR" sz="1300" dirty="0" smtClean="0"/>
+            <a:endParaRPr lang="fr-FR" sz="1400" dirty="0" smtClean="0"/>
           </a:p>
         </p:txBody>
       </p:sp>
@@ -7965,12 +9640,43 @@
             <a:pPr algn="ctr"/>
             <a:r>
               <a:rPr lang="fr-FR" sz="2400" dirty="0" smtClean="0"/>
-              <a:t>Les étapes pour concevoir un escalier droit</a:t>
+              <a:t>Les étapes pour concevoir un escalier droit 1/2</a:t>
             </a:r>
             <a:endParaRPr lang="fr-FR" sz="2400" dirty="0"/>
           </a:p>
         </p:txBody>
       </p:sp>
+      <p:cxnSp>
+        <p:nvCxnSpPr>
+          <p:cNvPr id="11" name="Straight Connector 10"/>
+          <p:cNvCxnSpPr/>
+          <p:nvPr/>
+        </p:nvCxnSpPr>
+        <p:spPr>
+          <a:xfrm>
+            <a:off x="3575515" y="901382"/>
+            <a:ext cx="22549" cy="2480362"/>
+          </a:xfrm>
+          <a:prstGeom prst="line">
+            <a:avLst/>
+          </a:prstGeom>
+          <a:ln/>
+        </p:spPr>
+        <p:style>
+          <a:lnRef idx="2">
+            <a:schemeClr val="dk1"/>
+          </a:lnRef>
+          <a:fillRef idx="0">
+            <a:schemeClr val="dk1"/>
+          </a:fillRef>
+          <a:effectRef idx="1">
+            <a:schemeClr val="dk1"/>
+          </a:effectRef>
+          <a:fontRef idx="minor">
+            <a:schemeClr val="tx1"/>
+          </a:fontRef>
+        </p:style>
+      </p:cxnSp>
     </p:spTree>
     <p:extLst>
       <p:ext uri="{BB962C8B-B14F-4D97-AF65-F5344CB8AC3E}">
@@ -8054,7 +9760,7 @@
             <a:pPr algn="ctr"/>
             <a:r>
               <a:rPr lang="fr-FR" sz="2400" dirty="0" smtClean="0"/>
-              <a:t>Les étapes pour concevoir un escalier droit</a:t>
+              <a:t>Les étapes pour concevoir un escalier droit 2/2</a:t>
             </a:r>
             <a:endParaRPr lang="fr-FR" sz="2400" dirty="0"/>
           </a:p>
@@ -8068,8 +9774,8 @@
         </p:nvSpPr>
         <p:spPr>
           <a:xfrm>
-            <a:off x="271040" y="1425888"/>
-            <a:ext cx="3269235" cy="1246495"/>
+            <a:off x="450868" y="1001023"/>
+            <a:ext cx="2805536" cy="2246769"/>
           </a:xfrm>
           <a:prstGeom prst="rect">
             <a:avLst/>
@@ -8083,44 +9789,57 @@
           <a:lstStyle/>
           <a:p>
             <a:r>
-              <a:rPr lang="fr-FR" b="1" dirty="0" smtClean="0"/>
+              <a:rPr lang="fr-FR" sz="1400" b="1" dirty="0" smtClean="0"/>
               <a:t>Prise de cotes  sur chantier :</a:t>
             </a:r>
           </a:p>
           <a:p>
-            <a:endParaRPr lang="fr-FR" b="1" dirty="0" smtClean="0"/>
-          </a:p>
-          <a:p>
-            <a:r>
-              <a:rPr lang="fr-FR" sz="1300" b="1" dirty="0" smtClean="0"/>
+            <a:endParaRPr lang="fr-FR" sz="1400" b="1" dirty="0" smtClean="0"/>
+          </a:p>
+          <a:p>
+            <a:r>
+              <a:rPr lang="fr-FR" sz="1400" b="1" dirty="0" smtClean="0"/>
               <a:t>A. Hauteur de l’escalier : </a:t>
             </a:r>
             <a:r>
-              <a:rPr lang="fr-FR" sz="1300" dirty="0" smtClean="0"/>
+              <a:rPr lang="fr-FR" sz="1400" dirty="0" smtClean="0"/>
               <a:t>2400 mm</a:t>
             </a:r>
-            <a:endParaRPr lang="fr-FR" sz="1300" dirty="0"/>
-          </a:p>
-          <a:p>
-            <a:r>
-              <a:rPr lang="fr-FR" sz="1300" b="1" dirty="0" smtClean="0"/>
+            <a:endParaRPr lang="fr-FR" sz="1400" dirty="0"/>
+          </a:p>
+          <a:p>
+            <a:r>
+              <a:rPr lang="fr-FR" sz="1400" b="1" dirty="0" smtClean="0"/>
               <a:t>B. Etendue disponible : </a:t>
             </a:r>
             <a:r>
-              <a:rPr lang="fr-FR" sz="1300" dirty="0" smtClean="0"/>
+              <a:rPr lang="fr-FR" sz="1400" dirty="0" smtClean="0"/>
               <a:t>2700 mm</a:t>
             </a:r>
           </a:p>
           <a:p>
             <a:r>
-              <a:rPr lang="fr-FR" sz="1300" b="1" dirty="0" smtClean="0"/>
+              <a:rPr lang="fr-FR" sz="1400" b="1" dirty="0" smtClean="0"/>
               <a:t>C. Largeur de l’escalier : </a:t>
             </a:r>
             <a:r>
-              <a:rPr lang="fr-FR" sz="1300" dirty="0" smtClean="0"/>
+              <a:rPr lang="fr-FR" sz="1400" dirty="0" smtClean="0"/>
               <a:t>900 mm</a:t>
             </a:r>
-            <a:endParaRPr lang="fr-FR" sz="1300" dirty="0"/>
+          </a:p>
+          <a:p>
+            <a:endParaRPr lang="fr-FR" sz="1400" dirty="0"/>
+          </a:p>
+          <a:p>
+            <a:r>
+              <a:rPr lang="fr-FR" sz="1400" b="1" dirty="0" smtClean="0"/>
+              <a:t>Information : </a:t>
+            </a:r>
+            <a:r>
+              <a:rPr lang="fr-FR" sz="1400" dirty="0" smtClean="0"/>
+              <a:t>Dans l’exemple, il y a une marche palière de 100 mm et 30 mm entre le dernier nez de marche et la fin du limon</a:t>
+            </a:r>
+            <a:endParaRPr lang="fr-FR" sz="1400" dirty="0"/>
           </a:p>
         </p:txBody>
       </p:sp>
@@ -8671,7 +10390,7 @@
         </p:blipFill>
         <p:spPr>
           <a:xfrm>
-            <a:off x="3451415" y="6555732"/>
+            <a:off x="3451415" y="6559360"/>
             <a:ext cx="440648" cy="162621"/>
           </a:xfrm>
           <a:prstGeom prst="rect">
@@ -8749,7 +10468,7 @@
         </p:nvCxnSpPr>
         <p:spPr>
           <a:xfrm>
-            <a:off x="1671638" y="4613331"/>
+            <a:off x="1671638" y="4616959"/>
             <a:ext cx="2000101" cy="1942401"/>
           </a:xfrm>
           <a:prstGeom prst="line">
@@ -8781,7 +10500,7 @@
         </p:nvCxnSpPr>
         <p:spPr>
           <a:xfrm>
-            <a:off x="3671739" y="6555733"/>
+            <a:off x="3671739" y="6559361"/>
             <a:ext cx="0" cy="162620"/>
           </a:xfrm>
           <a:prstGeom prst="line">
@@ -9129,8 +10848,8 @@
         </p:nvSpPr>
         <p:spPr>
           <a:xfrm>
-            <a:off x="3593876" y="947708"/>
-            <a:ext cx="3710216" cy="2908489"/>
+            <a:off x="3540275" y="861608"/>
+            <a:ext cx="3710216" cy="2893100"/>
           </a:xfrm>
           <a:prstGeom prst="rect">
             <a:avLst/>
@@ -9144,67 +10863,67 @@
           <a:lstStyle/>
           <a:p>
             <a:r>
-              <a:rPr lang="fr-FR" b="1" dirty="0" smtClean="0"/>
+              <a:rPr lang="fr-FR" sz="1400" b="1" dirty="0" smtClean="0"/>
               <a:t>Calcul et traçage sur le plan :</a:t>
             </a:r>
           </a:p>
           <a:p>
-            <a:endParaRPr lang="fr-FR" b="1" dirty="0" smtClean="0"/>
-          </a:p>
-          <a:p>
-            <a:r>
-              <a:rPr lang="fr-FR" sz="1300" b="1" dirty="0" smtClean="0"/>
+            <a:endParaRPr lang="fr-FR" sz="1400" b="1" dirty="0" smtClean="0"/>
+          </a:p>
+          <a:p>
+            <a:r>
+              <a:rPr lang="fr-FR" sz="1400" b="1" dirty="0" smtClean="0"/>
               <a:t>1. Le nombre de marches :</a:t>
             </a:r>
           </a:p>
           <a:p>
             <a:r>
-              <a:rPr lang="fr-FR" sz="1300" dirty="0" smtClean="0"/>
+              <a:rPr lang="fr-FR" sz="1400" dirty="0" smtClean="0"/>
               <a:t>2400 </a:t>
             </a:r>
             <a:r>
-              <a:rPr lang="fr-BE" sz="1300" dirty="0" smtClean="0"/>
+              <a:rPr lang="fr-BE" sz="1400" dirty="0" smtClean="0"/>
               <a:t>÷ </a:t>
             </a:r>
             <a:r>
-              <a:rPr lang="fr-FR" sz="1300" dirty="0" smtClean="0"/>
+              <a:rPr lang="fr-FR" sz="1400" dirty="0" smtClean="0"/>
               <a:t>180 (hauteur idéal d’une marche) = 13,3 (13)</a:t>
             </a:r>
           </a:p>
           <a:p>
             <a:r>
-              <a:rPr lang="fr-FR" sz="1300" b="1" dirty="0" smtClean="0"/>
+              <a:rPr lang="fr-FR" sz="1400" b="1" dirty="0" smtClean="0"/>
               <a:t>2. La hauteur de marche :</a:t>
             </a:r>
           </a:p>
           <a:p>
             <a:r>
-              <a:rPr lang="fr-FR" sz="1300" dirty="0" smtClean="0"/>
+              <a:rPr lang="fr-FR" sz="1400" dirty="0" smtClean="0"/>
               <a:t>2400 </a:t>
             </a:r>
             <a:r>
-              <a:rPr lang="fr-BE" sz="1300" dirty="0" smtClean="0"/>
+              <a:rPr lang="fr-BE" sz="1400" dirty="0" smtClean="0"/>
               <a:t>÷ 13 = 184 mm</a:t>
             </a:r>
-            <a:endParaRPr lang="fr-FR" sz="1300" dirty="0" smtClean="0"/>
-          </a:p>
-          <a:p>
-            <a:r>
-              <a:rPr lang="fr-FR" sz="1300" b="1" dirty="0" smtClean="0"/>
+            <a:endParaRPr lang="fr-FR" sz="1400" dirty="0" smtClean="0"/>
+          </a:p>
+          <a:p>
+            <a:r>
+              <a:rPr lang="fr-FR" sz="1400" b="1" dirty="0" smtClean="0"/>
               <a:t>3. Le giron :</a:t>
             </a:r>
           </a:p>
           <a:p>
             <a:r>
-              <a:rPr lang="fr-FR" sz="1300" dirty="0"/>
+              <a:rPr lang="fr-FR" sz="1400" dirty="0"/>
               <a:t>(</a:t>
             </a:r>
             <a:r>
-              <a:rPr lang="fr-FR" sz="1300" dirty="0" smtClean="0"/>
+              <a:rPr lang="fr-FR" sz="1400" dirty="0" smtClean="0"/>
               <a:t>2700 - (100 + 30)) </a:t>
             </a:r>
             <a:r>
-              <a:rPr lang="fr-BE" sz="1300" dirty="0" smtClean="0"/>
+              <a:rPr lang="fr-BE" sz="1400" dirty="0" smtClean="0"/>
               <a:t>÷ (13 – 1) = 214,167 mm</a:t>
             </a:r>
           </a:p>
@@ -9247,11 +10966,39 @@
             </a:r>
             <a:endParaRPr lang="fr-FR" sz="1400" dirty="0"/>
           </a:p>
-          <a:p>
-            <a:endParaRPr lang="fr-FR" sz="1300" dirty="0" smtClean="0"/>
-          </a:p>
-        </p:txBody>
-      </p:sp>
+        </p:txBody>
+      </p:sp>
+      <p:cxnSp>
+        <p:nvCxnSpPr>
+          <p:cNvPr id="47" name="Straight Connector 46"/>
+          <p:cNvCxnSpPr/>
+          <p:nvPr/>
+        </p:nvCxnSpPr>
+        <p:spPr>
+          <a:xfrm>
+            <a:off x="3451415" y="998789"/>
+            <a:ext cx="22549" cy="2480362"/>
+          </a:xfrm>
+          <a:prstGeom prst="line">
+            <a:avLst/>
+          </a:prstGeom>
+          <a:ln/>
+        </p:spPr>
+        <p:style>
+          <a:lnRef idx="2">
+            <a:schemeClr val="dk1"/>
+          </a:lnRef>
+          <a:fillRef idx="0">
+            <a:schemeClr val="dk1"/>
+          </a:fillRef>
+          <a:effectRef idx="1">
+            <a:schemeClr val="dk1"/>
+          </a:effectRef>
+          <a:fontRef idx="minor">
+            <a:schemeClr val="tx1"/>
+          </a:fontRef>
+        </p:style>
+      </p:cxnSp>
     </p:spTree>
     <p:extLst>
       <p:ext uri="{BB962C8B-B14F-4D97-AF65-F5344CB8AC3E}">
@@ -9387,8 +11134,8 @@
         </p:nvSpPr>
         <p:spPr>
           <a:xfrm>
-            <a:off x="3627623" y="4660021"/>
-            <a:ext cx="3710216" cy="3970318"/>
+            <a:off x="3505199" y="4601964"/>
+            <a:ext cx="3879669" cy="5478423"/>
           </a:xfrm>
           <a:prstGeom prst="rect">
             <a:avLst/>
@@ -9402,112 +11149,112 @@
           <a:lstStyle/>
           <a:p>
             <a:r>
-              <a:rPr lang="fr-FR" sz="1200" b="1" dirty="0" smtClean="0"/>
+              <a:rPr lang="fr-FR" sz="1400" b="1" dirty="0" smtClean="0"/>
               <a:t>On vous demande :</a:t>
             </a:r>
           </a:p>
           <a:p>
-            <a:endParaRPr lang="fr-FR" sz="1200" b="1" dirty="0"/>
-          </a:p>
-          <a:p>
-            <a:r>
-              <a:rPr lang="fr-FR" sz="1200" dirty="0" smtClean="0"/>
-              <a:t>Dans ce plan vue de haut avec une hauteur sol au plancher de </a:t>
-            </a:r>
-            <a:r>
-              <a:rPr lang="fr-FR" sz="1200" dirty="0" smtClean="0"/>
-              <a:t>2450 </a:t>
-            </a:r>
-            <a:r>
-              <a:rPr lang="fr-FR" sz="1200" dirty="0" smtClean="0"/>
-              <a:t>mm et une étendue de </a:t>
-            </a:r>
-            <a:r>
-              <a:rPr lang="fr-FR" sz="1200" dirty="0" smtClean="0"/>
-              <a:t>2700 </a:t>
-            </a:r>
-            <a:r>
-              <a:rPr lang="fr-FR" sz="1200" dirty="0" smtClean="0"/>
-              <a:t>calculer</a:t>
-            </a:r>
-          </a:p>
-          <a:p>
-            <a:endParaRPr lang="fr-FR" sz="1200" dirty="0"/>
-          </a:p>
-          <a:p>
-            <a:r>
-              <a:rPr lang="fr-FR" sz="1200" b="1" dirty="0" smtClean="0"/>
+            <a:r>
+              <a:rPr lang="fr-FR" sz="1400" dirty="0" smtClean="0"/>
+              <a:t>Dans ce plan vue de haut avec une hauteur sol au plancher de 2250 mm et une étendue de 2500 calculer les informations demandées puis tracer l’escalier vue de haut à échelle réduite.</a:t>
+            </a:r>
+          </a:p>
+          <a:p>
+            <a:r>
+              <a:rPr lang="fr-FR" sz="1400" b="1" dirty="0" smtClean="0"/>
               <a:t>1.Le nombre de marches :</a:t>
             </a:r>
           </a:p>
           <a:p>
-            <a:pPr marL="228600" indent="-228600">
-              <a:buAutoNum type="arabicPeriod"/>
-            </a:pPr>
-            <a:endParaRPr lang="fr-FR" sz="1200" b="1" dirty="0"/>
-          </a:p>
-          <a:p>
-            <a:r>
-              <a:rPr lang="fr-FR" sz="1200" b="1" dirty="0" smtClean="0"/>
-              <a:t>…………………………………………………………………………………….</a:t>
-            </a:r>
-          </a:p>
-          <a:p>
-            <a:endParaRPr lang="fr-FR" sz="1200" b="1" dirty="0" smtClean="0"/>
-          </a:p>
-          <a:p>
-            <a:r>
-              <a:rPr lang="fr-FR" sz="1200" b="1" dirty="0" smtClean="0"/>
+            <a:endParaRPr lang="fr-FR" sz="1400" b="1" dirty="0" smtClean="0"/>
+          </a:p>
+          <a:p>
+            <a:r>
+              <a:rPr lang="fr-FR" sz="1400" b="1" dirty="0" smtClean="0"/>
+              <a:t>……………………………………………………………………………</a:t>
+            </a:r>
+          </a:p>
+          <a:p>
+            <a:r>
+              <a:rPr lang="fr-FR" sz="1400" b="1" dirty="0" smtClean="0"/>
+              <a:t> ……………………………………………………………………………</a:t>
+            </a:r>
+          </a:p>
+          <a:p>
+            <a:r>
+              <a:rPr lang="fr-FR" sz="1400" b="1" dirty="0" smtClean="0"/>
               <a:t>2. La hauteur de marche :</a:t>
             </a:r>
           </a:p>
           <a:p>
-            <a:endParaRPr lang="fr-FR" sz="1200" b="1" dirty="0"/>
-          </a:p>
-          <a:p>
-            <a:r>
-              <a:rPr lang="fr-FR" sz="1200" b="1" dirty="0"/>
-              <a:t>…………………………………………………………………………………….</a:t>
-            </a:r>
-          </a:p>
-          <a:p>
-            <a:endParaRPr lang="fr-FR" sz="1200" b="1" dirty="0" smtClean="0"/>
-          </a:p>
-          <a:p>
-            <a:r>
-              <a:rPr lang="fr-FR" sz="1200" b="1" dirty="0" smtClean="0"/>
+            <a:endParaRPr lang="fr-FR" sz="1400" b="1" dirty="0" smtClean="0"/>
+          </a:p>
+          <a:p>
+            <a:r>
+              <a:rPr lang="fr-FR" sz="1400" b="1" dirty="0" smtClean="0"/>
+              <a:t>…………………………………………………………………………… </a:t>
+            </a:r>
+          </a:p>
+          <a:p>
+            <a:endParaRPr lang="fr-FR" sz="1400" b="1" dirty="0"/>
+          </a:p>
+          <a:p>
+            <a:r>
+              <a:rPr lang="fr-FR" sz="1400" b="1" dirty="0" smtClean="0"/>
+              <a:t>……………………………………………………………………………</a:t>
+            </a:r>
+          </a:p>
+          <a:p>
+            <a:r>
+              <a:rPr lang="fr-FR" sz="1400" b="1" dirty="0" smtClean="0"/>
               <a:t>3. Le giron :</a:t>
             </a:r>
           </a:p>
           <a:p>
-            <a:endParaRPr lang="fr-FR" sz="1200" b="1" dirty="0"/>
-          </a:p>
-          <a:p>
-            <a:r>
-              <a:rPr lang="fr-FR" sz="1200" b="1" dirty="0"/>
-              <a:t>…………………………………………………………………………………….</a:t>
-            </a:r>
-          </a:p>
-          <a:p>
-            <a:endParaRPr lang="fr-FR" sz="1200" b="1" dirty="0" smtClean="0"/>
-          </a:p>
-          <a:p>
-            <a:r>
-              <a:rPr lang="fr-FR" sz="1200" b="1" dirty="0" smtClean="0"/>
+            <a:endParaRPr lang="fr-FR" sz="1400" b="1" dirty="0" smtClean="0"/>
+          </a:p>
+          <a:p>
+            <a:r>
+              <a:rPr lang="fr-FR" sz="1400" b="1" dirty="0" smtClean="0"/>
+              <a:t>……………………………………………………………………………</a:t>
+            </a:r>
+          </a:p>
+          <a:p>
+            <a:r>
+              <a:rPr lang="fr-FR" sz="1400" b="1" dirty="0" smtClean="0"/>
+              <a:t> </a:t>
+            </a:r>
+            <a:r>
+              <a:rPr lang="fr-FR" sz="1400" b="1" dirty="0"/>
+              <a:t>……………………………………………………………………………</a:t>
+            </a:r>
+            <a:endParaRPr lang="fr-FR" sz="1400" b="1" dirty="0" smtClean="0"/>
+          </a:p>
+          <a:p>
+            <a:r>
+              <a:rPr lang="fr-FR" sz="1400" b="1" dirty="0" smtClean="0"/>
               <a:t>4. La formule de blondel :</a:t>
             </a:r>
           </a:p>
           <a:p>
-            <a:endParaRPr lang="fr-FR" sz="1200" b="1" dirty="0"/>
-          </a:p>
-          <a:p>
-            <a:r>
-              <a:rPr lang="fr-FR" sz="1200" b="1" dirty="0"/>
-              <a:t>…………………………………………………………………………………….</a:t>
-            </a:r>
-          </a:p>
-          <a:p>
-            <a:endParaRPr lang="fr-FR" sz="1200" b="1" dirty="0" smtClean="0"/>
+            <a:endParaRPr lang="fr-FR" sz="1400" b="1" dirty="0" smtClean="0"/>
+          </a:p>
+          <a:p>
+            <a:r>
+              <a:rPr lang="fr-FR" sz="1400" b="1" dirty="0" smtClean="0"/>
+              <a:t>……………………………………………………………………………</a:t>
+            </a:r>
+          </a:p>
+          <a:p>
+            <a:r>
+              <a:rPr lang="fr-FR" sz="1400" b="1" dirty="0" smtClean="0"/>
+              <a:t> </a:t>
+            </a:r>
+            <a:r>
+              <a:rPr lang="fr-FR" sz="1400" b="1" dirty="0"/>
+              <a:t>……………………………………………………………………………</a:t>
+            </a:r>
+            <a:endParaRPr lang="fr-FR" sz="1400" b="1" dirty="0" smtClean="0"/>
           </a:p>
         </p:txBody>
       </p:sp>
@@ -9519,14 +11266,30 @@
         </p:nvSpPr>
         <p:spPr>
           <a:xfrm>
-            <a:off x="3627623" y="1373391"/>
-            <a:ext cx="3710216" cy="2677656"/>
+            <a:off x="3505199" y="1080387"/>
+            <a:ext cx="3879669" cy="3323987"/>
           </a:xfrm>
           <a:prstGeom prst="rect">
             <a:avLst/>
           </a:prstGeom>
-          <a:noFill/>
-        </p:spPr>
+          <a:ln>
+            <a:prstDash val="lgDashDot"/>
+          </a:ln>
+        </p:spPr>
+        <p:style>
+          <a:lnRef idx="2">
+            <a:schemeClr val="dk1"/>
+          </a:lnRef>
+          <a:fillRef idx="1">
+            <a:schemeClr val="lt1"/>
+          </a:fillRef>
+          <a:effectRef idx="0">
+            <a:schemeClr val="dk1"/>
+          </a:effectRef>
+          <a:fontRef idx="minor">
+            <a:schemeClr val="dk1"/>
+          </a:fontRef>
+        </p:style>
         <p:txBody>
           <a:bodyPr wrap="square" numCol="1" rtlCol="0">
             <a:spAutoFit/>
@@ -9534,98 +11297,102 @@
           <a:lstStyle/>
           <a:p>
             <a:r>
-              <a:rPr lang="fr-FR" sz="1200" b="1" dirty="0" smtClean="0"/>
+              <a:rPr lang="fr-FR" sz="1400" b="1" dirty="0" smtClean="0"/>
               <a:t>Les formules :</a:t>
             </a:r>
           </a:p>
           <a:p>
-            <a:endParaRPr lang="fr-FR" sz="1200" b="1" dirty="0" smtClean="0"/>
-          </a:p>
-          <a:p>
-            <a:r>
-              <a:rPr lang="fr-FR" sz="1200" b="1" dirty="0" smtClean="0"/>
+            <a:endParaRPr lang="fr-FR" sz="1400" b="1" dirty="0" smtClean="0"/>
+          </a:p>
+          <a:p>
+            <a:r>
+              <a:rPr lang="fr-FR" sz="1400" b="1" dirty="0" smtClean="0"/>
               <a:t>1. Le nombre de marches :</a:t>
             </a:r>
           </a:p>
           <a:p>
             <a:r>
-              <a:rPr lang="fr-FR" sz="1200" dirty="0" smtClean="0"/>
+              <a:rPr lang="fr-FR" sz="1400" dirty="0" smtClean="0"/>
               <a:t>la hauteur de l’escalier </a:t>
             </a:r>
             <a:r>
-              <a:rPr lang="fr-BE" sz="1200" dirty="0" smtClean="0"/>
+              <a:rPr lang="fr-BE" sz="1400" dirty="0" smtClean="0"/>
               <a:t>÷ la hauteur idéale d’une marche d’escalier</a:t>
             </a:r>
-            <a:endParaRPr lang="fr-FR" sz="1200" dirty="0" smtClean="0"/>
-          </a:p>
-          <a:p>
-            <a:r>
-              <a:rPr lang="fr-FR" sz="1200" b="1" dirty="0" smtClean="0"/>
+            <a:endParaRPr lang="fr-FR" sz="1400" dirty="0" smtClean="0"/>
+          </a:p>
+          <a:p>
+            <a:r>
+              <a:rPr lang="fr-FR" sz="1400" b="1" dirty="0" smtClean="0"/>
               <a:t>2. La hauteur de marche :</a:t>
             </a:r>
           </a:p>
           <a:p>
             <a:r>
-              <a:rPr lang="fr-FR" sz="1200" dirty="0" smtClean="0"/>
+              <a:rPr lang="fr-FR" sz="1400" dirty="0" smtClean="0"/>
               <a:t>la hauteur de l’escalier </a:t>
             </a:r>
             <a:r>
-              <a:rPr lang="fr-BE" sz="1200" dirty="0"/>
+              <a:rPr lang="fr-BE" sz="1400" dirty="0"/>
               <a:t>÷ </a:t>
             </a:r>
             <a:r>
-              <a:rPr lang="fr-BE" sz="1200" dirty="0" smtClean="0"/>
+              <a:rPr lang="fr-BE" sz="1400" dirty="0" smtClean="0"/>
               <a:t>résultat précédent (nombre de marches)</a:t>
             </a:r>
           </a:p>
           <a:p>
             <a:r>
-              <a:rPr lang="fr-FR" sz="1200" b="1" dirty="0" smtClean="0"/>
+              <a:rPr lang="fr-FR" sz="1400" b="1" dirty="0" smtClean="0"/>
               <a:t>3. Le giron :</a:t>
             </a:r>
           </a:p>
           <a:p>
             <a:r>
-              <a:rPr lang="fr-FR" sz="1200" dirty="0" smtClean="0"/>
+              <a:rPr lang="fr-FR" sz="1400" dirty="0" smtClean="0"/>
               <a:t>[longueur de l’escalier </a:t>
             </a:r>
             <a:r>
-              <a:rPr lang="fr-FR" sz="1200" dirty="0"/>
+              <a:rPr lang="fr-FR" sz="1400" dirty="0"/>
               <a:t>-</a:t>
             </a:r>
             <a:r>
-              <a:rPr lang="fr-FR" sz="1200" dirty="0" smtClean="0"/>
-              <a:t> (marche palière + distance entre le dernier nez de marche et le bout de mon limon)] </a:t>
-            </a:r>
-            <a:r>
-              <a:rPr lang="fr-BE" sz="1200" dirty="0" smtClean="0"/>
+              <a:rPr lang="fr-FR" sz="1400" dirty="0" smtClean="0"/>
+              <a:t> (marche palière + </a:t>
+            </a:r>
+            <a:r>
+              <a:rPr lang="fr-FR" sz="1400" dirty="0"/>
+              <a:t>distance entre le dernier nez de marche et distance entre le dernier nez de marche et la fin de mon limon)] </a:t>
+            </a:r>
+            <a:r>
+              <a:rPr lang="fr-BE" sz="1400" dirty="0" smtClean="0"/>
               <a:t>÷ (nombre de marche – la marche palière)</a:t>
             </a:r>
           </a:p>
           <a:p>
             <a:r>
-              <a:rPr lang="fr-BE" sz="1200" dirty="0" smtClean="0"/>
+              <a:rPr lang="fr-BE" sz="1400" dirty="0" smtClean="0"/>
               <a:t>4.</a:t>
             </a:r>
             <a:r>
-              <a:rPr lang="fr-BE" sz="1200" b="1" dirty="0" smtClean="0"/>
+              <a:rPr lang="fr-BE" sz="1400" b="1" dirty="0" smtClean="0"/>
               <a:t> La formule de blondel :</a:t>
             </a:r>
           </a:p>
           <a:p>
             <a:r>
-              <a:rPr lang="fr-FR" sz="1200" dirty="0"/>
+              <a:rPr lang="fr-FR" sz="1400" dirty="0"/>
               <a:t>1 giron + 2 hauteur de marche </a:t>
             </a:r>
             <a:r>
-              <a:rPr lang="fr-FR" sz="1200" dirty="0" smtClean="0"/>
-              <a:t>entre 60 et 64 </a:t>
-            </a:r>
-            <a:r>
-              <a:rPr lang="fr-FR" sz="1200" dirty="0"/>
+              <a:rPr lang="fr-FR" sz="1400" dirty="0" smtClean="0"/>
+              <a:t>entre 58 et 64 </a:t>
+            </a:r>
+            <a:r>
+              <a:rPr lang="fr-FR" sz="1400" dirty="0"/>
               <a:t>cm</a:t>
             </a:r>
-            <a:endParaRPr lang="fr-FR" sz="1200" dirty="0" smtClean="0"/>
+            <a:endParaRPr lang="fr-FR" sz="1400" dirty="0" smtClean="0"/>
           </a:p>
         </p:txBody>
       </p:sp>
@@ -9675,7 +11442,7 @@
         <p:spPr>
           <a:xfrm>
             <a:off x="336163" y="863140"/>
-            <a:ext cx="3269235" cy="1646605"/>
+            <a:ext cx="3269235" cy="1600438"/>
           </a:xfrm>
           <a:prstGeom prst="rect">
             <a:avLst/>
@@ -9689,50 +11456,50 @@
           <a:lstStyle/>
           <a:p>
             <a:r>
-              <a:rPr lang="fr-FR" b="1" dirty="0" smtClean="0"/>
+              <a:rPr lang="fr-FR" sz="1400" b="1" dirty="0" smtClean="0"/>
               <a:t>Prise de cotes  sur chantier :</a:t>
             </a:r>
           </a:p>
           <a:p>
-            <a:endParaRPr lang="fr-FR" b="1" dirty="0" smtClean="0"/>
-          </a:p>
-          <a:p>
-            <a:r>
-              <a:rPr lang="fr-FR" sz="1300" b="1" dirty="0" smtClean="0"/>
+            <a:endParaRPr lang="fr-FR" sz="1400" b="1" dirty="0" smtClean="0"/>
+          </a:p>
+          <a:p>
+            <a:r>
+              <a:rPr lang="fr-FR" sz="1400" b="1" dirty="0" smtClean="0"/>
               <a:t>A. Déterminer la hauteur </a:t>
             </a:r>
             <a:r>
-              <a:rPr lang="fr-FR" sz="1300" dirty="0" smtClean="0"/>
+              <a:rPr lang="fr-FR" sz="1400" dirty="0" smtClean="0"/>
               <a:t>de l’escalier.</a:t>
             </a:r>
           </a:p>
           <a:p>
             <a:r>
-              <a:rPr lang="fr-FR" sz="1300" dirty="0" smtClean="0"/>
+              <a:rPr lang="fr-FR" sz="1400" dirty="0" smtClean="0"/>
               <a:t> (du sol au plancher )</a:t>
             </a:r>
-            <a:endParaRPr lang="fr-FR" sz="1300" dirty="0"/>
-          </a:p>
-          <a:p>
-            <a:r>
-              <a:rPr lang="fr-FR" sz="1300" b="1" dirty="0" smtClean="0"/>
+            <a:endParaRPr lang="fr-FR" sz="1400" dirty="0"/>
+          </a:p>
+          <a:p>
+            <a:r>
+              <a:rPr lang="fr-FR" sz="1400" b="1" dirty="0" smtClean="0"/>
               <a:t>B. Déterminer l’étendue </a:t>
             </a:r>
             <a:r>
-              <a:rPr lang="fr-FR" sz="1300" dirty="0" smtClean="0"/>
+              <a:rPr lang="fr-FR" sz="1400" dirty="0" smtClean="0"/>
               <a:t>(le reculement) disponible</a:t>
             </a:r>
           </a:p>
           <a:p>
             <a:r>
-              <a:rPr lang="fr-FR" sz="1300" b="1" dirty="0" smtClean="0"/>
+              <a:rPr lang="fr-FR" sz="1400" b="1" dirty="0" smtClean="0"/>
               <a:t>C. Déterminer la largeur </a:t>
             </a:r>
             <a:r>
-              <a:rPr lang="fr-FR" sz="1300" dirty="0" smtClean="0"/>
+              <a:rPr lang="fr-FR" sz="1400" dirty="0" smtClean="0"/>
               <a:t>disponible </a:t>
             </a:r>
-            <a:endParaRPr lang="fr-FR" sz="1300" dirty="0"/>
+            <a:endParaRPr lang="fr-FR" sz="1400" dirty="0"/>
           </a:p>
         </p:txBody>
       </p:sp>
@@ -9745,7 +11512,7 @@
         <p:spPr>
           <a:xfrm>
             <a:off x="3605398" y="863140"/>
-            <a:ext cx="3710216" cy="4647426"/>
+            <a:ext cx="3710216" cy="6340197"/>
           </a:xfrm>
           <a:prstGeom prst="rect">
             <a:avLst/>
@@ -9759,112 +11526,132 @@
           <a:lstStyle/>
           <a:p>
             <a:r>
-              <a:rPr lang="fr-FR" b="1" dirty="0" smtClean="0"/>
+              <a:rPr lang="fr-FR" sz="1400" b="1" dirty="0" smtClean="0"/>
               <a:t>Calcul et traçage sur le plan :</a:t>
             </a:r>
           </a:p>
           <a:p>
-            <a:endParaRPr lang="fr-FR" b="1" dirty="0" smtClean="0"/>
-          </a:p>
-          <a:p>
-            <a:r>
-              <a:rPr lang="fr-FR" sz="1300" b="1" dirty="0" smtClean="0"/>
+            <a:endParaRPr lang="fr-FR" sz="1400" b="1" dirty="0" smtClean="0"/>
+          </a:p>
+          <a:p>
+            <a:r>
+              <a:rPr lang="fr-FR" sz="1400" b="1" dirty="0" smtClean="0"/>
               <a:t>1. Le nombre de marches :</a:t>
             </a:r>
           </a:p>
           <a:p>
             <a:r>
-              <a:rPr lang="fr-FR" sz="1300" dirty="0" smtClean="0"/>
+              <a:rPr lang="fr-FR" sz="1400" dirty="0" smtClean="0"/>
               <a:t>la hauteur de l’escalier </a:t>
             </a:r>
             <a:r>
-              <a:rPr lang="fr-BE" sz="1300" dirty="0" smtClean="0"/>
+              <a:rPr lang="fr-BE" sz="1400" dirty="0" smtClean="0"/>
               <a:t>÷ la hauteur idéale d’une marche d’escalier</a:t>
             </a:r>
-            <a:endParaRPr lang="fr-FR" sz="1300" dirty="0" smtClean="0"/>
-          </a:p>
-          <a:p>
-            <a:endParaRPr lang="fr-FR" sz="1300" b="1" dirty="0" smtClean="0"/>
-          </a:p>
-          <a:p>
-            <a:r>
-              <a:rPr lang="fr-FR" sz="1300" b="1" dirty="0" smtClean="0"/>
+            <a:endParaRPr lang="fr-FR" sz="1400" dirty="0" smtClean="0"/>
+          </a:p>
+          <a:p>
+            <a:endParaRPr lang="fr-FR" sz="1400" b="1" dirty="0" smtClean="0"/>
+          </a:p>
+          <a:p>
+            <a:r>
+              <a:rPr lang="fr-FR" sz="1400" b="1" dirty="0" smtClean="0"/>
               <a:t>2. La hauteur de marche :</a:t>
             </a:r>
           </a:p>
           <a:p>
             <a:r>
-              <a:rPr lang="fr-FR" sz="1300" dirty="0" smtClean="0"/>
+              <a:rPr lang="fr-FR" sz="1400" dirty="0" smtClean="0"/>
               <a:t>la hauteur de l’escalier </a:t>
             </a:r>
             <a:r>
-              <a:rPr lang="fr-BE" sz="1300" dirty="0"/>
+              <a:rPr lang="fr-BE" sz="1400" dirty="0"/>
               <a:t>÷ </a:t>
             </a:r>
             <a:r>
-              <a:rPr lang="fr-BE" sz="1300" dirty="0" smtClean="0"/>
+              <a:rPr lang="fr-BE" sz="1400" dirty="0" smtClean="0"/>
               <a:t>résultat précédent (nombre de marches)</a:t>
             </a:r>
           </a:p>
           <a:p>
-            <a:endParaRPr lang="fr-BE" sz="1300" dirty="0" smtClean="0"/>
-          </a:p>
-          <a:p>
-            <a:r>
-              <a:rPr lang="fr-BE" sz="1300" b="1" dirty="0" smtClean="0"/>
+            <a:endParaRPr lang="fr-BE" sz="1400" dirty="0" smtClean="0"/>
+          </a:p>
+          <a:p>
+            <a:r>
+              <a:rPr lang="fr-BE" sz="1400" b="1" dirty="0" smtClean="0"/>
               <a:t>3. Calculer la ligne de foulée :</a:t>
             </a:r>
           </a:p>
           <a:p>
             <a:r>
-              <a:rPr lang="fr-BE" sz="1300" dirty="0" smtClean="0"/>
-              <a:t>La ligne de foulée est l’addition de A, B et C</a:t>
-            </a:r>
-          </a:p>
-          <a:p>
-            <a:endParaRPr lang="fr-BE" sz="1300" dirty="0" smtClean="0"/>
-          </a:p>
-          <a:p>
-            <a:r>
-              <a:rPr lang="fr-FR" sz="1300" b="1" dirty="0"/>
+              <a:rPr lang="fr-BE" sz="1400" dirty="0" smtClean="0"/>
+              <a:t>La ligne de foulée est l’addition de A, B et C (sans compter la marche palière et la </a:t>
+            </a:r>
+            <a:r>
+              <a:rPr lang="fr-FR" sz="1400" dirty="0" smtClean="0"/>
+              <a:t>distance </a:t>
+            </a:r>
+            <a:r>
+              <a:rPr lang="fr-FR" sz="1400" dirty="0"/>
+              <a:t>entre le dernier nez de marche et la fin de mon limon</a:t>
+            </a:r>
+            <a:r>
+              <a:rPr lang="fr-BE" sz="1400" dirty="0" smtClean="0"/>
+              <a:t>)</a:t>
+            </a:r>
+          </a:p>
+          <a:p>
+            <a:endParaRPr lang="fr-BE" sz="1400" dirty="0" smtClean="0"/>
+          </a:p>
+          <a:p>
+            <a:r>
+              <a:rPr lang="fr-FR" sz="1400" b="1" dirty="0"/>
               <a:t>4</a:t>
             </a:r>
             <a:r>
-              <a:rPr lang="fr-FR" sz="1300" b="1" dirty="0" smtClean="0"/>
+              <a:rPr lang="fr-FR" sz="1400" b="1" dirty="0" smtClean="0"/>
               <a:t>. Déterminer le giron :</a:t>
             </a:r>
           </a:p>
           <a:p>
             <a:r>
-              <a:rPr lang="fr-FR" sz="1300" dirty="0" smtClean="0"/>
+              <a:rPr lang="fr-FR" sz="1400" dirty="0" smtClean="0"/>
               <a:t>[longueur de l’escalier </a:t>
             </a:r>
             <a:r>
-              <a:rPr lang="fr-FR" sz="1300" dirty="0"/>
+              <a:rPr lang="fr-FR" sz="1400" dirty="0"/>
               <a:t>-</a:t>
             </a:r>
             <a:r>
-              <a:rPr lang="fr-FR" sz="1300" dirty="0" smtClean="0"/>
-              <a:t> (marche palière + distance entre le dernier nez de marche et le bout de mon limon)] </a:t>
-            </a:r>
-            <a:r>
-              <a:rPr lang="fr-BE" sz="1300" dirty="0" smtClean="0"/>
+              <a:rPr lang="fr-FR" sz="1400" dirty="0" smtClean="0"/>
+              <a:t> (marche palière + </a:t>
+            </a:r>
+            <a:r>
+              <a:rPr lang="fr-FR" sz="1400" dirty="0"/>
+              <a:t>distance entre le dernier nez de marche et distance entre le dernier nez de marche et la fin de mon limon</a:t>
+            </a:r>
+            <a:r>
+              <a:rPr lang="fr-FR" sz="1400" dirty="0" smtClean="0"/>
+              <a:t>)] </a:t>
+            </a:r>
+            <a:r>
+              <a:rPr lang="fr-BE" sz="1400" dirty="0" smtClean="0"/>
               <a:t>÷ (nombre de marche – la marche palière)</a:t>
             </a:r>
           </a:p>
           <a:p>
-            <a:endParaRPr lang="fr-BE" sz="1300" dirty="0"/>
-          </a:p>
-          <a:p>
-            <a:r>
-              <a:rPr lang="fr-BE" sz="1300" b="1" dirty="0" smtClean="0"/>
+            <a:endParaRPr lang="fr-BE" sz="1400" dirty="0"/>
+          </a:p>
+          <a:p>
+            <a:r>
+              <a:rPr lang="fr-BE" sz="1400" b="1" dirty="0" smtClean="0"/>
               <a:t>5. Tracer le balancement</a:t>
             </a:r>
           </a:p>
           <a:p>
             <a:r>
-              <a:rPr lang="fr-BE" sz="1300" dirty="0" smtClean="0"/>
-              <a:t>Avec un compas, tracer sur la ligne de foulée les intervalles entre les nez de marches (le giron). Tracer des parties droites de l’escalier et ….</a:t>
+              <a:rPr lang="fr-BE" sz="1400" dirty="0" smtClean="0"/>
+              <a:t>Avec un compas, tracer sur la ligne de foulée les intervalles entre les nez de marches (le giron). Tracer des parties droites de l’escalier et déterminer une manière pour le balancement des marches (A voir dans la suite du cours)</a:t>
             </a:r>
           </a:p>
         </p:txBody>
@@ -9915,7 +11702,7 @@
             <a:pPr algn="ctr"/>
             <a:r>
               <a:rPr lang="fr-FR" sz="2400" dirty="0" smtClean="0"/>
-              <a:t>Les étapes pour concevoir un escalier quart tournant</a:t>
+              <a:t>Les étapes pour un escalier quart tournant 1/2</a:t>
             </a:r>
             <a:endParaRPr lang="fr-FR" sz="2400" dirty="0"/>
           </a:p>
@@ -10515,7 +12302,7 @@
         <p:spPr>
           <a:xfrm>
             <a:off x="3605397" y="863140"/>
-            <a:ext cx="3618363" cy="4462760"/>
+            <a:ext cx="3618363" cy="5047536"/>
           </a:xfrm>
           <a:prstGeom prst="rect">
             <a:avLst/>
@@ -10529,251 +12316,159 @@
           <a:lstStyle/>
           <a:p>
             <a:r>
-              <a:rPr lang="fr-FR" b="1" dirty="0" smtClean="0"/>
+              <a:rPr lang="fr-FR" sz="1400" b="1" dirty="0" smtClean="0"/>
               <a:t>Calcul et traçage sur le plan :</a:t>
             </a:r>
           </a:p>
           <a:p>
-            <a:endParaRPr lang="fr-FR" b="1" dirty="0" smtClean="0"/>
-          </a:p>
-          <a:p>
-            <a:r>
-              <a:rPr lang="fr-FR" sz="1300" dirty="0" smtClean="0"/>
-              <a:t>Pour un escalier d’une hauteur sol au plancher de </a:t>
-            </a:r>
-            <a:r>
-              <a:rPr lang="fr-FR" sz="1300" dirty="0" smtClean="0"/>
+            <a:endParaRPr lang="fr-FR" sz="1400" b="1" dirty="0" smtClean="0"/>
+          </a:p>
+          <a:p>
+            <a:r>
+              <a:rPr lang="fr-FR" sz="1400" dirty="0" smtClean="0"/>
+              <a:t>Pour un escalier d’une hauteur sol au plancher de 2000 mm, une marche palière de 100 mm et une distance entre le dernier nez de marche et la fin du limon de 30 mm</a:t>
+            </a:r>
+          </a:p>
+          <a:p>
+            <a:endParaRPr lang="fr-FR" sz="1400" dirty="0" smtClean="0"/>
+          </a:p>
+          <a:p>
+            <a:r>
+              <a:rPr lang="fr-FR" sz="1400" b="1" dirty="0" smtClean="0"/>
+              <a:t>1. Le nombre de marches :</a:t>
+            </a:r>
+          </a:p>
+          <a:p>
+            <a:r>
+              <a:rPr lang="fr-FR" sz="1400" dirty="0" smtClean="0"/>
               <a:t>2000 </a:t>
             </a:r>
             <a:r>
-              <a:rPr lang="fr-FR" sz="1300" dirty="0" smtClean="0"/>
-              <a:t>mm</a:t>
-            </a:r>
-          </a:p>
-          <a:p>
-            <a:endParaRPr lang="fr-FR" sz="1300" dirty="0" smtClean="0"/>
-          </a:p>
-          <a:p>
-            <a:r>
-              <a:rPr lang="fr-FR" sz="1300" b="1" dirty="0" smtClean="0"/>
-              <a:t>1. Le nombre de marches :</a:t>
-            </a:r>
-          </a:p>
-          <a:p>
-            <a:r>
-              <a:rPr lang="fr-FR" sz="1300" dirty="0" smtClean="0"/>
+              <a:rPr lang="fr-BE" sz="1400" dirty="0"/>
+              <a:t>÷</a:t>
+            </a:r>
+            <a:r>
+              <a:rPr lang="fr-FR" sz="1400" dirty="0" smtClean="0"/>
+              <a:t> 180 = </a:t>
+            </a:r>
+            <a:r>
+              <a:rPr lang="fr-BE" sz="1400" dirty="0" smtClean="0"/>
+              <a:t>11,1111</a:t>
+            </a:r>
+            <a:r>
+              <a:rPr lang="fr-FR" sz="1400" dirty="0" smtClean="0"/>
+              <a:t>… (11 ou 12)</a:t>
+            </a:r>
+          </a:p>
+          <a:p>
+            <a:endParaRPr lang="fr-FR" sz="1400" b="1" dirty="0" smtClean="0"/>
+          </a:p>
+          <a:p>
+            <a:r>
+              <a:rPr lang="fr-FR" sz="1400" b="1" dirty="0" smtClean="0"/>
+              <a:t>2. La hauteur de marche :</a:t>
+            </a:r>
+          </a:p>
+          <a:p>
+            <a:r>
+              <a:rPr lang="fr-FR" sz="1400" strike="sngStrike" dirty="0" smtClean="0"/>
               <a:t>2000 </a:t>
             </a:r>
             <a:r>
-              <a:rPr lang="fr-BE" sz="1300" dirty="0"/>
-              <a:t>÷</a:t>
-            </a:r>
-            <a:r>
-              <a:rPr lang="fr-FR" sz="1300" dirty="0" smtClean="0"/>
-              <a:t> 180 = </a:t>
-            </a:r>
-            <a:r>
-              <a:rPr lang="fr-BE" sz="1300" dirty="0" smtClean="0"/>
-              <a:t>11,1111</a:t>
-            </a:r>
-            <a:r>
-              <a:rPr lang="fr-FR" sz="1300" dirty="0" smtClean="0"/>
-              <a:t>… </a:t>
-            </a:r>
-            <a:r>
-              <a:rPr lang="fr-FR" sz="1300" dirty="0" smtClean="0"/>
-              <a:t>(</a:t>
-            </a:r>
-            <a:r>
-              <a:rPr lang="fr-FR" sz="1300" dirty="0" smtClean="0"/>
-              <a:t>11 </a:t>
-            </a:r>
-            <a:r>
-              <a:rPr lang="fr-FR" sz="1300" dirty="0" smtClean="0"/>
-              <a:t>ou </a:t>
-            </a:r>
-            <a:r>
-              <a:rPr lang="fr-FR" sz="1300" dirty="0" smtClean="0"/>
-              <a:t>12)</a:t>
-            </a:r>
-            <a:endParaRPr lang="fr-FR" sz="1300" dirty="0" smtClean="0"/>
-          </a:p>
-          <a:p>
-            <a:endParaRPr lang="fr-FR" sz="1300" b="1" dirty="0" smtClean="0"/>
-          </a:p>
-          <a:p>
-            <a:r>
-              <a:rPr lang="fr-FR" sz="1300" b="1" dirty="0" smtClean="0"/>
-              <a:t>2. La hauteur de marche :</a:t>
-            </a:r>
-          </a:p>
-          <a:p>
-            <a:r>
-              <a:rPr lang="fr-FR" sz="1300" strike="sngStrike" dirty="0" smtClean="0"/>
-              <a:t>2000 </a:t>
-            </a:r>
-            <a:r>
-              <a:rPr lang="fr-BE" sz="1300" strike="sngStrike" dirty="0" smtClean="0"/>
-              <a:t>÷ </a:t>
-            </a:r>
-            <a:r>
-              <a:rPr lang="fr-BE" sz="1300" strike="sngStrike" dirty="0" smtClean="0"/>
-              <a:t>12 </a:t>
-            </a:r>
-            <a:r>
-              <a:rPr lang="fr-BE" sz="1300" strike="sngStrike" dirty="0" smtClean="0"/>
-              <a:t>= </a:t>
-            </a:r>
-            <a:r>
-              <a:rPr lang="fr-BE" sz="1300" strike="sngStrike" dirty="0" smtClean="0"/>
-              <a:t>166,66666</a:t>
-            </a:r>
-            <a:r>
-              <a:rPr lang="fr-BE" sz="1300" dirty="0" smtClean="0"/>
+              <a:rPr lang="fr-BE" sz="1400" strike="sngStrike" dirty="0" smtClean="0"/>
+              <a:t>÷ 12 = 166,66666</a:t>
+            </a:r>
+            <a:r>
+              <a:rPr lang="fr-BE" sz="1400" dirty="0" smtClean="0"/>
               <a:t> </a:t>
             </a:r>
-            <a:endParaRPr lang="fr-BE" sz="1300" dirty="0" smtClean="0"/>
-          </a:p>
-          <a:p>
-            <a:r>
-              <a:rPr lang="fr-BE" sz="1300" dirty="0" smtClean="0"/>
-              <a:t>2000 </a:t>
-            </a:r>
-            <a:r>
-              <a:rPr lang="fr-BE" sz="1300" dirty="0" smtClean="0"/>
-              <a:t>÷ </a:t>
-            </a:r>
-            <a:r>
-              <a:rPr lang="fr-BE" sz="1300" dirty="0" smtClean="0"/>
-              <a:t>11 </a:t>
-            </a:r>
-            <a:r>
-              <a:rPr lang="fr-BE" sz="1300" dirty="0" smtClean="0"/>
-              <a:t>= </a:t>
-            </a:r>
-            <a:r>
-              <a:rPr lang="fr-BE" sz="1300" dirty="0" smtClean="0"/>
-              <a:t>181,8181…</a:t>
-            </a:r>
-            <a:endParaRPr lang="fr-BE" sz="1300" dirty="0" smtClean="0"/>
-          </a:p>
-          <a:p>
-            <a:endParaRPr lang="fr-BE" sz="1300" dirty="0" smtClean="0"/>
-          </a:p>
-          <a:p>
-            <a:r>
-              <a:rPr lang="fr-BE" sz="1300" b="1" dirty="0" smtClean="0"/>
+          </a:p>
+          <a:p>
+            <a:r>
+              <a:rPr lang="fr-BE" sz="1400" dirty="0" smtClean="0"/>
+              <a:t>2000 ÷ 11 = 181,8181…</a:t>
+            </a:r>
+          </a:p>
+          <a:p>
+            <a:endParaRPr lang="fr-BE" sz="1400" dirty="0" smtClean="0"/>
+          </a:p>
+          <a:p>
+            <a:r>
+              <a:rPr lang="fr-BE" sz="1400" b="1" dirty="0" smtClean="0"/>
               <a:t>3. Calculer la ligne de foulée :</a:t>
             </a:r>
           </a:p>
           <a:p>
             <a:r>
-              <a:rPr lang="fr-BE" sz="1300" dirty="0" smtClean="0"/>
+              <a:rPr lang="fr-BE" sz="1400" dirty="0" smtClean="0"/>
               <a:t>(1150 – 100)  + (1050 – 30) + (3,14 x 400 x 2) = 2698mm				</a:t>
             </a:r>
             <a:r>
-              <a:rPr lang="fr-BE" sz="1300" dirty="0"/>
+              <a:rPr lang="fr-BE" sz="1400" dirty="0"/>
               <a:t> </a:t>
             </a:r>
             <a:r>
-              <a:rPr lang="fr-BE" sz="1300" dirty="0" smtClean="0"/>
+              <a:rPr lang="fr-BE" sz="1400" dirty="0" smtClean="0"/>
               <a:t>    4</a:t>
             </a:r>
           </a:p>
           <a:p>
             <a:r>
-              <a:rPr lang="fr-BE" sz="1300" dirty="0" smtClean="0"/>
+              <a:rPr lang="fr-BE" sz="1400" dirty="0" smtClean="0"/>
               <a:t>					</a:t>
             </a:r>
           </a:p>
           <a:p>
             <a:r>
-              <a:rPr lang="fr-FR" sz="1300" b="1" dirty="0"/>
+              <a:rPr lang="fr-FR" sz="1400" b="1" dirty="0"/>
               <a:t>4</a:t>
             </a:r>
             <a:r>
-              <a:rPr lang="fr-FR" sz="1300" b="1" dirty="0" smtClean="0"/>
+              <a:rPr lang="fr-FR" sz="1400" b="1" dirty="0" smtClean="0"/>
               <a:t>. Déterminer le giron :</a:t>
             </a:r>
           </a:p>
           <a:p>
             <a:r>
-              <a:rPr lang="fr-FR" sz="1300" dirty="0" smtClean="0"/>
+              <a:rPr lang="fr-FR" sz="1400" dirty="0" smtClean="0"/>
               <a:t>2698 </a:t>
             </a:r>
             <a:r>
-              <a:rPr lang="fr-BE" sz="1300" dirty="0" smtClean="0"/>
-              <a:t>÷ </a:t>
-            </a:r>
-            <a:r>
-              <a:rPr lang="fr-BE" sz="1300" dirty="0" smtClean="0"/>
-              <a:t>10 </a:t>
-            </a:r>
-            <a:r>
-              <a:rPr lang="fr-BE" sz="1300" dirty="0" smtClean="0"/>
-              <a:t>= </a:t>
-            </a:r>
-            <a:r>
-              <a:rPr lang="fr-BE" sz="1300" dirty="0" smtClean="0"/>
-              <a:t>269.8 mm</a:t>
-            </a:r>
-            <a:endParaRPr lang="fr-BE" sz="1300" dirty="0" smtClean="0"/>
-          </a:p>
-          <a:p>
-            <a:endParaRPr lang="fr-BE" sz="1300" dirty="0"/>
-          </a:p>
-          <a:p>
-            <a:r>
-              <a:rPr lang="fr-FR" sz="1300" b="1" dirty="0" smtClean="0"/>
-              <a:t>5. Formule de </a:t>
-            </a:r>
-            <a:r>
-              <a:rPr lang="fr-FR" sz="1300" b="1" dirty="0" err="1" smtClean="0"/>
-              <a:t>bondel</a:t>
-            </a:r>
-            <a:r>
-              <a:rPr lang="fr-FR" sz="1300" b="1" dirty="0" smtClean="0"/>
-              <a:t> :</a:t>
-            </a:r>
-          </a:p>
-          <a:p>
-            <a:r>
-              <a:rPr lang="fr-BE" sz="1300" dirty="0" smtClean="0"/>
+              <a:rPr lang="fr-BE" sz="1400" dirty="0" smtClean="0"/>
+              <a:t>÷ 10 = 269.8 mm</a:t>
+            </a:r>
+          </a:p>
+          <a:p>
+            <a:endParaRPr lang="fr-BE" sz="1400" dirty="0"/>
+          </a:p>
+          <a:p>
+            <a:r>
+              <a:rPr lang="fr-FR" sz="1400" b="1" dirty="0" smtClean="0"/>
+              <a:t>5. Formule de Blondel :</a:t>
+            </a:r>
+          </a:p>
+          <a:p>
+            <a:r>
+              <a:rPr lang="fr-BE" sz="1400" dirty="0" smtClean="0"/>
               <a:t>181,818 </a:t>
             </a:r>
             <a:r>
-              <a:rPr lang="fr-BE" sz="1300" dirty="0"/>
+              <a:rPr lang="fr-BE" sz="1400" dirty="0"/>
               <a:t>+ </a:t>
             </a:r>
             <a:r>
-              <a:rPr lang="fr-BE" sz="1300" dirty="0" smtClean="0"/>
+              <a:rPr lang="fr-BE" sz="1400" dirty="0" smtClean="0"/>
               <a:t>181,818 </a:t>
             </a:r>
             <a:r>
-              <a:rPr lang="fr-BE" sz="1300" dirty="0"/>
-              <a:t>+ </a:t>
-            </a:r>
-            <a:r>
-              <a:rPr lang="fr-BE" sz="1300" dirty="0"/>
-              <a:t>269.8 </a:t>
-            </a:r>
-            <a:r>
-              <a:rPr lang="fr-BE" sz="1300" dirty="0"/>
-              <a:t>= </a:t>
-            </a:r>
-            <a:r>
-              <a:rPr lang="fr-BE" sz="1300" dirty="0" smtClean="0"/>
-              <a:t> </a:t>
-            </a:r>
-            <a:r>
-              <a:rPr lang="fr-BE" sz="1300" dirty="0" smtClean="0"/>
-              <a:t>633,436 </a:t>
-            </a:r>
-            <a:r>
-              <a:rPr lang="fr-BE" sz="1300" dirty="0" smtClean="0"/>
-              <a:t>mm</a:t>
-            </a:r>
-            <a:endParaRPr lang="fr-FR" sz="1300" dirty="0" smtClean="0"/>
+              <a:rPr lang="fr-BE" sz="1400" dirty="0"/>
+              <a:t>+ 269.8 = </a:t>
+            </a:r>
+            <a:r>
+              <a:rPr lang="fr-BE" sz="1400" dirty="0" smtClean="0"/>
+              <a:t> 633,436 mm</a:t>
+            </a:r>
+            <a:endParaRPr lang="fr-FR" sz="1400" dirty="0" smtClean="0"/>
           </a:p>
         </p:txBody>
       </p:sp>
@@ -10823,7 +12518,7 @@
             <a:pPr algn="ctr"/>
             <a:r>
               <a:rPr lang="fr-FR" sz="2400" dirty="0" smtClean="0"/>
-              <a:t>Les étapes pour concevoir un escalier quart tournant</a:t>
+              <a:t>Les étapes pour un escalier quart tournant 2/2</a:t>
             </a:r>
             <a:endParaRPr lang="fr-FR" sz="2400" dirty="0"/>
           </a:p>
@@ -11426,7 +13121,7 @@
         </p:nvCxnSpPr>
         <p:spPr>
           <a:xfrm>
-            <a:off x="5778954" y="3846739"/>
+            <a:off x="5935709" y="4334419"/>
             <a:ext cx="824122" cy="1361"/>
           </a:xfrm>
           <a:prstGeom prst="line">
